--- a/document/ACI庫存操作.pptx
+++ b/document/ACI庫存操作.pptx
@@ -11,29 +11,32 @@
     <p:sldId id="282" r:id="rId5"/>
     <p:sldId id="283" r:id="rId6"/>
     <p:sldId id="284" r:id="rId7"/>
-    <p:sldId id="257" r:id="rId8"/>
-    <p:sldId id="258" r:id="rId9"/>
-    <p:sldId id="259" r:id="rId10"/>
-    <p:sldId id="260" r:id="rId11"/>
-    <p:sldId id="261" r:id="rId12"/>
-    <p:sldId id="262" r:id="rId13"/>
-    <p:sldId id="263" r:id="rId14"/>
-    <p:sldId id="265" r:id="rId15"/>
-    <p:sldId id="268" r:id="rId16"/>
-    <p:sldId id="269" r:id="rId17"/>
-    <p:sldId id="272" r:id="rId18"/>
-    <p:sldId id="273" r:id="rId19"/>
-    <p:sldId id="264" r:id="rId20"/>
-    <p:sldId id="266" r:id="rId21"/>
-    <p:sldId id="270" r:id="rId22"/>
-    <p:sldId id="267" r:id="rId23"/>
-    <p:sldId id="271" r:id="rId24"/>
-    <p:sldId id="274" r:id="rId25"/>
-    <p:sldId id="275" r:id="rId26"/>
-    <p:sldId id="276" r:id="rId27"/>
-    <p:sldId id="277" r:id="rId28"/>
-    <p:sldId id="278" r:id="rId29"/>
-    <p:sldId id="279" r:id="rId30"/>
+    <p:sldId id="275" r:id="rId8"/>
+    <p:sldId id="276" r:id="rId9"/>
+    <p:sldId id="277" r:id="rId10"/>
+    <p:sldId id="257" r:id="rId11"/>
+    <p:sldId id="258" r:id="rId12"/>
+    <p:sldId id="259" r:id="rId13"/>
+    <p:sldId id="285" r:id="rId14"/>
+    <p:sldId id="286" r:id="rId15"/>
+    <p:sldId id="260" r:id="rId16"/>
+    <p:sldId id="261" r:id="rId17"/>
+    <p:sldId id="262" r:id="rId18"/>
+    <p:sldId id="287" r:id="rId19"/>
+    <p:sldId id="263" r:id="rId20"/>
+    <p:sldId id="265" r:id="rId21"/>
+    <p:sldId id="288" r:id="rId22"/>
+    <p:sldId id="289" r:id="rId23"/>
+    <p:sldId id="290" r:id="rId24"/>
+    <p:sldId id="291" r:id="rId25"/>
+    <p:sldId id="268" r:id="rId26"/>
+    <p:sldId id="269" r:id="rId27"/>
+    <p:sldId id="272" r:id="rId28"/>
+    <p:sldId id="273" r:id="rId29"/>
+    <p:sldId id="278" r:id="rId30"/>
+    <p:sldId id="279" r:id="rId31"/>
+    <p:sldId id="292" r:id="rId32"/>
+    <p:sldId id="293" r:id="rId33"/>
   </p:sldIdLst>
   <p:sldSz cx="12192000" cy="6858000"/>
   <p:notesSz cx="6858000" cy="9144000"/>
@@ -132,6 +135,11 @@
       </a:defRPr>
     </a:lvl9pPr>
   </p:defaultTextStyle>
+  <p:extLst>
+    <p:ext uri="{EFAFB233-063F-42B5-8137-9DF3F51BA10A}">
+      <p15:sldGuideLst xmlns:p15="http://schemas.microsoft.com/office/powerpoint/2012/main"/>
+    </p:ext>
+  </p:extLst>
 </p:presentation>
 </file>
 
@@ -266,7 +274,7 @@
           <a:p>
             <a:fld id="{0BF83F52-7D59-45B5-B017-ABEB8042948F}" type="datetimeFigureOut">
               <a:rPr lang="zh-TW" altLang="en-US" smtClean="0"/>
-              <a:t>2025/3/31</a:t>
+              <a:t>2025/6/26</a:t>
             </a:fld>
             <a:endParaRPr lang="zh-TW" altLang="en-US"/>
           </a:p>
@@ -436,7 +444,7 @@
           <a:p>
             <a:fld id="{0BF83F52-7D59-45B5-B017-ABEB8042948F}" type="datetimeFigureOut">
               <a:rPr lang="zh-TW" altLang="en-US" smtClean="0"/>
-              <a:t>2025/3/31</a:t>
+              <a:t>2025/6/26</a:t>
             </a:fld>
             <a:endParaRPr lang="zh-TW" altLang="en-US"/>
           </a:p>
@@ -616,7 +624,7 @@
           <a:p>
             <a:fld id="{0BF83F52-7D59-45B5-B017-ABEB8042948F}" type="datetimeFigureOut">
               <a:rPr lang="zh-TW" altLang="en-US" smtClean="0"/>
-              <a:t>2025/3/31</a:t>
+              <a:t>2025/6/26</a:t>
             </a:fld>
             <a:endParaRPr lang="zh-TW" altLang="en-US"/>
           </a:p>
@@ -786,7 +794,7 @@
           <a:p>
             <a:fld id="{0BF83F52-7D59-45B5-B017-ABEB8042948F}" type="datetimeFigureOut">
               <a:rPr lang="zh-TW" altLang="en-US" smtClean="0"/>
-              <a:t>2025/3/31</a:t>
+              <a:t>2025/6/26</a:t>
             </a:fld>
             <a:endParaRPr lang="zh-TW" altLang="en-US"/>
           </a:p>
@@ -1032,7 +1040,7 @@
           <a:p>
             <a:fld id="{0BF83F52-7D59-45B5-B017-ABEB8042948F}" type="datetimeFigureOut">
               <a:rPr lang="zh-TW" altLang="en-US" smtClean="0"/>
-              <a:t>2025/3/31</a:t>
+              <a:t>2025/6/26</a:t>
             </a:fld>
             <a:endParaRPr lang="zh-TW" altLang="en-US"/>
           </a:p>
@@ -1264,7 +1272,7 @@
           <a:p>
             <a:fld id="{0BF83F52-7D59-45B5-B017-ABEB8042948F}" type="datetimeFigureOut">
               <a:rPr lang="zh-TW" altLang="en-US" smtClean="0"/>
-              <a:t>2025/3/31</a:t>
+              <a:t>2025/6/26</a:t>
             </a:fld>
             <a:endParaRPr lang="zh-TW" altLang="en-US"/>
           </a:p>
@@ -1631,7 +1639,7 @@
           <a:p>
             <a:fld id="{0BF83F52-7D59-45B5-B017-ABEB8042948F}" type="datetimeFigureOut">
               <a:rPr lang="zh-TW" altLang="en-US" smtClean="0"/>
-              <a:t>2025/3/31</a:t>
+              <a:t>2025/6/26</a:t>
             </a:fld>
             <a:endParaRPr lang="zh-TW" altLang="en-US"/>
           </a:p>
@@ -1749,7 +1757,7 @@
           <a:p>
             <a:fld id="{0BF83F52-7D59-45B5-B017-ABEB8042948F}" type="datetimeFigureOut">
               <a:rPr lang="zh-TW" altLang="en-US" smtClean="0"/>
-              <a:t>2025/3/31</a:t>
+              <a:t>2025/6/26</a:t>
             </a:fld>
             <a:endParaRPr lang="zh-TW" altLang="en-US"/>
           </a:p>
@@ -1844,7 +1852,7 @@
           <a:p>
             <a:fld id="{0BF83F52-7D59-45B5-B017-ABEB8042948F}" type="datetimeFigureOut">
               <a:rPr lang="zh-TW" altLang="en-US" smtClean="0"/>
-              <a:t>2025/3/31</a:t>
+              <a:t>2025/6/26</a:t>
             </a:fld>
             <a:endParaRPr lang="zh-TW" altLang="en-US"/>
           </a:p>
@@ -2121,7 +2129,7 @@
           <a:p>
             <a:fld id="{0BF83F52-7D59-45B5-B017-ABEB8042948F}" type="datetimeFigureOut">
               <a:rPr lang="zh-TW" altLang="en-US" smtClean="0"/>
-              <a:t>2025/3/31</a:t>
+              <a:t>2025/6/26</a:t>
             </a:fld>
             <a:endParaRPr lang="zh-TW" altLang="en-US"/>
           </a:p>
@@ -2374,7 +2382,7 @@
           <a:p>
             <a:fld id="{0BF83F52-7D59-45B5-B017-ABEB8042948F}" type="datetimeFigureOut">
               <a:rPr lang="zh-TW" altLang="en-US" smtClean="0"/>
-              <a:t>2025/3/31</a:t>
+              <a:t>2025/6/26</a:t>
             </a:fld>
             <a:endParaRPr lang="zh-TW" altLang="en-US"/>
           </a:p>
@@ -2587,7 +2595,7 @@
           <a:p>
             <a:fld id="{0BF83F52-7D59-45B5-B017-ABEB8042948F}" type="datetimeFigureOut">
               <a:rPr lang="zh-TW" altLang="en-US" smtClean="0"/>
-              <a:t>2025/3/31</a:t>
+              <a:t>2025/6/26</a:t>
             </a:fld>
             <a:endParaRPr lang="zh-TW" altLang="en-US"/>
           </a:p>
@@ -3045,7 +3053,7 @@
         </p:spPr>
         <p:txBody>
           <a:bodyPr vert="horz" lIns="91440" tIns="45720" rIns="91440" bIns="45720" rtlCol="0">
-            <a:normAutofit fontScale="85000" lnSpcReduction="20000"/>
+            <a:normAutofit fontScale="92500" lnSpcReduction="10000"/>
           </a:bodyPr>
           <a:lstStyle>
             <a:lvl1pPr marL="0" indent="0" algn="ctr" defTabSz="914400" rtl="0" eaLnBrk="1" latinLnBrk="0" hangingPunct="1">
@@ -3297,22 +3305,40 @@
           </a:p>
           <a:p>
             <a:r>
-              <a:rPr lang="en-US" altLang="zh-TW" dirty="0" smtClean="0">
+              <a:rPr lang="en-US" altLang="zh-TW" dirty="0">
                 <a:hlinkClick r:id="rId6" action="ppaction://hlinksldjump"/>
               </a:rPr>
-              <a:t>ACI-</a:t>
+              <a:t>(</a:t>
+            </a:r>
+            <a:r>
+              <a:rPr lang="zh-TW" altLang="en-US" dirty="0">
+                <a:hlinkClick r:id="rId6" action="ppaction://hlinksldjump"/>
+              </a:rPr>
+              <a:t>新增</a:t>
+            </a:r>
+            <a:r>
+              <a:rPr lang="en-US" altLang="zh-TW" dirty="0">
+                <a:hlinkClick r:id="rId6" action="ppaction://hlinksldjump"/>
+              </a:rPr>
+              <a:t>)</a:t>
+            </a:r>
+            <a:r>
+              <a:rPr lang="zh-TW" altLang="en-US" dirty="0">
+                <a:hlinkClick r:id="rId6" action="ppaction://hlinksldjump"/>
+              </a:rPr>
+              <a:t> 模擬 達運</a:t>
+            </a:r>
+            <a:r>
+              <a:rPr lang="en-US" altLang="zh-TW" dirty="0">
+                <a:hlinkClick r:id="rId6" action="ppaction://hlinksldjump"/>
+              </a:rPr>
+              <a:t>-</a:t>
             </a:r>
             <a:r>
               <a:rPr lang="zh-TW" altLang="en-US" dirty="0" smtClean="0">
                 <a:hlinkClick r:id="rId6" action="ppaction://hlinksldjump"/>
               </a:rPr>
-              <a:t>入庫</a:t>
-            </a:r>
-            <a:r>
-              <a:rPr lang="en-US" altLang="zh-TW" dirty="0" smtClean="0">
-                <a:hlinkClick r:id="rId6" action="ppaction://hlinksldjump"/>
-              </a:rPr>
-              <a:t>…</a:t>
+              <a:t>出貨</a:t>
             </a:r>
             <a:endParaRPr lang="en-US" altLang="zh-TW" dirty="0" smtClean="0"/>
           </a:p>
@@ -3321,13 +3347,25 @@
               <a:rPr lang="en-US" altLang="zh-TW" dirty="0" smtClean="0">
                 <a:hlinkClick r:id="rId7" action="ppaction://hlinksldjump"/>
               </a:rPr>
-              <a:t>ACI-</a:t>
+              <a:t>(</a:t>
             </a:r>
             <a:r>
               <a:rPr lang="zh-TW" altLang="en-US" dirty="0" smtClean="0">
                 <a:hlinkClick r:id="rId7" action="ppaction://hlinksldjump"/>
               </a:rPr>
-              <a:t>棧板管理頁面</a:t>
+              <a:t>修改</a:t>
+            </a:r>
+            <a:r>
+              <a:rPr lang="en-US" altLang="zh-TW" dirty="0" smtClean="0">
+                <a:hlinkClick r:id="rId7" action="ppaction://hlinksldjump"/>
+              </a:rPr>
+              <a:t>)ACI-</a:t>
+            </a:r>
+            <a:r>
+              <a:rPr lang="zh-TW" altLang="en-US" dirty="0" smtClean="0">
+                <a:hlinkClick r:id="rId7" action="ppaction://hlinksldjump"/>
+              </a:rPr>
+              <a:t>入庫</a:t>
             </a:r>
             <a:r>
               <a:rPr lang="en-US" altLang="zh-TW" dirty="0" smtClean="0">
@@ -3342,25 +3380,25 @@
               <a:rPr lang="en-US" altLang="zh-TW" dirty="0" smtClean="0">
                 <a:hlinkClick r:id="rId8" action="ppaction://hlinksldjump"/>
               </a:rPr>
-              <a:t>ACI</a:t>
+              <a:t>(</a:t>
             </a:r>
             <a:r>
               <a:rPr lang="zh-TW" altLang="en-US" dirty="0" smtClean="0">
                 <a:hlinkClick r:id="rId8" action="ppaction://hlinksldjump"/>
               </a:rPr>
-              <a:t>出貨 </a:t>
+              <a:t>修改</a:t>
             </a:r>
             <a:r>
               <a:rPr lang="en-US" altLang="zh-TW" dirty="0" smtClean="0">
                 <a:hlinkClick r:id="rId8" action="ppaction://hlinksldjump"/>
               </a:rPr>
-              <a:t>-</a:t>
+              <a:t>)ACI-</a:t>
             </a:r>
             <a:r>
               <a:rPr lang="zh-TW" altLang="en-US" dirty="0" smtClean="0">
                 <a:hlinkClick r:id="rId8" action="ppaction://hlinksldjump"/>
               </a:rPr>
-              <a:t> 整個棧板</a:t>
+              <a:t>棧板管理頁面</a:t>
             </a:r>
             <a:r>
               <a:rPr lang="en-US" altLang="zh-TW" dirty="0" smtClean="0">
@@ -3375,31 +3413,37 @@
               <a:rPr lang="en-US" altLang="zh-TW" dirty="0" smtClean="0">
                 <a:hlinkClick r:id="rId9" action="ppaction://hlinksldjump"/>
               </a:rPr>
-              <a:t>ACI</a:t>
+              <a:t>(</a:t>
             </a:r>
             <a:r>
               <a:rPr lang="zh-TW" altLang="en-US" dirty="0" smtClean="0">
                 <a:hlinkClick r:id="rId9" action="ppaction://hlinksldjump"/>
               </a:rPr>
-              <a:t>設備轉移 </a:t>
+              <a:t>新增</a:t>
             </a:r>
             <a:r>
               <a:rPr lang="en-US" altLang="zh-TW" dirty="0" smtClean="0">
                 <a:hlinkClick r:id="rId9" action="ppaction://hlinksldjump"/>
               </a:rPr>
-              <a:t>-</a:t>
+              <a:t>)ACI</a:t>
             </a:r>
             <a:r>
               <a:rPr lang="zh-TW" altLang="en-US" dirty="0" smtClean="0">
                 <a:hlinkClick r:id="rId9" action="ppaction://hlinksldjump"/>
               </a:rPr>
-              <a:t> 整個棧板</a:t>
-            </a:r>
-            <a:r>
-              <a:rPr lang="en-US" altLang="zh-TW" dirty="0" smtClean="0">
+              <a:t> </a:t>
+            </a:r>
+            <a:r>
+              <a:rPr lang="en-US" altLang="zh-TW" dirty="0">
                 <a:hlinkClick r:id="rId9" action="ppaction://hlinksldjump"/>
               </a:rPr>
-              <a:t>…</a:t>
+              <a:t>-</a:t>
+            </a:r>
+            <a:r>
+              <a:rPr lang="zh-TW" altLang="en-US" dirty="0">
+                <a:hlinkClick r:id="rId9" action="ppaction://hlinksldjump"/>
+              </a:rPr>
+              <a:t> 待出貨清單</a:t>
             </a:r>
             <a:endParaRPr lang="en-US" altLang="zh-TW" dirty="0" smtClean="0"/>
           </a:p>
@@ -3408,13 +3452,31 @@
               <a:rPr lang="en-US" altLang="zh-TW" dirty="0" smtClean="0">
                 <a:hlinkClick r:id="rId10" action="ppaction://hlinksldjump"/>
               </a:rPr>
-              <a:t>ACI-</a:t>
+              <a:t>ACI</a:t>
             </a:r>
             <a:r>
               <a:rPr lang="zh-TW" altLang="en-US" dirty="0" smtClean="0">
                 <a:hlinkClick r:id="rId10" action="ppaction://hlinksldjump"/>
               </a:rPr>
-              <a:t>棧板管理頁面</a:t>
+              <a:t> </a:t>
+            </a:r>
+            <a:r>
+              <a:rPr lang="en-US" altLang="zh-TW" dirty="0" smtClean="0">
+                <a:hlinkClick r:id="rId10" action="ppaction://hlinksldjump"/>
+              </a:rPr>
+              <a:t>-</a:t>
+            </a:r>
+            <a:r>
+              <a:rPr lang="zh-TW" altLang="en-US" dirty="0" smtClean="0">
+                <a:hlinkClick r:id="rId10" action="ppaction://hlinksldjump"/>
+              </a:rPr>
+              <a:t> 設備</a:t>
+            </a:r>
+            <a:r>
+              <a:rPr lang="zh-TW" altLang="en-US" dirty="0" smtClean="0">
+                <a:hlinkClick r:id="rId10" action="ppaction://hlinksldjump"/>
+              </a:rPr>
+              <a:t>轉移 </a:t>
             </a:r>
             <a:r>
               <a:rPr lang="en-US" altLang="zh-TW" dirty="0" smtClean="0">
@@ -3429,25 +3491,25 @@
               <a:rPr lang="en-US" altLang="zh-TW" dirty="0" smtClean="0">
                 <a:hlinkClick r:id="rId11" action="ppaction://hlinksldjump"/>
               </a:rPr>
-              <a:t>ACI</a:t>
+              <a:t>(</a:t>
             </a:r>
             <a:r>
               <a:rPr lang="zh-TW" altLang="en-US" dirty="0" smtClean="0">
                 <a:hlinkClick r:id="rId11" action="ppaction://hlinksldjump"/>
               </a:rPr>
-              <a:t>出貨 </a:t>
+              <a:t>新增</a:t>
             </a:r>
             <a:r>
               <a:rPr lang="en-US" altLang="zh-TW" dirty="0" smtClean="0">
                 <a:hlinkClick r:id="rId11" action="ppaction://hlinksldjump"/>
               </a:rPr>
-              <a:t>– </a:t>
-            </a:r>
-            <a:r>
-              <a:rPr lang="zh-TW" altLang="en-US" dirty="0" smtClean="0">
+              <a:t>)ACI-</a:t>
+            </a:r>
+            <a:r>
+              <a:rPr lang="zh-TW" altLang="en-US" dirty="0">
                 <a:hlinkClick r:id="rId11" action="ppaction://hlinksldjump"/>
               </a:rPr>
-              <a:t>個別紙箱</a:t>
+              <a:t>已出貨的歷史清單</a:t>
             </a:r>
             <a:r>
               <a:rPr lang="en-US" altLang="zh-TW" dirty="0" smtClean="0">
@@ -3462,52 +3524,25 @@
               <a:rPr lang="en-US" altLang="zh-TW" dirty="0" smtClean="0">
                 <a:hlinkClick r:id="rId12" action="ppaction://hlinksldjump"/>
               </a:rPr>
-              <a:t>ACI</a:t>
+              <a:t>(</a:t>
             </a:r>
             <a:r>
               <a:rPr lang="zh-TW" altLang="en-US" dirty="0" smtClean="0">
                 <a:hlinkClick r:id="rId12" action="ppaction://hlinksldjump"/>
               </a:rPr>
-              <a:t>設備轉移</a:t>
+              <a:t>新增</a:t>
             </a:r>
             <a:r>
               <a:rPr lang="en-US" altLang="zh-TW" dirty="0" smtClean="0">
                 <a:hlinkClick r:id="rId12" action="ppaction://hlinksldjump"/>
               </a:rPr>
-              <a:t>– </a:t>
+              <a:t>)ACI-</a:t>
             </a:r>
             <a:r>
               <a:rPr lang="zh-TW" altLang="en-US" dirty="0" smtClean="0">
                 <a:hlinkClick r:id="rId12" action="ppaction://hlinksldjump"/>
               </a:rPr>
-              <a:t>個別紙箱</a:t>
-            </a:r>
-            <a:r>
-              <a:rPr lang="en-US" altLang="zh-TW" dirty="0" smtClean="0">
-                <a:hlinkClick r:id="rId12" action="ppaction://hlinksldjump"/>
-              </a:rPr>
-              <a:t>…</a:t>
-            </a:r>
-            <a:endParaRPr lang="en-US" altLang="zh-TW" dirty="0" smtClean="0"/>
-          </a:p>
-          <a:p>
-            <a:r>
-              <a:rPr lang="en-US" altLang="zh-TW" dirty="0" smtClean="0">
-                <a:hlinkClick r:id="rId13" action="ppaction://hlinksldjump"/>
-              </a:rPr>
-              <a:t>ACI-</a:t>
-            </a:r>
-            <a:r>
-              <a:rPr lang="zh-TW" altLang="en-US" dirty="0" smtClean="0">
-                <a:hlinkClick r:id="rId13" action="ppaction://hlinksldjump"/>
-              </a:rPr>
-              <a:t>已出貨清單</a:t>
-            </a:r>
-            <a:r>
-              <a:rPr lang="en-US" altLang="zh-TW" dirty="0" smtClean="0">
-                <a:hlinkClick r:id="rId13" action="ppaction://hlinksldjump"/>
-              </a:rPr>
-              <a:t>…</a:t>
+              <a:t>入庫歷史清單</a:t>
             </a:r>
             <a:endParaRPr lang="en-US" altLang="zh-TW" dirty="0" smtClean="0"/>
           </a:p>
@@ -3558,79 +3593,32 @@
       </p:grpSpPr>
       <p:sp>
         <p:nvSpPr>
-          <p:cNvPr id="2" name="標題 1"/>
-          <p:cNvSpPr>
-            <a:spLocks noGrp="1"/>
-          </p:cNvSpPr>
-          <p:nvPr>
-            <p:ph type="title"/>
-          </p:nvPr>
-        </p:nvSpPr>
-        <p:spPr/>
+          <p:cNvPr id="3" name="內容版面配置區 2"/>
+          <p:cNvSpPr>
+            <a:spLocks noGrp="1"/>
+          </p:cNvSpPr>
+          <p:nvPr>
+            <p:ph idx="1"/>
+          </p:nvPr>
+        </p:nvSpPr>
+        <p:spPr>
+          <a:xfrm>
+            <a:off x="691896" y="2200529"/>
+            <a:ext cx="10515600" cy="4351338"/>
+          </a:xfrm>
+        </p:spPr>
         <p:txBody>
           <a:bodyPr/>
           <a:lstStyle/>
-          <a:p>
-            <a:r>
-              <a:rPr lang="en-US" altLang="zh-TW" dirty="0" smtClean="0"/>
-              <a:t>ACI</a:t>
-            </a:r>
-            <a:r>
-              <a:rPr lang="zh-TW" altLang="en-US" dirty="0" smtClean="0"/>
-              <a:t> </a:t>
-            </a:r>
-            <a:r>
-              <a:rPr lang="en-US" altLang="zh-TW" dirty="0" smtClean="0"/>
-              <a:t>–</a:t>
-            </a:r>
-            <a:r>
-              <a:rPr lang="zh-TW" altLang="en-US" dirty="0" smtClean="0"/>
-              <a:t> 入庫</a:t>
-            </a:r>
-            <a:endParaRPr lang="zh-TW" altLang="en-US" dirty="0"/>
-          </a:p>
-        </p:txBody>
-      </p:sp>
-      <p:sp>
-        <p:nvSpPr>
-          <p:cNvPr id="3" name="內容版面配置區 2"/>
-          <p:cNvSpPr>
-            <a:spLocks noGrp="1"/>
-          </p:cNvSpPr>
-          <p:nvPr>
-            <p:ph idx="1"/>
-          </p:nvPr>
-        </p:nvSpPr>
-        <p:spPr/>
-        <p:txBody>
-          <a:bodyPr>
-            <a:normAutofit fontScale="85000" lnSpcReduction="20000"/>
-          </a:bodyPr>
-          <a:lstStyle/>
-          <a:p>
-            <a:r>
-              <a:rPr lang="en-US" altLang="zh-TW" dirty="0" smtClean="0"/>
-              <a:t>ACI</a:t>
-            </a:r>
-            <a:r>
-              <a:rPr lang="zh-TW" altLang="en-US" dirty="0"/>
-              <a:t> </a:t>
-            </a:r>
-            <a:r>
-              <a:rPr lang="en-US" altLang="zh-TW" dirty="0" smtClean="0"/>
-              <a:t>:</a:t>
-            </a:r>
-            <a:r>
-              <a:rPr lang="zh-TW" altLang="en-US" dirty="0" smtClean="0"/>
-              <a:t> 將達運出貨的棧板做入庫的動作</a:t>
-            </a:r>
-            <a:endParaRPr lang="en-US" altLang="zh-TW" dirty="0" smtClean="0"/>
-          </a:p>
           <a:p>
             <a:pPr marL="0" indent="0">
               <a:buNone/>
             </a:pPr>
-            <a:endParaRPr lang="en-US" altLang="zh-TW" dirty="0"/>
+            <a:r>
+              <a:rPr lang="zh-TW" altLang="en-US" dirty="0" smtClean="0"/>
+              <a:t>達運出貨  </a:t>
+            </a:r>
+            <a:endParaRPr lang="en-US" altLang="zh-TW" dirty="0" smtClean="0"/>
           </a:p>
           <a:p>
             <a:pPr marL="0" indent="0">
@@ -3638,27 +3626,11 @@
             </a:pPr>
             <a:r>
               <a:rPr lang="en-US" altLang="zh-TW" dirty="0" smtClean="0"/>
-              <a:t>-&gt;</a:t>
-            </a:r>
-            <a:r>
-              <a:rPr lang="zh-TW" altLang="en-US" dirty="0" smtClean="0"/>
-              <a:t> 點擊左側的 </a:t>
-            </a:r>
-            <a:r>
-              <a:rPr lang="en-US" altLang="zh-TW" dirty="0" smtClean="0"/>
-              <a:t>“ACI-</a:t>
-            </a:r>
-            <a:r>
-              <a:rPr lang="zh-TW" altLang="en-US" dirty="0" smtClean="0"/>
-              <a:t>入庫</a:t>
-            </a:r>
-            <a:r>
-              <a:rPr lang="en-US" altLang="zh-TW" dirty="0" smtClean="0"/>
-              <a:t>”</a:t>
-            </a:r>
-            <a:r>
-              <a:rPr lang="zh-TW" altLang="en-US" dirty="0" smtClean="0"/>
-              <a:t> 選單</a:t>
+              <a:t>-</a:t>
+            </a:r>
+            <a:r>
+              <a:rPr lang="zh-TW" altLang="en-US" dirty="0" smtClean="0"/>
+              <a:t> 可產生貼在棧板上的條碼圖檔</a:t>
             </a:r>
             <a:endParaRPr lang="en-US" altLang="zh-TW" dirty="0" smtClean="0"/>
           </a:p>
@@ -3667,12 +3639,8 @@
               <a:buNone/>
             </a:pPr>
             <a:r>
-              <a:rPr lang="en-US" altLang="zh-TW" dirty="0" smtClean="0"/>
-              <a:t>-&gt;</a:t>
-            </a:r>
-            <a:r>
-              <a:rPr lang="zh-TW" altLang="en-US" dirty="0" smtClean="0"/>
-              <a:t> 使用條碼機掃描棧板上的條碼 </a:t>
+              <a:rPr lang="zh-TW" altLang="en-US" dirty="0" smtClean="0"/>
+              <a:t> </a:t>
             </a:r>
             <a:r>
               <a:rPr lang="en-US" altLang="zh-TW" dirty="0" smtClean="0"/>
@@ -3680,129 +3648,78 @@
             </a:r>
             <a:r>
               <a:rPr lang="zh-TW" altLang="en-US" dirty="0" smtClean="0"/>
-              <a:t>或手</a:t>
-            </a:r>
-            <a:r>
-              <a:rPr lang="en-US" altLang="zh-TW" dirty="0" smtClean="0"/>
-              <a:t>key</a:t>
-            </a:r>
-            <a:r>
-              <a:rPr lang="zh-TW" altLang="en-US" dirty="0" smtClean="0"/>
-              <a:t>後按</a:t>
-            </a:r>
-            <a:r>
-              <a:rPr lang="en-US" altLang="zh-TW" dirty="0" smtClean="0"/>
-              <a:t>Enter)</a:t>
-            </a:r>
-          </a:p>
-          <a:p>
-            <a:pPr marL="0" indent="0">
-              <a:buNone/>
-            </a:pPr>
-            <a:r>
-              <a:rPr lang="en-US" altLang="zh-TW" dirty="0" smtClean="0"/>
-              <a:t>-&gt; </a:t>
-            </a:r>
-            <a:r>
-              <a:rPr lang="zh-TW" altLang="en-US" dirty="0" smtClean="0"/>
-              <a:t>入庫成功提示後會跳出一個可輸入的欄位 </a:t>
-            </a:r>
-            <a:r>
-              <a:rPr lang="en-US" altLang="zh-TW" dirty="0" smtClean="0"/>
-              <a:t>, </a:t>
-            </a:r>
-            <a:r>
-              <a:rPr lang="zh-TW" altLang="en-US" dirty="0" smtClean="0"/>
-              <a:t>此為設定棧板儲位 </a:t>
-            </a:r>
-            <a:r>
-              <a:rPr lang="en-US" altLang="zh-TW" dirty="0" smtClean="0"/>
-              <a:t>, </a:t>
-            </a:r>
-            <a:r>
-              <a:rPr lang="zh-TW" altLang="en-US" dirty="0" smtClean="0"/>
-              <a:t>可在入庫時直接設定存放位置 </a:t>
-            </a:r>
-            <a:r>
-              <a:rPr lang="en-US" altLang="zh-TW" dirty="0" smtClean="0"/>
-              <a:t>(</a:t>
-            </a:r>
-            <a:r>
-              <a:rPr lang="zh-TW" altLang="en-US" dirty="0" smtClean="0"/>
-              <a:t>也可以隨時更改</a:t>
+              <a:t> 棧板條碼編碼方式目前是使用</a:t>
+            </a:r>
+            <a:r>
+              <a:rPr lang="en-US" altLang="zh-TW" dirty="0" smtClean="0"/>
+              <a:t>“</a:t>
+            </a:r>
+            <a:r>
+              <a:rPr lang="zh-TW" altLang="en-US" dirty="0" smtClean="0"/>
+              <a:t>達運料號</a:t>
+            </a:r>
+            <a:r>
+              <a:rPr lang="en-US" altLang="zh-TW" dirty="0" smtClean="0"/>
+              <a:t>”+”</a:t>
+            </a:r>
+            <a:r>
+              <a:rPr lang="zh-TW" altLang="en-US" dirty="0" smtClean="0"/>
+              <a:t>當</a:t>
+            </a:r>
+            <a:r>
+              <a:rPr lang="zh-TW" altLang="en-US" dirty="0"/>
+              <a:t>時的</a:t>
+            </a:r>
+            <a:r>
+              <a:rPr lang="zh-TW" altLang="en-US" dirty="0" smtClean="0"/>
+              <a:t>日期時間</a:t>
+            </a:r>
+            <a:r>
+              <a:rPr lang="en-US" altLang="zh-TW" dirty="0" smtClean="0"/>
+              <a:t>“</a:t>
+            </a:r>
+            <a:r>
+              <a:rPr lang="zh-TW" altLang="en-US" dirty="0" smtClean="0"/>
+              <a:t>的唯一值 </a:t>
             </a:r>
             <a:r>
               <a:rPr lang="en-US" altLang="zh-TW" dirty="0" smtClean="0"/>
               <a:t>)</a:t>
             </a:r>
-            <a:r>
-              <a:rPr lang="zh-TW" altLang="en-US" dirty="0" smtClean="0"/>
-              <a:t> </a:t>
-            </a:r>
-            <a:r>
-              <a:rPr lang="en-US" altLang="zh-TW" dirty="0" smtClean="0"/>
-              <a:t>, </a:t>
-            </a:r>
-            <a:r>
-              <a:rPr lang="zh-TW" altLang="en-US" dirty="0" smtClean="0"/>
-              <a:t>如無設定則初始為值為 </a:t>
-            </a:r>
-            <a:r>
-              <a:rPr lang="en-US" altLang="zh-TW" dirty="0" smtClean="0"/>
-              <a:t>“INSP”</a:t>
-            </a:r>
-          </a:p>
-          <a:p>
-            <a:pPr marL="0" indent="0">
-              <a:buNone/>
-            </a:pPr>
-            <a:r>
-              <a:rPr lang="en-US" altLang="zh-TW" dirty="0" smtClean="0"/>
-              <a:t>-&gt;</a:t>
-            </a:r>
-            <a:r>
-              <a:rPr lang="zh-TW" altLang="en-US" dirty="0" smtClean="0"/>
-              <a:t>完成入庫</a:t>
-            </a:r>
-            <a:endParaRPr lang="en-US" altLang="zh-TW" dirty="0" smtClean="0"/>
-          </a:p>
-          <a:p>
-            <a:pPr marL="0" indent="0">
-              <a:buNone/>
-            </a:pPr>
-            <a:endParaRPr lang="en-US" altLang="zh-TW" dirty="0"/>
-          </a:p>
-          <a:p>
-            <a:pPr marL="0" indent="0">
-              <a:buNone/>
-            </a:pPr>
-            <a:r>
-              <a:rPr lang="zh-TW" altLang="en-US" dirty="0" smtClean="0"/>
-              <a:t>頁面將顯示該棧板</a:t>
-            </a:r>
-            <a:endParaRPr lang="en-US" altLang="zh-TW" dirty="0" smtClean="0"/>
-          </a:p>
-          <a:p>
-            <a:pPr marL="0" indent="0">
-              <a:buNone/>
-            </a:pPr>
-            <a:r>
-              <a:rPr lang="zh-TW" altLang="en-US" dirty="0" smtClean="0"/>
-              <a:t>入庫資訊</a:t>
-            </a:r>
-            <a:endParaRPr lang="en-US" altLang="zh-TW" dirty="0" smtClean="0"/>
-          </a:p>
-          <a:p>
-            <a:pPr marL="0" indent="0">
-              <a:buNone/>
-            </a:pPr>
-            <a:r>
-              <a:rPr lang="zh-TW" altLang="en-US" dirty="0"/>
-              <a:t>棧</a:t>
-            </a:r>
-            <a:r>
-              <a:rPr lang="zh-TW" altLang="en-US" dirty="0" smtClean="0"/>
-              <a:t>板資訊</a:t>
+          </a:p>
+        </p:txBody>
+      </p:sp>
+      <p:sp>
+        <p:nvSpPr>
+          <p:cNvPr id="4" name="標題 1"/>
+          <p:cNvSpPr>
+            <a:spLocks noGrp="1"/>
+          </p:cNvSpPr>
+          <p:nvPr>
+            <p:ph type="title"/>
+          </p:nvPr>
+        </p:nvSpPr>
+        <p:spPr>
+          <a:xfrm>
+            <a:off x="627888" y="291973"/>
+            <a:ext cx="10515600" cy="1325563"/>
+          </a:xfrm>
+        </p:spPr>
+        <p:txBody>
+          <a:bodyPr/>
+          <a:lstStyle/>
+          <a:p>
+            <a:r>
+              <a:rPr lang="zh-TW" altLang="en-US" dirty="0" smtClean="0"/>
+              <a:t>達運 </a:t>
+            </a:r>
+            <a:r>
+              <a:rPr lang="en-US" altLang="zh-TW" dirty="0" smtClean="0"/>
+              <a:t>–</a:t>
+            </a:r>
+            <a:r>
+              <a:rPr lang="zh-TW" altLang="en-US" dirty="0" smtClean="0"/>
+              <a:t> 出貨</a:t>
             </a:r>
             <a:endParaRPr lang="zh-TW" altLang="en-US" dirty="0"/>
           </a:p>
@@ -3811,7 +3728,7 @@
     </p:spTree>
     <p:extLst>
       <p:ext uri="{BB962C8B-B14F-4D97-AF65-F5344CB8AC3E}">
-        <p14:creationId xmlns:p14="http://schemas.microsoft.com/office/powerpoint/2010/main" val="2886604523"/>
+        <p14:creationId xmlns:p14="http://schemas.microsoft.com/office/powerpoint/2010/main" val="2017612432"/>
       </p:ext>
     </p:extLst>
   </p:cSld>
@@ -3861,8 +3778,8 @@
         </p:blipFill>
         <p:spPr>
           <a:xfrm>
-            <a:off x="0" y="1271016"/>
-            <a:ext cx="4464089" cy="3904488"/>
+            <a:off x="110369" y="1234440"/>
+            <a:ext cx="4892760" cy="4243996"/>
           </a:xfrm>
           <a:prstGeom prst="rect">
             <a:avLst/>
@@ -3885,51 +3802,27 @@
         </p:blipFill>
         <p:spPr>
           <a:xfrm>
-            <a:off x="4937117" y="1380409"/>
-            <a:ext cx="5022878" cy="1600535"/>
+            <a:off x="5661379" y="2368296"/>
+            <a:ext cx="6530621" cy="4590288"/>
           </a:xfrm>
           <a:prstGeom prst="rect">
             <a:avLst/>
           </a:prstGeom>
         </p:spPr>
       </p:pic>
-      <p:pic>
-        <p:nvPicPr>
-          <p:cNvPr id="7" name="圖片 6"/>
-          <p:cNvPicPr>
-            <a:picLocks noChangeAspect="1"/>
-          </p:cNvPicPr>
-          <p:nvPr/>
-        </p:nvPicPr>
-        <p:blipFill>
-          <a:blip r:embed="rId4"/>
-          <a:stretch>
-            <a:fillRect/>
-          </a:stretch>
-        </p:blipFill>
+      <p:sp>
+        <p:nvSpPr>
+          <p:cNvPr id="8" name="標題 1"/>
+          <p:cNvSpPr>
+            <a:spLocks noGrp="1"/>
+          </p:cNvSpPr>
+          <p:nvPr>
+            <p:ph type="title"/>
+          </p:nvPr>
+        </p:nvSpPr>
         <p:spPr>
           <a:xfrm>
-            <a:off x="4834330" y="3685032"/>
-            <a:ext cx="7357670" cy="3172968"/>
-          </a:xfrm>
-          <a:prstGeom prst="rect">
-            <a:avLst/>
-          </a:prstGeom>
-        </p:spPr>
-      </p:pic>
-      <p:sp>
-        <p:nvSpPr>
-          <p:cNvPr id="8" name="標題 1"/>
-          <p:cNvSpPr>
-            <a:spLocks noGrp="1"/>
-          </p:cNvSpPr>
-          <p:nvPr>
-            <p:ph type="title"/>
-          </p:nvPr>
-        </p:nvSpPr>
-        <p:spPr>
-          <a:xfrm>
-            <a:off x="792480" y="54846"/>
+            <a:off x="838200" y="81661"/>
             <a:ext cx="10515600" cy="1325563"/>
           </a:xfrm>
         </p:spPr>
@@ -3938,12 +3831,8 @@
           <a:lstStyle/>
           <a:p>
             <a:r>
-              <a:rPr lang="en-US" altLang="zh-TW" dirty="0" smtClean="0"/>
-              <a:t>ACI</a:t>
-            </a:r>
-            <a:r>
-              <a:rPr lang="zh-TW" altLang="en-US" dirty="0" smtClean="0"/>
-              <a:t> </a:t>
+              <a:rPr lang="zh-TW" altLang="en-US" dirty="0" smtClean="0"/>
+              <a:t>達運 </a:t>
             </a:r>
             <a:r>
               <a:rPr lang="en-US" altLang="zh-TW" dirty="0" smtClean="0"/>
@@ -3951,7 +3840,7 @@
             </a:r>
             <a:r>
               <a:rPr lang="zh-TW" altLang="en-US" dirty="0" smtClean="0"/>
-              <a:t> 入庫</a:t>
+              <a:t> 出貨</a:t>
             </a:r>
             <a:endParaRPr lang="zh-TW" altLang="en-US" dirty="0"/>
           </a:p>
@@ -3965,8 +3854,8 @@
         </p:nvCxnSpPr>
         <p:spPr>
           <a:xfrm>
-            <a:off x="4464089" y="1865376"/>
-            <a:ext cx="473028" cy="0"/>
+            <a:off x="5084064" y="2889504"/>
+            <a:ext cx="365760" cy="9144"/>
           </a:xfrm>
           <a:prstGeom prst="straightConnector1">
             <a:avLst/>
@@ -3993,52 +3882,16 @@
           </a:fontRef>
         </p:style>
       </p:cxnSp>
-      <p:cxnSp>
-        <p:nvCxnSpPr>
-          <p:cNvPr id="12" name="直線單箭頭接點 11"/>
-          <p:cNvCxnSpPr/>
-          <p:nvPr/>
-        </p:nvCxnSpPr>
-        <p:spPr>
-          <a:xfrm>
-            <a:off x="7296912" y="2980944"/>
-            <a:ext cx="402336" cy="649224"/>
-          </a:xfrm>
-          <a:prstGeom prst="straightConnector1">
-            <a:avLst/>
-          </a:prstGeom>
-          <a:ln>
-            <a:solidFill>
-              <a:srgbClr val="FF0000"/>
-            </a:solidFill>
-            <a:tailEnd type="triangle"/>
-          </a:ln>
-        </p:spPr>
-        <p:style>
-          <a:lnRef idx="1">
-            <a:schemeClr val="accent1"/>
-          </a:lnRef>
-          <a:fillRef idx="0">
-            <a:schemeClr val="accent1"/>
-          </a:fillRef>
-          <a:effectRef idx="0">
-            <a:schemeClr val="accent1"/>
-          </a:effectRef>
-          <a:fontRef idx="minor">
-            <a:schemeClr val="tx1"/>
-          </a:fontRef>
-        </p:style>
-      </p:cxnSp>
-      <p:sp>
-        <p:nvSpPr>
-          <p:cNvPr id="13" name="矩形 12"/>
+      <p:sp>
+        <p:nvSpPr>
+          <p:cNvPr id="11" name="矩形 10"/>
           <p:cNvSpPr/>
           <p:nvPr/>
         </p:nvSpPr>
         <p:spPr>
           <a:xfrm>
-            <a:off x="0" y="1298448"/>
-            <a:ext cx="4464089" cy="3840480"/>
+            <a:off x="110369" y="1234440"/>
+            <a:ext cx="4892760" cy="4105656"/>
           </a:xfrm>
           <a:prstGeom prst="rect">
             <a:avLst/>
@@ -4070,48 +3923,10 @@
           </a:p>
         </p:txBody>
       </p:sp>
-      <p:sp>
-        <p:nvSpPr>
-          <p:cNvPr id="14" name="文字方塊 13"/>
-          <p:cNvSpPr txBox="1"/>
-          <p:nvPr/>
-        </p:nvSpPr>
-        <p:spPr>
-          <a:xfrm flipH="1">
-            <a:off x="6281929" y="5100901"/>
-            <a:ext cx="3678066" cy="369332"/>
-          </a:xfrm>
-          <a:prstGeom prst="rect">
-            <a:avLst/>
-          </a:prstGeom>
-          <a:noFill/>
-        </p:spPr>
-        <p:txBody>
-          <a:bodyPr wrap="square" rtlCol="0">
-            <a:spAutoFit/>
-          </a:bodyPr>
-          <a:lstStyle/>
-          <a:p>
-            <a:r>
-              <a:rPr lang="zh-TW" altLang="en-US" dirty="0" smtClean="0">
-                <a:solidFill>
-                  <a:srgbClr val="FF0000"/>
-                </a:solidFill>
-              </a:rPr>
-              <a:t>可進行儲位編輯</a:t>
-            </a:r>
-            <a:endParaRPr lang="zh-TW" altLang="en-US" dirty="0">
-              <a:solidFill>
-                <a:srgbClr val="FF0000"/>
-              </a:solidFill>
-            </a:endParaRPr>
-          </a:p>
-        </p:txBody>
-      </p:sp>
     </p:spTree>
     <p:extLst>
       <p:ext uri="{BB962C8B-B14F-4D97-AF65-F5344CB8AC3E}">
-        <p14:creationId xmlns:p14="http://schemas.microsoft.com/office/powerpoint/2010/main" val="3405285936"/>
+        <p14:creationId xmlns:p14="http://schemas.microsoft.com/office/powerpoint/2010/main" val="2484429422"/>
       </p:ext>
     </p:extLst>
   </p:cSld>
@@ -4161,17 +3976,65 @@
         </p:blipFill>
         <p:spPr>
           <a:xfrm>
-            <a:off x="-264216" y="1794130"/>
-            <a:ext cx="12675672" cy="4912230"/>
+            <a:off x="0" y="1133857"/>
+            <a:ext cx="6896831" cy="5212080"/>
           </a:xfrm>
           <a:prstGeom prst="rect">
             <a:avLst/>
           </a:prstGeom>
         </p:spPr>
       </p:pic>
-      <p:sp>
-        <p:nvSpPr>
-          <p:cNvPr id="5" name="標題 1"/>
+      <p:pic>
+        <p:nvPicPr>
+          <p:cNvPr id="7" name="圖片 6"/>
+          <p:cNvPicPr>
+            <a:picLocks noChangeAspect="1"/>
+          </p:cNvPicPr>
+          <p:nvPr/>
+        </p:nvPicPr>
+        <p:blipFill>
+          <a:blip r:embed="rId3"/>
+          <a:stretch>
+            <a:fillRect/>
+          </a:stretch>
+        </p:blipFill>
+        <p:spPr>
+          <a:xfrm>
+            <a:off x="7657893" y="1069848"/>
+            <a:ext cx="4232355" cy="1737360"/>
+          </a:xfrm>
+          <a:prstGeom prst="rect">
+            <a:avLst/>
+          </a:prstGeom>
+        </p:spPr>
+      </p:pic>
+      <p:pic>
+        <p:nvPicPr>
+          <p:cNvPr id="8" name="圖片 7"/>
+          <p:cNvPicPr>
+            <a:picLocks noChangeAspect="1"/>
+          </p:cNvPicPr>
+          <p:nvPr/>
+        </p:nvPicPr>
+        <p:blipFill>
+          <a:blip r:embed="rId4"/>
+          <a:stretch>
+            <a:fillRect/>
+          </a:stretch>
+        </p:blipFill>
+        <p:spPr>
+          <a:xfrm>
+            <a:off x="7384438" y="4361688"/>
+            <a:ext cx="4779264" cy="855601"/>
+          </a:xfrm>
+          <a:prstGeom prst="rect">
+            <a:avLst/>
+          </a:prstGeom>
+        </p:spPr>
+      </p:pic>
+      <p:sp>
+        <p:nvSpPr>
+          <p:cNvPr id="9" name="標題 1"/>
           <p:cNvSpPr>
             <a:spLocks noGrp="1"/>
           </p:cNvSpPr>
@@ -4181,7 +4044,7 @@
         </p:nvSpPr>
         <p:spPr>
           <a:xfrm>
-            <a:off x="815820" y="200533"/>
+            <a:off x="838200" y="81661"/>
             <a:ext cx="10515600" cy="1325563"/>
           </a:xfrm>
         </p:spPr>
@@ -4190,12 +4053,8 @@
           <a:lstStyle/>
           <a:p>
             <a:r>
-              <a:rPr lang="en-US" altLang="zh-TW" dirty="0" smtClean="0"/>
-              <a:t>ACI</a:t>
-            </a:r>
-            <a:r>
-              <a:rPr lang="zh-TW" altLang="en-US" dirty="0" smtClean="0"/>
-              <a:t> </a:t>
+              <a:rPr lang="zh-TW" altLang="en-US" dirty="0" smtClean="0"/>
+              <a:t>達運 </a:t>
             </a:r>
             <a:r>
               <a:rPr lang="en-US" altLang="zh-TW" dirty="0" smtClean="0"/>
@@ -4203,7 +4062,121 @@
             </a:r>
             <a:r>
               <a:rPr lang="zh-TW" altLang="en-US" dirty="0" smtClean="0"/>
-              <a:t> 入庫</a:t>
+              <a:t> 出貨</a:t>
+            </a:r>
+            <a:endParaRPr lang="zh-TW" altLang="en-US" dirty="0"/>
+          </a:p>
+        </p:txBody>
+      </p:sp>
+      <p:cxnSp>
+        <p:nvCxnSpPr>
+          <p:cNvPr id="11" name="直線單箭頭接點 10"/>
+          <p:cNvCxnSpPr/>
+          <p:nvPr/>
+        </p:nvCxnSpPr>
+        <p:spPr>
+          <a:xfrm flipV="1">
+            <a:off x="6896831" y="2130552"/>
+            <a:ext cx="761062" cy="9144"/>
+          </a:xfrm>
+          <a:prstGeom prst="straightConnector1">
+            <a:avLst/>
+          </a:prstGeom>
+          <a:ln>
+            <a:solidFill>
+              <a:srgbClr val="FF0000"/>
+            </a:solidFill>
+            <a:tailEnd type="triangle"/>
+          </a:ln>
+        </p:spPr>
+        <p:style>
+          <a:lnRef idx="1">
+            <a:schemeClr val="accent1"/>
+          </a:lnRef>
+          <a:fillRef idx="0">
+            <a:schemeClr val="accent1"/>
+          </a:fillRef>
+          <a:effectRef idx="0">
+            <a:schemeClr val="accent1"/>
+          </a:effectRef>
+          <a:fontRef idx="minor">
+            <a:schemeClr val="tx1"/>
+          </a:fontRef>
+        </p:style>
+      </p:cxnSp>
+      <p:cxnSp>
+        <p:nvCxnSpPr>
+          <p:cNvPr id="13" name="直線單箭頭接點 12"/>
+          <p:cNvCxnSpPr/>
+          <p:nvPr/>
+        </p:nvCxnSpPr>
+        <p:spPr>
+          <a:xfrm>
+            <a:off x="6896831" y="3236976"/>
+            <a:ext cx="848137" cy="1051560"/>
+          </a:xfrm>
+          <a:prstGeom prst="straightConnector1">
+            <a:avLst/>
+          </a:prstGeom>
+          <a:ln>
+            <a:solidFill>
+              <a:srgbClr val="FF0000"/>
+            </a:solidFill>
+            <a:tailEnd type="triangle"/>
+          </a:ln>
+        </p:spPr>
+        <p:style>
+          <a:lnRef idx="1">
+            <a:schemeClr val="accent1"/>
+          </a:lnRef>
+          <a:fillRef idx="0">
+            <a:schemeClr val="accent1"/>
+          </a:fillRef>
+          <a:effectRef idx="0">
+            <a:schemeClr val="accent1"/>
+          </a:effectRef>
+          <a:fontRef idx="minor">
+            <a:schemeClr val="tx1"/>
+          </a:fontRef>
+        </p:style>
+      </p:cxnSp>
+      <p:sp>
+        <p:nvSpPr>
+          <p:cNvPr id="14" name="文字方塊 13"/>
+          <p:cNvSpPr txBox="1"/>
+          <p:nvPr/>
+        </p:nvSpPr>
+        <p:spPr>
+          <a:xfrm>
+            <a:off x="8165592" y="5733288"/>
+            <a:ext cx="3602736" cy="369332"/>
+          </a:xfrm>
+          <a:prstGeom prst="rect">
+            <a:avLst/>
+          </a:prstGeom>
+          <a:noFill/>
+        </p:spPr>
+        <p:txBody>
+          <a:bodyPr wrap="square" rtlCol="0">
+            <a:spAutoFit/>
+          </a:bodyPr>
+          <a:lstStyle/>
+          <a:p>
+            <a:r>
+              <a:rPr lang="zh-TW" altLang="en-US" dirty="0" smtClean="0"/>
+              <a:t>產生</a:t>
+            </a:r>
+            <a:r>
+              <a:rPr lang="en-US" altLang="zh-TW" dirty="0" smtClean="0"/>
+              <a:t>.</a:t>
+            </a:r>
+            <a:r>
+              <a:rPr lang="en-US" altLang="zh-TW" dirty="0" err="1" smtClean="0"/>
+              <a:t>png</a:t>
+            </a:r>
+            <a:r>
+              <a:rPr lang="zh-TW" altLang="en-US" dirty="0" smtClean="0"/>
+              <a:t>檔 以及得知 棧板條碼</a:t>
             </a:r>
             <a:endParaRPr lang="zh-TW" altLang="en-US" dirty="0"/>
           </a:p>
@@ -4212,7 +4185,7 @@
     </p:spTree>
     <p:extLst>
       <p:ext uri="{BB962C8B-B14F-4D97-AF65-F5344CB8AC3E}">
-        <p14:creationId xmlns:p14="http://schemas.microsoft.com/office/powerpoint/2010/main" val="3252139614"/>
+        <p14:creationId xmlns:p14="http://schemas.microsoft.com/office/powerpoint/2010/main" val="984780520"/>
       </p:ext>
     </p:extLst>
   </p:cSld>
@@ -4263,11 +4236,27 @@
           <a:p>
             <a:r>
               <a:rPr lang="en-US" altLang="zh-TW" dirty="0" smtClean="0"/>
-              <a:t>ACI – </a:t>
-            </a:r>
-            <a:r>
-              <a:rPr lang="zh-TW" altLang="en-US" dirty="0" smtClean="0"/>
-              <a:t>棧板管理頁面</a:t>
+              <a:t>(</a:t>
+            </a:r>
+            <a:r>
+              <a:rPr lang="zh-TW" altLang="en-US" dirty="0" smtClean="0"/>
+              <a:t>新增</a:t>
+            </a:r>
+            <a:r>
+              <a:rPr lang="en-US" altLang="zh-TW" dirty="0" smtClean="0"/>
+              <a:t>)</a:t>
+            </a:r>
+            <a:r>
+              <a:rPr lang="zh-TW" altLang="en-US" dirty="0" smtClean="0"/>
+              <a:t> 模擬 達運</a:t>
+            </a:r>
+            <a:r>
+              <a:rPr lang="en-US" altLang="zh-TW" dirty="0" smtClean="0"/>
+              <a:t>-</a:t>
+            </a:r>
+            <a:r>
+              <a:rPr lang="zh-TW" altLang="en-US" dirty="0" smtClean="0"/>
+              <a:t>出貨   </a:t>
             </a:r>
             <a:endParaRPr lang="zh-TW" altLang="en-US" dirty="0"/>
           </a:p>
@@ -4283,189 +4272,54 @@
             <p:ph idx="1"/>
           </p:nvPr>
         </p:nvSpPr>
-        <p:spPr>
-          <a:xfrm>
-            <a:off x="838200" y="1825624"/>
-            <a:ext cx="10515600" cy="4785487"/>
-          </a:xfrm>
-        </p:spPr>
+        <p:spPr/>
         <p:txBody>
           <a:bodyPr/>
           <a:lstStyle/>
           <a:p>
             <a:r>
               <a:rPr lang="zh-TW" altLang="en-US" dirty="0" smtClean="0"/>
-              <a:t>管理分成</a:t>
-            </a:r>
-            <a:r>
-              <a:rPr lang="zh-TW" altLang="en-US" dirty="0" smtClean="0">
-                <a:solidFill>
-                  <a:srgbClr val="FF0000"/>
-                </a:solidFill>
-              </a:rPr>
-              <a:t>倉庫管理  </a:t>
-            </a:r>
-            <a:r>
-              <a:rPr lang="zh-TW" altLang="en-US" dirty="0" smtClean="0"/>
-              <a:t>以及  </a:t>
-            </a:r>
-            <a:r>
-              <a:rPr lang="zh-TW" altLang="en-US" dirty="0" smtClean="0">
-                <a:solidFill>
-                  <a:srgbClr val="92D050"/>
-                </a:solidFill>
-              </a:rPr>
-              <a:t>棧板管理 </a:t>
-            </a:r>
-            <a:r>
-              <a:rPr lang="zh-TW" altLang="en-US" dirty="0" smtClean="0"/>
-              <a:t>兩部分</a:t>
+              <a:t>供</a:t>
+            </a:r>
+            <a:r>
+              <a:rPr lang="en-US" altLang="zh-TW" dirty="0" smtClean="0"/>
+              <a:t>ACI</a:t>
+            </a:r>
+            <a:r>
+              <a:rPr lang="zh-TW" altLang="en-US" dirty="0" smtClean="0"/>
+              <a:t>測試使用 </a:t>
+            </a:r>
+            <a:r>
+              <a:rPr lang="en-US" altLang="zh-TW" dirty="0" smtClean="0"/>
+              <a:t>, </a:t>
+            </a:r>
+            <a:r>
+              <a:rPr lang="zh-TW" altLang="en-US" dirty="0" smtClean="0"/>
+              <a:t>可快速的產生達運出貨的資料</a:t>
             </a:r>
             <a:endParaRPr lang="en-US" altLang="zh-TW" dirty="0" smtClean="0"/>
           </a:p>
           <a:p>
             <a:r>
-              <a:rPr lang="zh-TW" altLang="en-US" dirty="0" smtClean="0">
-                <a:solidFill>
-                  <a:srgbClr val="FF0000"/>
-                </a:solidFill>
-              </a:rPr>
-              <a:t>倉庫管理</a:t>
-            </a:r>
-            <a:endParaRPr lang="en-US" altLang="zh-TW" dirty="0" smtClean="0">
-              <a:solidFill>
-                <a:srgbClr val="FF0000"/>
-              </a:solidFill>
-            </a:endParaRPr>
-          </a:p>
-          <a:p>
-            <a:pPr lvl="1"/>
-            <a:r>
-              <a:rPr lang="zh-TW" altLang="en-US" dirty="0" smtClean="0"/>
-              <a:t>使用條碼機掃描棧板條碼 </a:t>
-            </a:r>
-            <a:r>
-              <a:rPr lang="en-US" altLang="zh-TW" dirty="0" smtClean="0"/>
-              <a:t>, </a:t>
-            </a:r>
-            <a:r>
-              <a:rPr lang="zh-TW" altLang="en-US" dirty="0" smtClean="0"/>
-              <a:t>可快速找到要進行操作的棧板</a:t>
+              <a:rPr lang="zh-TW" altLang="en-US" dirty="0" smtClean="0"/>
+              <a:t>之後將</a:t>
+            </a:r>
+            <a:r>
+              <a:rPr lang="zh-TW" altLang="en-US" dirty="0" smtClean="0"/>
+              <a:t>移除此</a:t>
+            </a:r>
+            <a:r>
+              <a:rPr lang="zh-TW" altLang="en-US" dirty="0" smtClean="0"/>
+              <a:t>測試頁面</a:t>
             </a:r>
             <a:endParaRPr lang="en-US" altLang="zh-TW" dirty="0" smtClean="0"/>
-          </a:p>
-          <a:p>
-            <a:pPr lvl="1"/>
-            <a:r>
-              <a:rPr lang="zh-TW" altLang="en-US" dirty="0"/>
-              <a:t>可</a:t>
-            </a:r>
-            <a:r>
-              <a:rPr lang="zh-TW" altLang="en-US" dirty="0" smtClean="0"/>
-              <a:t>將空棧板 </a:t>
-            </a:r>
-            <a:r>
-              <a:rPr lang="en-US" altLang="zh-TW" dirty="0" smtClean="0"/>
-              <a:t>(</a:t>
-            </a:r>
-            <a:r>
-              <a:rPr lang="zh-TW" altLang="en-US" dirty="0" smtClean="0"/>
-              <a:t>棧板內無紙箱</a:t>
-            </a:r>
-            <a:r>
-              <a:rPr lang="en-US" altLang="zh-TW" dirty="0" smtClean="0"/>
-              <a:t>) </a:t>
-            </a:r>
-            <a:r>
-              <a:rPr lang="zh-TW" altLang="en-US" dirty="0" smtClean="0"/>
-              <a:t>刪除</a:t>
-            </a:r>
-            <a:endParaRPr lang="en-US" altLang="zh-TW" dirty="0">
-              <a:solidFill>
-                <a:srgbClr val="FF0000"/>
-              </a:solidFill>
-            </a:endParaRPr>
-          </a:p>
-          <a:p>
-            <a:r>
-              <a:rPr lang="zh-TW" altLang="en-US" dirty="0" smtClean="0">
-                <a:solidFill>
-                  <a:srgbClr val="92D050"/>
-                </a:solidFill>
-              </a:rPr>
-              <a:t>棧板管理</a:t>
-            </a:r>
-            <a:endParaRPr lang="en-US" altLang="zh-TW" dirty="0" smtClean="0">
-              <a:solidFill>
-                <a:srgbClr val="92D050"/>
-              </a:solidFill>
-            </a:endParaRPr>
-          </a:p>
-          <a:p>
-            <a:pPr lvl="1"/>
-            <a:r>
-              <a:rPr lang="zh-TW" altLang="en-US" dirty="0" smtClean="0"/>
-              <a:t>使用條碼機掃描棧板條碼 </a:t>
-            </a:r>
-            <a:r>
-              <a:rPr lang="en-US" altLang="zh-TW" dirty="0" smtClean="0"/>
-              <a:t>, </a:t>
-            </a:r>
-            <a:r>
-              <a:rPr lang="zh-TW" altLang="en-US" dirty="0" smtClean="0"/>
-              <a:t>可快速找到要進行操作的棧板</a:t>
-            </a:r>
-            <a:endParaRPr lang="en-US" altLang="zh-TW" dirty="0" smtClean="0"/>
-          </a:p>
-          <a:p>
-            <a:pPr lvl="1"/>
-            <a:r>
-              <a:rPr lang="zh-TW" altLang="en-US" dirty="0" smtClean="0"/>
-              <a:t>可進行整個棧板  </a:t>
-            </a:r>
-            <a:endParaRPr lang="en-US" altLang="zh-TW" dirty="0" smtClean="0"/>
-          </a:p>
-          <a:p>
-            <a:pPr lvl="2"/>
-            <a:r>
-              <a:rPr lang="zh-TW" altLang="en-US" dirty="0" smtClean="0"/>
-              <a:t>出貨</a:t>
-            </a:r>
-            <a:endParaRPr lang="en-US" altLang="zh-TW" dirty="0" smtClean="0"/>
-          </a:p>
-          <a:p>
-            <a:pPr lvl="2"/>
-            <a:r>
-              <a:rPr lang="zh-TW" altLang="en-US" dirty="0" smtClean="0"/>
-              <a:t>設備轉移</a:t>
-            </a:r>
-            <a:r>
-              <a:rPr lang="en-US" altLang="zh-TW" dirty="0" smtClean="0"/>
-              <a:t>(</a:t>
-            </a:r>
-            <a:r>
-              <a:rPr lang="zh-TW" altLang="en-US" dirty="0" smtClean="0"/>
-              <a:t>整合</a:t>
-            </a:r>
-            <a:r>
-              <a:rPr lang="en-US" altLang="zh-TW" dirty="0" smtClean="0"/>
-              <a:t>)</a:t>
-            </a:r>
-          </a:p>
-          <a:p>
-            <a:pPr lvl="1"/>
-            <a:r>
-              <a:rPr lang="zh-TW" altLang="en-US" dirty="0" smtClean="0"/>
-              <a:t>可更改 棧板儲位</a:t>
-            </a:r>
-            <a:endParaRPr lang="zh-TW" altLang="en-US" dirty="0"/>
           </a:p>
         </p:txBody>
       </p:sp>
     </p:spTree>
     <p:extLst>
       <p:ext uri="{BB962C8B-B14F-4D97-AF65-F5344CB8AC3E}">
-        <p14:creationId xmlns:p14="http://schemas.microsoft.com/office/powerpoint/2010/main" val="2560431699"/>
+        <p14:creationId xmlns:p14="http://schemas.microsoft.com/office/powerpoint/2010/main" val="3533511318"/>
       </p:ext>
     </p:extLst>
   </p:cSld>
@@ -4499,9 +4353,51 @@
           <a:chExt cx="0" cy="0"/>
         </a:xfrm>
       </p:grpSpPr>
+      <p:sp>
+        <p:nvSpPr>
+          <p:cNvPr id="2" name="標題 1"/>
+          <p:cNvSpPr>
+            <a:spLocks noGrp="1"/>
+          </p:cNvSpPr>
+          <p:nvPr>
+            <p:ph type="title"/>
+          </p:nvPr>
+        </p:nvSpPr>
+        <p:spPr/>
+        <p:txBody>
+          <a:bodyPr/>
+          <a:lstStyle/>
+          <a:p>
+            <a:r>
+              <a:rPr lang="en-US" altLang="zh-TW" dirty="0"/>
+              <a:t>(</a:t>
+            </a:r>
+            <a:r>
+              <a:rPr lang="zh-TW" altLang="en-US" dirty="0"/>
+              <a:t>新增</a:t>
+            </a:r>
+            <a:r>
+              <a:rPr lang="en-US" altLang="zh-TW" dirty="0"/>
+              <a:t>)</a:t>
+            </a:r>
+            <a:r>
+              <a:rPr lang="zh-TW" altLang="en-US" dirty="0"/>
+              <a:t> 模擬 達運</a:t>
+            </a:r>
+            <a:r>
+              <a:rPr lang="en-US" altLang="zh-TW" dirty="0"/>
+              <a:t>-</a:t>
+            </a:r>
+            <a:r>
+              <a:rPr lang="zh-TW" altLang="en-US" dirty="0"/>
+              <a:t>出貨 </a:t>
+            </a:r>
+          </a:p>
+        </p:txBody>
+      </p:sp>
       <p:pic>
         <p:nvPicPr>
-          <p:cNvPr id="4" name="圖片 3"/>
+          <p:cNvPr id="5" name="圖片 4"/>
           <p:cNvPicPr>
             <a:picLocks noChangeAspect="1"/>
           </p:cNvPicPr>
@@ -4515,102 +4411,48 @@
         </p:blipFill>
         <p:spPr>
           <a:xfrm>
-            <a:off x="1545336" y="1414279"/>
-            <a:ext cx="10579556" cy="5443721"/>
+            <a:off x="64008" y="1344169"/>
+            <a:ext cx="6809299" cy="5513832"/>
           </a:xfrm>
           <a:prstGeom prst="rect">
             <a:avLst/>
           </a:prstGeom>
         </p:spPr>
       </p:pic>
-      <p:sp>
-        <p:nvSpPr>
-          <p:cNvPr id="5" name="標題 1"/>
-          <p:cNvSpPr>
-            <a:spLocks noGrp="1"/>
-          </p:cNvSpPr>
-          <p:nvPr>
-            <p:ph type="title"/>
-          </p:nvPr>
-        </p:nvSpPr>
+      <p:pic>
+        <p:nvPicPr>
+          <p:cNvPr id="6" name="圖片 5"/>
+          <p:cNvPicPr>
+            <a:picLocks noChangeAspect="1"/>
+          </p:cNvPicPr>
+          <p:nvPr/>
+        </p:nvPicPr>
+        <p:blipFill>
+          <a:blip r:embed="rId3"/>
+          <a:stretch>
+            <a:fillRect/>
+          </a:stretch>
+        </p:blipFill>
         <p:spPr>
           <a:xfrm>
-            <a:off x="737616" y="88716"/>
-            <a:ext cx="10515600" cy="1325563"/>
-          </a:xfrm>
-        </p:spPr>
-        <p:txBody>
-          <a:bodyPr/>
-          <a:lstStyle/>
-          <a:p>
-            <a:r>
-              <a:rPr lang="en-US" altLang="zh-TW" dirty="0" smtClean="0"/>
-              <a:t>ACI – </a:t>
-            </a:r>
-            <a:r>
-              <a:rPr lang="zh-TW" altLang="en-US" dirty="0" smtClean="0"/>
-              <a:t>棧板管理頁面</a:t>
-            </a:r>
-            <a:endParaRPr lang="zh-TW" altLang="en-US" dirty="0"/>
-          </a:p>
-        </p:txBody>
-      </p:sp>
-      <p:sp>
-        <p:nvSpPr>
-          <p:cNvPr id="10" name="矩形 9"/>
-          <p:cNvSpPr/>
-          <p:nvPr/>
-        </p:nvSpPr>
-        <p:spPr>
-          <a:xfrm>
-            <a:off x="10725912" y="3355848"/>
-            <a:ext cx="758952" cy="2459736"/>
+            <a:off x="7553782" y="885343"/>
+            <a:ext cx="4363059" cy="1448002"/>
           </a:xfrm>
           <a:prstGeom prst="rect">
             <a:avLst/>
           </a:prstGeom>
-          <a:noFill/>
-          <a:ln>
-            <a:solidFill>
-              <a:srgbClr val="FF0000"/>
-            </a:solidFill>
-          </a:ln>
-        </p:spPr>
-        <p:style>
-          <a:lnRef idx="2">
-            <a:schemeClr val="accent1">
-              <a:shade val="50000"/>
-            </a:schemeClr>
-          </a:lnRef>
-          <a:fillRef idx="1">
-            <a:schemeClr val="accent1"/>
-          </a:fillRef>
-          <a:effectRef idx="0">
-            <a:schemeClr val="accent1"/>
-          </a:effectRef>
-          <a:fontRef idx="minor">
-            <a:schemeClr val="lt1"/>
-          </a:fontRef>
-        </p:style>
-        <p:txBody>
-          <a:bodyPr rtlCol="0" anchor="ctr"/>
-          <a:lstStyle/>
-          <a:p>
-            <a:pPr algn="ctr"/>
-            <a:endParaRPr lang="zh-TW" altLang="en-US"/>
-          </a:p>
-        </p:txBody>
-      </p:sp>
+        </p:spPr>
+      </p:pic>
       <p:cxnSp>
         <p:nvCxnSpPr>
-          <p:cNvPr id="12" name="直線單箭頭接點 11"/>
+          <p:cNvPr id="8" name="直線單箭頭接點 7"/>
           <p:cNvCxnSpPr/>
           <p:nvPr/>
         </p:nvCxnSpPr>
         <p:spPr>
-          <a:xfrm flipH="1">
-            <a:off x="3218688" y="3035808"/>
-            <a:ext cx="685800" cy="1408176"/>
+          <a:xfrm flipV="1">
+            <a:off x="5952744" y="2423160"/>
+            <a:ext cx="1261872" cy="1435608"/>
           </a:xfrm>
           <a:prstGeom prst="straightConnector1">
             <a:avLst/>
@@ -4621,29 +4463,53 @@
         </p:spPr>
         <p:style>
           <a:lnRef idx="1">
-            <a:schemeClr val="accent1"/>
+            <a:schemeClr val="accent2"/>
           </a:lnRef>
           <a:fillRef idx="0">
-            <a:schemeClr val="accent1"/>
+            <a:schemeClr val="accent2"/>
           </a:fillRef>
           <a:effectRef idx="0">
-            <a:schemeClr val="accent1"/>
+            <a:schemeClr val="accent2"/>
           </a:effectRef>
           <a:fontRef idx="minor">
             <a:schemeClr val="tx1"/>
           </a:fontRef>
         </p:style>
       </p:cxnSp>
+      <p:pic>
+        <p:nvPicPr>
+          <p:cNvPr id="9" name="圖片 8"/>
+          <p:cNvPicPr>
+            <a:picLocks noChangeAspect="1"/>
+          </p:cNvPicPr>
+          <p:nvPr/>
+        </p:nvPicPr>
+        <p:blipFill>
+          <a:blip r:embed="rId4"/>
+          <a:stretch>
+            <a:fillRect/>
+          </a:stretch>
+        </p:blipFill>
+        <p:spPr>
+          <a:xfrm>
+            <a:off x="7590192" y="4310252"/>
+            <a:ext cx="4326649" cy="1167004"/>
+          </a:xfrm>
+          <a:prstGeom prst="rect">
+            <a:avLst/>
+          </a:prstGeom>
+        </p:spPr>
+      </p:pic>
       <p:cxnSp>
         <p:nvCxnSpPr>
-          <p:cNvPr id="14" name="直線單箭頭接點 13"/>
+          <p:cNvPr id="11" name="直線單箭頭接點 10"/>
           <p:cNvCxnSpPr/>
           <p:nvPr/>
         </p:nvCxnSpPr>
         <p:spPr>
-          <a:xfrm flipH="1">
-            <a:off x="7141464" y="3035808"/>
-            <a:ext cx="758952" cy="2185416"/>
+          <a:xfrm>
+            <a:off x="5952744" y="3858768"/>
+            <a:ext cx="1399032" cy="932688"/>
           </a:xfrm>
           <a:prstGeom prst="straightConnector1">
             <a:avLst/>
@@ -4654,61 +4520,23 @@
         </p:spPr>
         <p:style>
           <a:lnRef idx="1">
-            <a:schemeClr val="accent1"/>
+            <a:schemeClr val="accent2"/>
           </a:lnRef>
           <a:fillRef idx="0">
-            <a:schemeClr val="accent1"/>
+            <a:schemeClr val="accent2"/>
           </a:fillRef>
           <a:effectRef idx="0">
-            <a:schemeClr val="accent1"/>
+            <a:schemeClr val="accent2"/>
           </a:effectRef>
           <a:fontRef idx="minor">
             <a:schemeClr val="tx1"/>
           </a:fontRef>
         </p:style>
       </p:cxnSp>
-      <p:sp>
-        <p:nvSpPr>
-          <p:cNvPr id="16" name="文字方塊 15"/>
-          <p:cNvSpPr txBox="1"/>
-          <p:nvPr/>
-        </p:nvSpPr>
-        <p:spPr>
-          <a:xfrm>
-            <a:off x="10468386" y="5815584"/>
-            <a:ext cx="1569660" cy="276999"/>
-          </a:xfrm>
-          <a:prstGeom prst="rect">
-            <a:avLst/>
-          </a:prstGeom>
-          <a:noFill/>
-        </p:spPr>
-        <p:txBody>
-          <a:bodyPr wrap="none" rtlCol="0">
-            <a:spAutoFit/>
-          </a:bodyPr>
-          <a:lstStyle/>
-          <a:p>
-            <a:r>
-              <a:rPr lang="zh-TW" altLang="en-US" sz="1200" dirty="0" smtClean="0">
-                <a:solidFill>
-                  <a:srgbClr val="FF0000"/>
-                </a:solidFill>
-              </a:rPr>
-              <a:t>點擊可進行儲位編輯</a:t>
-            </a:r>
-            <a:endParaRPr lang="zh-TW" altLang="en-US" sz="1200" dirty="0">
-              <a:solidFill>
-                <a:srgbClr val="FF0000"/>
-              </a:solidFill>
-            </a:endParaRPr>
-          </a:p>
-        </p:txBody>
-      </p:sp>
     </p:spTree>
     <p:extLst>
       <p:ext uri="{BB962C8B-B14F-4D97-AF65-F5344CB8AC3E}">
-        <p14:creationId xmlns:p14="http://schemas.microsoft.com/office/powerpoint/2010/main" val="1954234512"/>
+        <p14:creationId xmlns:p14="http://schemas.microsoft.com/office/powerpoint/2010/main" val="3115094071"/>
       </p:ext>
     </p:extLst>
   </p:cSld>
@@ -4763,15 +4591,15 @@
             </a:r>
             <a:r>
               <a:rPr lang="zh-TW" altLang="en-US" dirty="0" smtClean="0"/>
-              <a:t>出貨 </a:t>
-            </a:r>
-            <a:r>
-              <a:rPr lang="en-US" altLang="zh-TW" dirty="0" smtClean="0"/>
-              <a:t>-</a:t>
-            </a:r>
-            <a:r>
-              <a:rPr lang="zh-TW" altLang="en-US" dirty="0" smtClean="0"/>
-              <a:t> 整個棧板</a:t>
+              <a:t> </a:t>
+            </a:r>
+            <a:r>
+              <a:rPr lang="en-US" altLang="zh-TW" dirty="0" smtClean="0"/>
+              <a:t>–</a:t>
+            </a:r>
+            <a:r>
+              <a:rPr lang="zh-TW" altLang="en-US" dirty="0" smtClean="0"/>
+              <a:t> 入庫 </a:t>
             </a:r>
             <a:endParaRPr lang="zh-TW" altLang="en-US" dirty="0"/>
           </a:p>
@@ -4789,12 +4617,58 @@
         </p:nvSpPr>
         <p:spPr/>
         <p:txBody>
-          <a:bodyPr/>
-          <a:lstStyle/>
-          <a:p>
-            <a:r>
-              <a:rPr lang="zh-TW" altLang="en-US" dirty="0" smtClean="0"/>
-              <a:t>點擊</a:t>
+          <a:bodyPr>
+            <a:normAutofit lnSpcReduction="10000"/>
+          </a:bodyPr>
+          <a:lstStyle/>
+          <a:p>
+            <a:r>
+              <a:rPr lang="en-US" altLang="zh-TW" dirty="0" smtClean="0"/>
+              <a:t>ACI</a:t>
+            </a:r>
+            <a:r>
+              <a:rPr lang="zh-TW" altLang="en-US" dirty="0"/>
+              <a:t> </a:t>
+            </a:r>
+            <a:r>
+              <a:rPr lang="en-US" altLang="zh-TW" dirty="0" smtClean="0"/>
+              <a:t>:</a:t>
+            </a:r>
+            <a:r>
+              <a:rPr lang="zh-TW" altLang="en-US" dirty="0" smtClean="0"/>
+              <a:t> 將達運出貨的棧板做入庫的動作</a:t>
+            </a:r>
+            <a:endParaRPr lang="en-US" altLang="zh-TW" dirty="0" smtClean="0"/>
+          </a:p>
+          <a:p>
+            <a:pPr marL="0" indent="0">
+              <a:buNone/>
+            </a:pPr>
+            <a:endParaRPr lang="en-US" altLang="zh-TW" dirty="0"/>
+          </a:p>
+          <a:p>
+            <a:pPr marL="0" indent="0">
+              <a:buNone/>
+            </a:pPr>
+            <a:r>
+              <a:rPr lang="en-US" altLang="zh-TW" dirty="0" smtClean="0"/>
+              <a:t>-&gt;</a:t>
+            </a:r>
+            <a:r>
+              <a:rPr lang="zh-TW" altLang="en-US" dirty="0" smtClean="0"/>
+              <a:t> 點擊</a:t>
+            </a:r>
+            <a:r>
+              <a:rPr lang="zh-TW" altLang="en-US" dirty="0" smtClean="0"/>
+              <a:t>左側導覽列的 </a:t>
+            </a:r>
+            <a:r>
+              <a:rPr lang="en-US" altLang="zh-TW" dirty="0" smtClean="0"/>
+              <a:t>“ACI-</a:t>
+            </a:r>
+            <a:r>
+              <a:rPr lang="zh-TW" altLang="en-US" dirty="0" smtClean="0"/>
+              <a:t>入庫</a:t>
             </a:r>
             <a:r>
               <a:rPr lang="en-US" altLang="zh-TW" dirty="0" smtClean="0"/>
@@ -4802,7 +4676,182 @@
             </a:r>
             <a:r>
               <a:rPr lang="zh-TW" altLang="en-US" dirty="0" smtClean="0"/>
-              <a:t>出貨</a:t>
+              <a:t> 選單</a:t>
+            </a:r>
+            <a:endParaRPr lang="en-US" altLang="zh-TW" dirty="0" smtClean="0"/>
+          </a:p>
+          <a:p>
+            <a:pPr marL="0" indent="0">
+              <a:buNone/>
+            </a:pPr>
+            <a:r>
+              <a:rPr lang="en-US" altLang="zh-TW" dirty="0" smtClean="0"/>
+              <a:t>-&gt;</a:t>
+            </a:r>
+            <a:r>
+              <a:rPr lang="zh-TW" altLang="en-US" dirty="0" smtClean="0"/>
+              <a:t> 使用條碼機掃描棧板上的條碼 </a:t>
+            </a:r>
+            <a:r>
+              <a:rPr lang="en-US" altLang="zh-TW" dirty="0" smtClean="0"/>
+              <a:t>(</a:t>
+            </a:r>
+            <a:r>
+              <a:rPr lang="zh-TW" altLang="en-US" dirty="0" smtClean="0"/>
+              <a:t>或手</a:t>
+            </a:r>
+            <a:r>
+              <a:rPr lang="en-US" altLang="zh-TW" dirty="0" smtClean="0"/>
+              <a:t>key</a:t>
+            </a:r>
+            <a:r>
+              <a:rPr lang="zh-TW" altLang="en-US" dirty="0" smtClean="0"/>
+              <a:t>棧板名稱後按</a:t>
+            </a:r>
+            <a:r>
+              <a:rPr lang="en-US" altLang="zh-TW" dirty="0" smtClean="0"/>
+              <a:t>Enter)</a:t>
+            </a:r>
+          </a:p>
+          <a:p>
+            <a:pPr marL="0" indent="0">
+              <a:buNone/>
+            </a:pPr>
+            <a:r>
+              <a:rPr lang="en-US" altLang="zh-TW" dirty="0" smtClean="0"/>
+              <a:t>-&gt; </a:t>
+            </a:r>
+            <a:r>
+              <a:rPr lang="zh-TW" altLang="en-US" dirty="0" smtClean="0"/>
+              <a:t>頁面顯示該棧板內含什麼資料 </a:t>
+            </a:r>
+            <a:r>
+              <a:rPr lang="en-US" altLang="zh-TW" dirty="0" smtClean="0"/>
+              <a:t>, </a:t>
+            </a:r>
+            <a:r>
+              <a:rPr lang="zh-TW" altLang="en-US" dirty="0" smtClean="0"/>
+              <a:t>可點擊 棧板名稱 查看</a:t>
+            </a:r>
+            <a:endParaRPr lang="en-US" altLang="zh-TW" dirty="0" smtClean="0"/>
+          </a:p>
+          <a:p>
+            <a:pPr marL="0" indent="0">
+              <a:buNone/>
+            </a:pPr>
+            <a:r>
+              <a:rPr lang="en-US" altLang="zh-TW" dirty="0" smtClean="0"/>
+              <a:t>	-&gt;</a:t>
+            </a:r>
+            <a:r>
+              <a:rPr lang="zh-TW" altLang="en-US" dirty="0" smtClean="0"/>
+              <a:t>可連續刷入</a:t>
+            </a:r>
+            <a:r>
+              <a:rPr lang="zh-TW" altLang="en-US" dirty="0" smtClean="0"/>
+              <a:t>多個單筆的棧</a:t>
+            </a:r>
+            <a:r>
+              <a:rPr lang="zh-TW" altLang="en-US" dirty="0" smtClean="0"/>
+              <a:t>板 </a:t>
+            </a:r>
+            <a:r>
+              <a:rPr lang="en-US" altLang="zh-TW" dirty="0" smtClean="0"/>
+              <a:t>, </a:t>
+            </a:r>
+            <a:r>
+              <a:rPr lang="zh-TW" altLang="en-US" dirty="0" smtClean="0"/>
+              <a:t>再一次</a:t>
+            </a:r>
+            <a:r>
+              <a:rPr lang="zh-TW" altLang="en-US" dirty="0"/>
+              <a:t>統一進行</a:t>
+            </a:r>
+            <a:r>
+              <a:rPr lang="zh-TW" altLang="en-US" dirty="0" smtClean="0"/>
+              <a:t>入庫</a:t>
+            </a:r>
+            <a:endParaRPr lang="en-US" altLang="zh-TW" dirty="0" smtClean="0"/>
+          </a:p>
+          <a:p>
+            <a:pPr marL="0" indent="0">
+              <a:buNone/>
+            </a:pPr>
+            <a:r>
+              <a:rPr lang="en-US" altLang="zh-TW" dirty="0" smtClean="0"/>
+              <a:t>	-&gt;</a:t>
+            </a:r>
+            <a:r>
+              <a:rPr lang="zh-TW" altLang="en-US" dirty="0" smtClean="0"/>
+              <a:t>也可</a:t>
+            </a:r>
+            <a:r>
+              <a:rPr lang="zh-TW" altLang="en-US" dirty="0"/>
+              <a:t>使用</a:t>
+            </a:r>
+            <a:r>
+              <a:rPr lang="en-US" altLang="zh-TW" dirty="0"/>
+              <a:t>ship</a:t>
+            </a:r>
+            <a:r>
+              <a:rPr lang="zh-TW" altLang="en-US" dirty="0" smtClean="0"/>
+              <a:t>入庫 </a:t>
+            </a:r>
+            <a:r>
+              <a:rPr lang="zh-TW" altLang="en-US" dirty="0" smtClean="0"/>
+              <a:t>  </a:t>
+            </a:r>
+            <a:r>
+              <a:rPr lang="en-US" altLang="zh-TW" dirty="0" smtClean="0"/>
+              <a:t>(</a:t>
+            </a:r>
+            <a:r>
+              <a:rPr lang="en-US" altLang="zh-TW" dirty="0"/>
+              <a:t>ship</a:t>
+            </a:r>
+            <a:r>
+              <a:rPr lang="zh-TW" altLang="en-US" dirty="0"/>
+              <a:t>為多筆的棧</a:t>
+            </a:r>
+            <a:r>
+              <a:rPr lang="zh-TW" altLang="en-US" dirty="0" smtClean="0"/>
+              <a:t>板組合而</a:t>
+            </a:r>
+            <a:r>
+              <a:rPr lang="zh-TW" altLang="en-US" dirty="0" smtClean="0"/>
+              <a:t>成</a:t>
+            </a:r>
+            <a:r>
+              <a:rPr lang="en-US" altLang="zh-TW" dirty="0" smtClean="0"/>
+              <a:t>..</a:t>
+            </a:r>
+            <a:r>
+              <a:rPr lang="zh-TW" altLang="en-US" dirty="0" smtClean="0"/>
+              <a:t>目前只能</a:t>
+            </a:r>
+            <a:r>
+              <a:rPr lang="en-US" altLang="zh-TW" dirty="0" smtClean="0"/>
+              <a:t>		</a:t>
+            </a:r>
+            <a:r>
+              <a:rPr lang="zh-TW" altLang="en-US" dirty="0" smtClean="0"/>
+              <a:t>手動將多個棧板文字貼上 </a:t>
+            </a:r>
+            <a:r>
+              <a:rPr lang="en-US" altLang="zh-TW" dirty="0" smtClean="0"/>
+              <a:t>,</a:t>
+            </a:r>
+            <a:r>
+              <a:rPr lang="zh-TW" altLang="en-US" dirty="0" smtClean="0"/>
+              <a:t> 棧板間用</a:t>
+            </a:r>
+            <a:r>
+              <a:rPr lang="en-US" altLang="zh-TW" dirty="0" smtClean="0"/>
+              <a:t>“</a:t>
+            </a:r>
+            <a:r>
+              <a:rPr lang="zh-TW" altLang="en-US" dirty="0" smtClean="0"/>
+              <a:t>逗號</a:t>
             </a:r>
             <a:r>
               <a:rPr lang="en-US" altLang="zh-TW" dirty="0" smtClean="0"/>
@@ -4810,170 +4859,56 @@
             </a:r>
             <a:r>
               <a:rPr lang="zh-TW" altLang="en-US" dirty="0" smtClean="0"/>
-              <a:t>按鈕後 </a:t>
-            </a:r>
-            <a:r>
-              <a:rPr lang="en-US" altLang="zh-TW" dirty="0" smtClean="0"/>
-              <a:t>, </a:t>
-            </a:r>
-            <a:r>
-              <a:rPr lang="zh-TW" altLang="en-US" dirty="0" smtClean="0"/>
-              <a:t>會跳出需要輸入的文字框</a:t>
+              <a:t>或</a:t>
+            </a:r>
+            <a:r>
+              <a:rPr lang="en-US" altLang="zh-TW" dirty="0" smtClean="0"/>
+              <a:t>“</a:t>
+            </a:r>
+            <a:r>
+              <a:rPr lang="zh-TW" altLang="en-US" dirty="0" smtClean="0"/>
+              <a:t>空格</a:t>
+            </a:r>
+            <a:r>
+              <a:rPr lang="en-US" altLang="zh-TW" dirty="0" smtClean="0"/>
+              <a:t>”</a:t>
+            </a:r>
+            <a:r>
+              <a:rPr lang="zh-TW" altLang="en-US" dirty="0" smtClean="0"/>
+              <a:t>分隔</a:t>
+            </a:r>
+            <a:r>
+              <a:rPr lang="en-US" altLang="zh-TW" dirty="0" smtClean="0"/>
+              <a:t>)</a:t>
             </a:r>
             <a:endParaRPr lang="en-US" altLang="zh-TW" dirty="0" smtClean="0"/>
           </a:p>
           <a:p>
-            <a:pPr lvl="1"/>
-            <a:r>
-              <a:rPr lang="en-US" altLang="zh-TW" dirty="0" err="1" smtClean="0"/>
-              <a:t>ASN_Number</a:t>
-            </a:r>
+            <a:pPr marL="0" indent="0">
+              <a:buNone/>
+            </a:pPr>
+            <a:r>
+              <a:rPr lang="en-US" altLang="zh-TW" dirty="0" smtClean="0"/>
+              <a:t>-&gt;</a:t>
+            </a:r>
+            <a:r>
+              <a:rPr lang="zh-TW" altLang="en-US" dirty="0" smtClean="0"/>
+              <a:t>完成入庫</a:t>
+            </a:r>
+            <a:endParaRPr lang="en-US" altLang="zh-TW" dirty="0" smtClean="0"/>
+          </a:p>
+          <a:p>
+            <a:pPr marL="0" indent="0">
+              <a:buNone/>
+            </a:pPr>
             <a:endParaRPr lang="en-US" altLang="zh-TW" dirty="0"/>
-          </a:p>
-          <a:p>
-            <a:pPr lvl="1"/>
-            <a:r>
-              <a:rPr lang="en-US" altLang="zh-TW" dirty="0" err="1" smtClean="0"/>
-              <a:t>Shipping_date</a:t>
-            </a:r>
-            <a:endParaRPr lang="en-US" altLang="zh-TW" dirty="0" smtClean="0"/>
-          </a:p>
-          <a:p>
-            <a:pPr lvl="1"/>
-            <a:r>
-              <a:rPr lang="en-US" altLang="zh-TW" dirty="0" err="1" smtClean="0"/>
-              <a:t>Shipping_company_contractor</a:t>
-            </a:r>
-            <a:endParaRPr lang="en-US" altLang="zh-TW" dirty="0" smtClean="0"/>
-          </a:p>
-          <a:p>
-            <a:r>
-              <a:rPr lang="zh-TW" altLang="en-US" dirty="0" smtClean="0"/>
-              <a:t>輸入完成送出後即進行</a:t>
-            </a:r>
-            <a:endParaRPr lang="en-US" altLang="zh-TW" dirty="0" smtClean="0"/>
-          </a:p>
-          <a:p>
-            <a:pPr lvl="1"/>
-            <a:r>
-              <a:rPr lang="zh-TW" altLang="en-US" dirty="0" smtClean="0"/>
-              <a:t>下載</a:t>
-            </a:r>
-            <a:r>
-              <a:rPr lang="en-US" altLang="zh-TW" dirty="0" smtClean="0"/>
-              <a:t>excel</a:t>
-            </a:r>
-            <a:r>
-              <a:rPr lang="zh-TW" altLang="en-US" dirty="0" smtClean="0"/>
-              <a:t>檔 </a:t>
-            </a:r>
-            <a:r>
-              <a:rPr lang="en-US" altLang="zh-TW" dirty="0" smtClean="0"/>
-              <a:t>, </a:t>
-            </a:r>
-            <a:r>
-              <a:rPr lang="zh-TW" altLang="en-US" dirty="0" smtClean="0"/>
-              <a:t>內容為該棧板內的所有紙箱內容 </a:t>
-            </a:r>
-            <a:r>
-              <a:rPr lang="en-US" altLang="zh-TW" dirty="0" smtClean="0"/>
-              <a:t>, excel</a:t>
-            </a:r>
-            <a:r>
-              <a:rPr lang="zh-TW" altLang="en-US" dirty="0" smtClean="0"/>
-              <a:t>內的</a:t>
-            </a:r>
-            <a:r>
-              <a:rPr lang="en-US" altLang="zh-TW" dirty="0" err="1" smtClean="0"/>
-              <a:t>ASN_Number</a:t>
-            </a:r>
-            <a:r>
-              <a:rPr lang="zh-TW" altLang="en-US" dirty="0" smtClean="0"/>
-              <a:t> </a:t>
-            </a:r>
-            <a:r>
-              <a:rPr lang="en-US" altLang="zh-TW" dirty="0" smtClean="0"/>
-              <a:t>, </a:t>
-            </a:r>
-            <a:r>
-              <a:rPr lang="en-US" altLang="zh-TW" dirty="0" err="1" smtClean="0"/>
-              <a:t>Shipping_date</a:t>
-            </a:r>
-            <a:r>
-              <a:rPr lang="en-US" altLang="zh-TW" dirty="0" smtClean="0"/>
-              <a:t> , </a:t>
-            </a:r>
-            <a:r>
-              <a:rPr lang="en-US" altLang="zh-TW" dirty="0" err="1" smtClean="0"/>
-              <a:t>Shipping_company_contractor</a:t>
-            </a:r>
-            <a:r>
-              <a:rPr lang="zh-TW" altLang="en-US" dirty="0" smtClean="0"/>
-              <a:t>三個欄位會全部填上上面填入的資料</a:t>
-            </a:r>
-            <a:endParaRPr lang="en-US" altLang="zh-TW" dirty="0" smtClean="0"/>
-          </a:p>
-          <a:p>
-            <a:pPr lvl="1"/>
-            <a:r>
-              <a:rPr lang="zh-TW" altLang="en-US" dirty="0" smtClean="0"/>
-              <a:t>該棧板內的所有紙箱內容移出該棧板 </a:t>
-            </a:r>
-            <a:r>
-              <a:rPr lang="en-US" altLang="zh-TW" dirty="0" smtClean="0"/>
-              <a:t>(</a:t>
-            </a:r>
-            <a:r>
-              <a:rPr lang="zh-TW" altLang="en-US" dirty="0" smtClean="0"/>
-              <a:t>此時此棧板為空棧板</a:t>
-            </a:r>
-            <a:r>
-              <a:rPr lang="en-US" altLang="zh-TW" dirty="0" smtClean="0"/>
-              <a:t>)</a:t>
-            </a:r>
-          </a:p>
-          <a:p>
-            <a:pPr lvl="1"/>
-            <a:r>
-              <a:rPr lang="zh-TW" altLang="en-US" dirty="0" smtClean="0"/>
-              <a:t>所有紙箱內容加入到 </a:t>
-            </a:r>
-            <a:r>
-              <a:rPr lang="en-US" altLang="zh-TW" dirty="0" smtClean="0"/>
-              <a:t>“ACI</a:t>
-            </a:r>
-            <a:r>
-              <a:rPr lang="zh-TW" altLang="en-US" dirty="0" smtClean="0"/>
-              <a:t> </a:t>
-            </a:r>
-            <a:r>
-              <a:rPr lang="en-US" altLang="zh-TW" dirty="0" smtClean="0"/>
-              <a:t>-</a:t>
-            </a:r>
-            <a:r>
-              <a:rPr lang="zh-TW" altLang="en-US" dirty="0" smtClean="0"/>
-              <a:t> 已出貨清單</a:t>
-            </a:r>
-            <a:r>
-              <a:rPr lang="en-US" altLang="zh-TW" dirty="0" smtClean="0"/>
-              <a:t>”</a:t>
-            </a:r>
-            <a:r>
-              <a:rPr lang="zh-TW" altLang="en-US" dirty="0" smtClean="0"/>
-              <a:t> 供查詢用</a:t>
-            </a:r>
-            <a:endParaRPr lang="en-US" altLang="zh-TW" dirty="0" smtClean="0"/>
-          </a:p>
-          <a:p>
-            <a:pPr lvl="1"/>
-            <a:endParaRPr lang="zh-TW" altLang="en-US" dirty="0"/>
           </a:p>
         </p:txBody>
       </p:sp>
     </p:spTree>
     <p:extLst>
       <p:ext uri="{BB962C8B-B14F-4D97-AF65-F5344CB8AC3E}">
-        <p14:creationId xmlns:p14="http://schemas.microsoft.com/office/powerpoint/2010/main" val="919364709"/>
+        <p14:creationId xmlns:p14="http://schemas.microsoft.com/office/powerpoint/2010/main" val="2886604523"/>
       </p:ext>
     </p:extLst>
   </p:cSld>
@@ -5007,9 +4942,49 @@
           <a:chExt cx="0" cy="0"/>
         </a:xfrm>
       </p:grpSpPr>
+      <p:sp>
+        <p:nvSpPr>
+          <p:cNvPr id="8" name="標題 1"/>
+          <p:cNvSpPr>
+            <a:spLocks noGrp="1"/>
+          </p:cNvSpPr>
+          <p:nvPr>
+            <p:ph type="title"/>
+          </p:nvPr>
+        </p:nvSpPr>
+        <p:spPr>
+          <a:xfrm>
+            <a:off x="792480" y="54846"/>
+            <a:ext cx="10515600" cy="1325563"/>
+          </a:xfrm>
+        </p:spPr>
+        <p:txBody>
+          <a:bodyPr/>
+          <a:lstStyle/>
+          <a:p>
+            <a:r>
+              <a:rPr lang="en-US" altLang="zh-TW" dirty="0" smtClean="0"/>
+              <a:t>ACI</a:t>
+            </a:r>
+            <a:r>
+              <a:rPr lang="zh-TW" altLang="en-US" dirty="0" smtClean="0"/>
+              <a:t> </a:t>
+            </a:r>
+            <a:r>
+              <a:rPr lang="en-US" altLang="zh-TW" dirty="0" smtClean="0"/>
+              <a:t>–</a:t>
+            </a:r>
+            <a:r>
+              <a:rPr lang="zh-TW" altLang="en-US" dirty="0" smtClean="0"/>
+              <a:t> 入庫</a:t>
+            </a:r>
+            <a:endParaRPr lang="zh-TW" altLang="en-US" dirty="0"/>
+          </a:p>
+        </p:txBody>
+      </p:sp>
       <p:pic>
         <p:nvPicPr>
-          <p:cNvPr id="4" name="圖片 3"/>
+          <p:cNvPr id="15" name="圖片 14"/>
           <p:cNvPicPr>
             <a:picLocks noChangeAspect="1"/>
           </p:cNvPicPr>
@@ -5023,73 +4998,251 @@
         </p:blipFill>
         <p:spPr>
           <a:xfrm>
-            <a:off x="210312" y="1098009"/>
-            <a:ext cx="4380752" cy="2477295"/>
+            <a:off x="1783080" y="1144871"/>
+            <a:ext cx="8404202" cy="5656393"/>
           </a:xfrm>
           <a:prstGeom prst="rect">
             <a:avLst/>
           </a:prstGeom>
         </p:spPr>
       </p:pic>
-      <p:pic>
-        <p:nvPicPr>
-          <p:cNvPr id="6" name="圖片 5"/>
-          <p:cNvPicPr>
-            <a:picLocks noChangeAspect="1"/>
-          </p:cNvPicPr>
+      <p:sp>
+        <p:nvSpPr>
+          <p:cNvPr id="16" name="文字方塊 15"/>
+          <p:cNvSpPr txBox="1"/>
           <p:nvPr/>
-        </p:nvPicPr>
-        <p:blipFill>
-          <a:blip r:embed="rId3"/>
-          <a:stretch>
-            <a:fillRect/>
-          </a:stretch>
-        </p:blipFill>
+        </p:nvSpPr>
         <p:spPr>
           <a:xfrm>
-            <a:off x="1104729" y="3822191"/>
-            <a:ext cx="10640910" cy="2774089"/>
+            <a:off x="3602736" y="1011077"/>
+            <a:ext cx="2262158" cy="369332"/>
           </a:xfrm>
           <a:prstGeom prst="rect">
             <a:avLst/>
           </a:prstGeom>
-        </p:spPr>
-      </p:pic>
-      <p:sp>
-        <p:nvSpPr>
-          <p:cNvPr id="7" name="標題 1"/>
-          <p:cNvSpPr>
-            <a:spLocks noGrp="1"/>
-          </p:cNvSpPr>
-          <p:nvPr>
-            <p:ph type="title"/>
-          </p:nvPr>
+          <a:noFill/>
+        </p:spPr>
+        <p:txBody>
+          <a:bodyPr wrap="none" rtlCol="0">
+            <a:spAutoFit/>
+          </a:bodyPr>
+          <a:lstStyle/>
+          <a:p>
+            <a:r>
+              <a:rPr lang="zh-TW" altLang="en-US" dirty="0" smtClean="0">
+                <a:solidFill>
+                  <a:srgbClr val="FF0000"/>
+                </a:solidFill>
+              </a:rPr>
+              <a:t>可使用單一棧板入庫</a:t>
+            </a:r>
+            <a:endParaRPr lang="zh-TW" altLang="en-US" dirty="0">
+              <a:solidFill>
+                <a:srgbClr val="FF0000"/>
+              </a:solidFill>
+            </a:endParaRPr>
+          </a:p>
+        </p:txBody>
+      </p:sp>
+      <p:sp>
+        <p:nvSpPr>
+          <p:cNvPr id="17" name="文字方塊 16"/>
+          <p:cNvSpPr txBox="1"/>
+          <p:nvPr/>
         </p:nvSpPr>
         <p:spPr>
           <a:xfrm>
-            <a:off x="810768" y="0"/>
-            <a:ext cx="10515600" cy="1325563"/>
-          </a:xfrm>
-        </p:spPr>
-        <p:txBody>
-          <a:bodyPr/>
-          <a:lstStyle/>
-          <a:p>
-            <a:r>
-              <a:rPr lang="en-US" altLang="zh-TW" dirty="0" smtClean="0"/>
-              <a:t>ACI</a:t>
-            </a:r>
-            <a:r>
-              <a:rPr lang="zh-TW" altLang="en-US" dirty="0" smtClean="0"/>
-              <a:t>出貨 </a:t>
-            </a:r>
-            <a:r>
-              <a:rPr lang="en-US" altLang="zh-TW" dirty="0" smtClean="0"/>
-              <a:t>-</a:t>
-            </a:r>
-            <a:r>
-              <a:rPr lang="zh-TW" altLang="en-US" dirty="0" smtClean="0"/>
-              <a:t> 整個棧板</a:t>
+            <a:off x="6050280" y="921676"/>
+            <a:ext cx="3482043" cy="369332"/>
+          </a:xfrm>
+          <a:prstGeom prst="rect">
+            <a:avLst/>
+          </a:prstGeom>
+          <a:noFill/>
+        </p:spPr>
+        <p:txBody>
+          <a:bodyPr wrap="none" rtlCol="0">
+            <a:spAutoFit/>
+          </a:bodyPr>
+          <a:lstStyle/>
+          <a:p>
+            <a:r>
+              <a:rPr lang="zh-TW" altLang="en-US" dirty="0" smtClean="0">
+                <a:solidFill>
+                  <a:srgbClr val="FF0000"/>
+                </a:solidFill>
+              </a:rPr>
+              <a:t>也能使用</a:t>
+            </a:r>
+            <a:r>
+              <a:rPr lang="en-US" altLang="zh-TW" dirty="0" smtClean="0">
+                <a:solidFill>
+                  <a:srgbClr val="FF0000"/>
+                </a:solidFill>
+              </a:rPr>
+              <a:t>ship</a:t>
+            </a:r>
+            <a:r>
+              <a:rPr lang="zh-TW" altLang="en-US" dirty="0" smtClean="0">
+                <a:solidFill>
+                  <a:srgbClr val="FF0000"/>
+                </a:solidFill>
+              </a:rPr>
+              <a:t>入庫</a:t>
+            </a:r>
+            <a:r>
+              <a:rPr lang="en-US" altLang="zh-TW" dirty="0" smtClean="0">
+                <a:solidFill>
+                  <a:srgbClr val="FF0000"/>
+                </a:solidFill>
+              </a:rPr>
+              <a:t>(</a:t>
+            </a:r>
+            <a:r>
+              <a:rPr lang="zh-TW" altLang="en-US" dirty="0" smtClean="0">
+                <a:solidFill>
+                  <a:srgbClr val="FF0000"/>
+                </a:solidFill>
+              </a:rPr>
+              <a:t>一次多個棧板</a:t>
+            </a:r>
+            <a:r>
+              <a:rPr lang="en-US" altLang="zh-TW" dirty="0" smtClean="0">
+                <a:solidFill>
+                  <a:srgbClr val="FF0000"/>
+                </a:solidFill>
+              </a:rPr>
+              <a:t>)</a:t>
+            </a:r>
+            <a:endParaRPr lang="zh-TW" altLang="en-US" dirty="0">
+              <a:solidFill>
+                <a:srgbClr val="FF0000"/>
+              </a:solidFill>
+            </a:endParaRPr>
+          </a:p>
+        </p:txBody>
+      </p:sp>
+      <p:cxnSp>
+        <p:nvCxnSpPr>
+          <p:cNvPr id="19" name="直線單箭頭接點 18"/>
+          <p:cNvCxnSpPr/>
+          <p:nvPr/>
+        </p:nvCxnSpPr>
+        <p:spPr>
+          <a:xfrm flipV="1">
+            <a:off x="5010912" y="3218688"/>
+            <a:ext cx="27432" cy="1709928"/>
+          </a:xfrm>
+          <a:prstGeom prst="straightConnector1">
+            <a:avLst/>
+          </a:prstGeom>
+          <a:ln>
+            <a:tailEnd type="triangle"/>
+          </a:ln>
+        </p:spPr>
+        <p:style>
+          <a:lnRef idx="1">
+            <a:schemeClr val="accent1"/>
+          </a:lnRef>
+          <a:fillRef idx="0">
+            <a:schemeClr val="accent1"/>
+          </a:fillRef>
+          <a:effectRef idx="0">
+            <a:schemeClr val="accent1"/>
+          </a:effectRef>
+          <a:fontRef idx="minor">
+            <a:schemeClr val="tx1"/>
+          </a:fontRef>
+        </p:style>
+      </p:cxnSp>
+      <p:sp>
+        <p:nvSpPr>
+          <p:cNvPr id="20" name="文字方塊 19"/>
+          <p:cNvSpPr txBox="1"/>
+          <p:nvPr/>
+        </p:nvSpPr>
+        <p:spPr>
+          <a:xfrm>
+            <a:off x="4297680" y="4846320"/>
+            <a:ext cx="3008375" cy="369332"/>
+          </a:xfrm>
+          <a:prstGeom prst="rect">
+            <a:avLst/>
+          </a:prstGeom>
+          <a:noFill/>
+        </p:spPr>
+        <p:txBody>
+          <a:bodyPr wrap="square" rtlCol="0">
+            <a:spAutoFit/>
+          </a:bodyPr>
+          <a:lstStyle/>
+          <a:p>
+            <a:r>
+              <a:rPr lang="zh-TW" altLang="en-US" dirty="0" smtClean="0"/>
+              <a:t>點擊可看棧板內存放的資訊</a:t>
+            </a:r>
+            <a:endParaRPr lang="zh-TW" altLang="en-US" dirty="0"/>
+          </a:p>
+        </p:txBody>
+      </p:sp>
+      <p:cxnSp>
+        <p:nvCxnSpPr>
+          <p:cNvPr id="22" name="直線單箭頭接點 21"/>
+          <p:cNvCxnSpPr/>
+          <p:nvPr/>
+        </p:nvCxnSpPr>
+        <p:spPr>
+          <a:xfrm flipH="1" flipV="1">
+            <a:off x="9153144" y="3218688"/>
+            <a:ext cx="27432" cy="1508760"/>
+          </a:xfrm>
+          <a:prstGeom prst="straightConnector1">
+            <a:avLst/>
+          </a:prstGeom>
+          <a:ln>
+            <a:tailEnd type="triangle"/>
+          </a:ln>
+        </p:spPr>
+        <p:style>
+          <a:lnRef idx="1">
+            <a:schemeClr val="accent1"/>
+          </a:lnRef>
+          <a:fillRef idx="0">
+            <a:schemeClr val="accent1"/>
+          </a:fillRef>
+          <a:effectRef idx="0">
+            <a:schemeClr val="accent1"/>
+          </a:effectRef>
+          <a:fontRef idx="minor">
+            <a:schemeClr val="tx1"/>
+          </a:fontRef>
+        </p:style>
+      </p:cxnSp>
+      <p:sp>
+        <p:nvSpPr>
+          <p:cNvPr id="23" name="文字方塊 22"/>
+          <p:cNvSpPr txBox="1"/>
+          <p:nvPr/>
+        </p:nvSpPr>
+        <p:spPr>
+          <a:xfrm>
+            <a:off x="8694041" y="4765977"/>
+            <a:ext cx="1338828" cy="369332"/>
+          </a:xfrm>
+          <a:prstGeom prst="rect">
+            <a:avLst/>
+          </a:prstGeom>
+          <a:noFill/>
+        </p:spPr>
+        <p:txBody>
+          <a:bodyPr wrap="none" rtlCol="0">
+            <a:spAutoFit/>
+          </a:bodyPr>
+          <a:lstStyle/>
+          <a:p>
+            <a:r>
+              <a:rPr lang="zh-TW" altLang="en-US" dirty="0" smtClean="0"/>
+              <a:t>可改變儲位</a:t>
             </a:r>
             <a:endParaRPr lang="zh-TW" altLang="en-US" dirty="0"/>
           </a:p>
@@ -5098,7 +5251,7 @@
     </p:spTree>
     <p:extLst>
       <p:ext uri="{BB962C8B-B14F-4D97-AF65-F5344CB8AC3E}">
-        <p14:creationId xmlns:p14="http://schemas.microsoft.com/office/powerpoint/2010/main" val="3215681409"/>
+        <p14:creationId xmlns:p14="http://schemas.microsoft.com/office/powerpoint/2010/main" val="3405285936"/>
       </p:ext>
     </p:extLst>
   </p:cSld>
@@ -5134,7 +5287,7 @@
       </p:grpSpPr>
       <p:sp>
         <p:nvSpPr>
-          <p:cNvPr id="2" name="標題 1"/>
+          <p:cNvPr id="5" name="標題 1"/>
           <p:cNvSpPr>
             <a:spLocks noGrp="1"/>
           </p:cNvSpPr>
@@ -5142,9 +5295,16 @@
             <p:ph type="title"/>
           </p:nvPr>
         </p:nvSpPr>
-        <p:spPr/>
-        <p:txBody>
-          <a:bodyPr/>
+        <p:spPr>
+          <a:xfrm>
+            <a:off x="815820" y="200533"/>
+            <a:ext cx="10515600" cy="1325563"/>
+          </a:xfrm>
+        </p:spPr>
+        <p:txBody>
+          <a:bodyPr>
+            <a:normAutofit fontScale="90000"/>
+          </a:bodyPr>
           <a:lstStyle/>
           <a:p>
             <a:r>
@@ -5153,121 +5313,70 @@
             </a:r>
             <a:r>
               <a:rPr lang="zh-TW" altLang="en-US" dirty="0" smtClean="0"/>
-              <a:t>設備轉移 </a:t>
-            </a:r>
-            <a:r>
-              <a:rPr lang="en-US" altLang="zh-TW" dirty="0" smtClean="0"/>
-              <a:t>-</a:t>
-            </a:r>
-            <a:r>
-              <a:rPr lang="zh-TW" altLang="en-US" dirty="0" smtClean="0"/>
-              <a:t> 整個棧板</a:t>
-            </a:r>
-            <a:endParaRPr lang="zh-TW" altLang="en-US" dirty="0"/>
-          </a:p>
-        </p:txBody>
-      </p:sp>
-      <p:sp>
-        <p:nvSpPr>
-          <p:cNvPr id="3" name="內容版面配置區 2"/>
-          <p:cNvSpPr>
-            <a:spLocks noGrp="1"/>
-          </p:cNvSpPr>
-          <p:nvPr>
-            <p:ph idx="1"/>
-          </p:nvPr>
-        </p:nvSpPr>
-        <p:spPr/>
-        <p:txBody>
-          <a:bodyPr/>
-          <a:lstStyle/>
-          <a:p>
-            <a:r>
-              <a:rPr lang="zh-TW" altLang="en-US" dirty="0" smtClean="0"/>
-              <a:t>點擊</a:t>
-            </a:r>
-            <a:r>
-              <a:rPr lang="en-US" altLang="zh-TW" dirty="0" smtClean="0"/>
-              <a:t>”</a:t>
-            </a:r>
-            <a:r>
-              <a:rPr lang="zh-TW" altLang="en-US" dirty="0"/>
-              <a:t>設備轉移</a:t>
-            </a:r>
-            <a:r>
-              <a:rPr lang="en-US" altLang="zh-TW" dirty="0" smtClean="0"/>
-              <a:t>”</a:t>
-            </a:r>
-            <a:r>
-              <a:rPr lang="zh-TW" altLang="en-US" dirty="0" smtClean="0"/>
-              <a:t>按鈕後 </a:t>
-            </a:r>
-            <a:r>
-              <a:rPr lang="en-US" altLang="zh-TW" dirty="0" smtClean="0"/>
-              <a:t>, </a:t>
-            </a:r>
-            <a:r>
-              <a:rPr lang="zh-TW" altLang="en-US" dirty="0" smtClean="0"/>
-              <a:t>會跳出可以選擇轉移的棧板 </a:t>
-            </a:r>
-            <a:r>
-              <a:rPr lang="en-US" altLang="zh-TW" dirty="0" smtClean="0"/>
-              <a:t>(</a:t>
-            </a:r>
-            <a:r>
-              <a:rPr lang="zh-TW" altLang="en-US" dirty="0" smtClean="0"/>
-              <a:t>單選</a:t>
-            </a:r>
-            <a:r>
-              <a:rPr lang="en-US" altLang="zh-TW" dirty="0" smtClean="0"/>
-              <a:t>)</a:t>
-            </a:r>
-          </a:p>
-          <a:p>
-            <a:pPr marL="228600" lvl="1">
-              <a:spcBef>
-                <a:spcPts val="1000"/>
-              </a:spcBef>
-            </a:pPr>
-            <a:r>
-              <a:rPr lang="zh-TW" altLang="en-US" dirty="0" smtClean="0"/>
-              <a:t>使用條碼機掃描棧板條碼</a:t>
-            </a:r>
-            <a:r>
-              <a:rPr lang="en-US" altLang="zh-TW" dirty="0" smtClean="0"/>
-              <a:t>, </a:t>
-            </a:r>
-            <a:r>
-              <a:rPr lang="zh-TW" altLang="en-US" dirty="0" smtClean="0"/>
-              <a:t>可快速找到要進行操作的棧板 或 手動點選 </a:t>
-            </a:r>
-            <a:endParaRPr lang="en-US" altLang="zh-TW" dirty="0" smtClean="0"/>
-          </a:p>
-          <a:p>
-            <a:r>
-              <a:rPr lang="zh-TW" altLang="en-US" dirty="0" smtClean="0"/>
-              <a:t>完成送出後即進行</a:t>
-            </a:r>
-            <a:endParaRPr lang="en-US" altLang="zh-TW" dirty="0" smtClean="0"/>
-          </a:p>
-          <a:p>
-            <a:pPr lvl="1"/>
-            <a:r>
-              <a:rPr lang="zh-TW" altLang="en-US" dirty="0" smtClean="0"/>
-              <a:t>該棧板內的所有紙箱內容轉移至選擇的棧板 </a:t>
-            </a:r>
-            <a:endParaRPr lang="en-US" altLang="zh-TW" dirty="0" smtClean="0"/>
-          </a:p>
-          <a:p>
-            <a:pPr lvl="1"/>
-            <a:endParaRPr lang="zh-TW" altLang="en-US" dirty="0"/>
-          </a:p>
-        </p:txBody>
-      </p:sp>
+              <a:t> </a:t>
+            </a:r>
+            <a:r>
+              <a:rPr lang="en-US" altLang="zh-TW" dirty="0" smtClean="0"/>
+              <a:t>–</a:t>
+            </a:r>
+            <a:r>
+              <a:rPr lang="zh-TW" altLang="en-US" dirty="0" smtClean="0"/>
+              <a:t> 入庫</a:t>
+            </a:r>
+            <a:r>
+              <a:rPr lang="en-US" altLang="zh-TW" dirty="0" smtClean="0"/>
+              <a:t/>
+            </a:r>
+            <a:br>
+              <a:rPr lang="en-US" altLang="zh-TW" dirty="0" smtClean="0"/>
+            </a:br>
+            <a:r>
+              <a:rPr lang="en-US" altLang="zh-TW" dirty="0" smtClean="0"/>
+              <a:t>	-&gt;</a:t>
+            </a:r>
+            <a:r>
+              <a:rPr lang="zh-TW" altLang="en-US" sz="3600" dirty="0" smtClean="0"/>
+              <a:t>查看</a:t>
+            </a:r>
+            <a:r>
+              <a:rPr lang="zh-TW" altLang="en-US" sz="3600" dirty="0"/>
+              <a:t>棧板內存放的資訊</a:t>
+            </a:r>
+            <a:br>
+              <a:rPr lang="zh-TW" altLang="en-US" sz="3600" dirty="0"/>
+            </a:br>
+            <a:endParaRPr lang="zh-TW" altLang="en-US" sz="3600" dirty="0"/>
+          </a:p>
+        </p:txBody>
+      </p:sp>
+      <p:pic>
+        <p:nvPicPr>
+          <p:cNvPr id="2" name="圖片 1"/>
+          <p:cNvPicPr>
+            <a:picLocks noChangeAspect="1"/>
+          </p:cNvPicPr>
+          <p:nvPr/>
+        </p:nvPicPr>
+        <p:blipFill>
+          <a:blip r:embed="rId2"/>
+          <a:stretch>
+            <a:fillRect/>
+          </a:stretch>
+        </p:blipFill>
+        <p:spPr>
+          <a:xfrm>
+            <a:off x="-1" y="1280642"/>
+            <a:ext cx="9765793" cy="5467629"/>
+          </a:xfrm>
+          <a:prstGeom prst="rect">
+            <a:avLst/>
+          </a:prstGeom>
+        </p:spPr>
+      </p:pic>
     </p:spTree>
     <p:extLst>
       <p:ext uri="{BB962C8B-B14F-4D97-AF65-F5344CB8AC3E}">
-        <p14:creationId xmlns:p14="http://schemas.microsoft.com/office/powerpoint/2010/main" val="2365115347"/>
+        <p14:creationId xmlns:p14="http://schemas.microsoft.com/office/powerpoint/2010/main" val="3252139614"/>
       </p:ext>
     </p:extLst>
   </p:cSld>
@@ -5303,7 +5412,7 @@
       </p:grpSpPr>
       <p:sp>
         <p:nvSpPr>
-          <p:cNvPr id="6" name="標題 1"/>
+          <p:cNvPr id="2" name="標題 1"/>
           <p:cNvSpPr>
             <a:spLocks noGrp="1"/>
           </p:cNvSpPr>
@@ -5322,7 +5431,7 @@
             </a:r>
             <a:r>
               <a:rPr lang="zh-TW" altLang="en-US" dirty="0" smtClean="0"/>
-              <a:t>設備轉移 </a:t>
+              <a:t> </a:t>
             </a:r>
             <a:r>
               <a:rPr lang="en-US" altLang="zh-TW" dirty="0" smtClean="0"/>
@@ -5330,19 +5439,36 @@
             </a:r>
             <a:r>
               <a:rPr lang="zh-TW" altLang="en-US" dirty="0" smtClean="0"/>
-              <a:t> 整個棧板</a:t>
-            </a:r>
-            <a:endParaRPr lang="zh-TW" altLang="en-US" dirty="0"/>
+              <a:t> 入庫</a:t>
+            </a:r>
+            <a:r>
+              <a:rPr lang="en-US" altLang="zh-TW" dirty="0" smtClean="0"/>
+              <a:t/>
+            </a:r>
+            <a:br>
+              <a:rPr lang="en-US" altLang="zh-TW" dirty="0" smtClean="0"/>
+            </a:br>
+            <a:r>
+              <a:rPr lang="en-US" altLang="zh-TW" dirty="0"/>
+              <a:t>	</a:t>
+            </a:r>
+            <a:r>
+              <a:rPr lang="zh-TW" altLang="en-US" sz="3200" dirty="0" smtClean="0"/>
+              <a:t>入庫資訊後顯示棧板資訊</a:t>
+            </a:r>
+            <a:endParaRPr lang="zh-TW" altLang="en-US" sz="3200" dirty="0"/>
           </a:p>
         </p:txBody>
       </p:sp>
       <p:pic>
         <p:nvPicPr>
-          <p:cNvPr id="8" name="內容版面配置區 3"/>
+          <p:cNvPr id="4" name="內容版面配置區 3"/>
           <p:cNvPicPr>
-            <a:picLocks noChangeAspect="1"/>
+            <a:picLocks noGrp="1" noChangeAspect="1"/>
           </p:cNvPicPr>
-          <p:nvPr/>
+          <p:nvPr>
+            <p:ph idx="1"/>
+          </p:nvPr>
         </p:nvPicPr>
         <p:blipFill>
           <a:blip r:embed="rId2"/>
@@ -5352,220 +5478,18 @@
         </p:blipFill>
         <p:spPr>
           <a:xfrm>
-            <a:off x="219044" y="2727896"/>
-            <a:ext cx="3956283" cy="2810383"/>
+            <a:off x="838200" y="1890369"/>
+            <a:ext cx="10515600" cy="4221850"/>
           </a:xfrm>
           <a:prstGeom prst="rect">
             <a:avLst/>
           </a:prstGeom>
         </p:spPr>
       </p:pic>
-      <p:pic>
-        <p:nvPicPr>
-          <p:cNvPr id="9" name="圖片 8"/>
-          <p:cNvPicPr>
-            <a:picLocks noChangeAspect="1"/>
-          </p:cNvPicPr>
-          <p:nvPr/>
-        </p:nvPicPr>
-        <p:blipFill>
-          <a:blip r:embed="rId3"/>
-          <a:stretch>
-            <a:fillRect/>
-          </a:stretch>
-        </p:blipFill>
-        <p:spPr>
-          <a:xfrm>
-            <a:off x="4822630" y="1411702"/>
-            <a:ext cx="7369370" cy="1779078"/>
-          </a:xfrm>
-          <a:prstGeom prst="rect">
-            <a:avLst/>
-          </a:prstGeom>
-        </p:spPr>
-      </p:pic>
-      <p:pic>
-        <p:nvPicPr>
-          <p:cNvPr id="10" name="圖片 9"/>
-          <p:cNvPicPr>
-            <a:picLocks noChangeAspect="1"/>
-          </p:cNvPicPr>
-          <p:nvPr/>
-        </p:nvPicPr>
-        <p:blipFill>
-          <a:blip r:embed="rId4"/>
-          <a:stretch>
-            <a:fillRect/>
-          </a:stretch>
-        </p:blipFill>
-        <p:spPr>
-          <a:xfrm>
-            <a:off x="4960670" y="5075396"/>
-            <a:ext cx="7093290" cy="1699355"/>
-          </a:xfrm>
-          <a:prstGeom prst="rect">
-            <a:avLst/>
-          </a:prstGeom>
-        </p:spPr>
-      </p:pic>
-      <p:cxnSp>
-        <p:nvCxnSpPr>
-          <p:cNvPr id="11" name="直線單箭頭接點 10"/>
-          <p:cNvCxnSpPr/>
-          <p:nvPr/>
-        </p:nvCxnSpPr>
-        <p:spPr>
-          <a:xfrm flipH="1">
-            <a:off x="4175327" y="2559843"/>
-            <a:ext cx="647303" cy="731997"/>
-          </a:xfrm>
-          <a:prstGeom prst="straightConnector1">
-            <a:avLst/>
-          </a:prstGeom>
-          <a:ln>
-            <a:solidFill>
-              <a:srgbClr val="FF0000"/>
-            </a:solidFill>
-            <a:tailEnd type="triangle"/>
-          </a:ln>
-        </p:spPr>
-        <p:style>
-          <a:lnRef idx="1">
-            <a:schemeClr val="accent1"/>
-          </a:lnRef>
-          <a:fillRef idx="0">
-            <a:schemeClr val="accent1"/>
-          </a:fillRef>
-          <a:effectRef idx="0">
-            <a:schemeClr val="accent1"/>
-          </a:effectRef>
-          <a:fontRef idx="minor">
-            <a:schemeClr val="tx1"/>
-          </a:fontRef>
-        </p:style>
-      </p:cxnSp>
-      <p:cxnSp>
-        <p:nvCxnSpPr>
-          <p:cNvPr id="12" name="直線單箭頭接點 11"/>
-          <p:cNvCxnSpPr/>
-          <p:nvPr/>
-        </p:nvCxnSpPr>
-        <p:spPr>
-          <a:xfrm>
-            <a:off x="4175327" y="4443984"/>
-            <a:ext cx="1176081" cy="631412"/>
-          </a:xfrm>
-          <a:prstGeom prst="straightConnector1">
-            <a:avLst/>
-          </a:prstGeom>
-          <a:ln>
-            <a:solidFill>
-              <a:srgbClr val="FF0000"/>
-            </a:solidFill>
-            <a:tailEnd type="triangle"/>
-          </a:ln>
-        </p:spPr>
-        <p:style>
-          <a:lnRef idx="1">
-            <a:schemeClr val="accent1"/>
-          </a:lnRef>
-          <a:fillRef idx="0">
-            <a:schemeClr val="accent1"/>
-          </a:fillRef>
-          <a:effectRef idx="0">
-            <a:schemeClr val="accent1"/>
-          </a:effectRef>
-          <a:fontRef idx="minor">
-            <a:schemeClr val="tx1"/>
-          </a:fontRef>
-        </p:style>
-      </p:cxnSp>
-      <p:sp>
-        <p:nvSpPr>
-          <p:cNvPr id="13" name="矩形 12"/>
-          <p:cNvSpPr/>
-          <p:nvPr/>
-        </p:nvSpPr>
-        <p:spPr>
-          <a:xfrm>
-            <a:off x="4960670" y="1527048"/>
-            <a:ext cx="7231330" cy="1764792"/>
-          </a:xfrm>
-          <a:prstGeom prst="rect">
-            <a:avLst/>
-          </a:prstGeom>
-          <a:noFill/>
-        </p:spPr>
-        <p:style>
-          <a:lnRef idx="2">
-            <a:schemeClr val="accent1">
-              <a:shade val="50000"/>
-            </a:schemeClr>
-          </a:lnRef>
-          <a:fillRef idx="1">
-            <a:schemeClr val="accent1"/>
-          </a:fillRef>
-          <a:effectRef idx="0">
-            <a:schemeClr val="accent1"/>
-          </a:effectRef>
-          <a:fontRef idx="minor">
-            <a:schemeClr val="lt1"/>
-          </a:fontRef>
-        </p:style>
-        <p:txBody>
-          <a:bodyPr rtlCol="0" anchor="ctr"/>
-          <a:lstStyle/>
-          <a:p>
-            <a:pPr algn="ctr"/>
-            <a:endParaRPr lang="zh-TW" altLang="en-US"/>
-          </a:p>
-        </p:txBody>
-      </p:sp>
-      <p:sp>
-        <p:nvSpPr>
-          <p:cNvPr id="14" name="矩形 13"/>
-          <p:cNvSpPr/>
-          <p:nvPr/>
-        </p:nvSpPr>
-        <p:spPr>
-          <a:xfrm>
-            <a:off x="4960670" y="5202936"/>
-            <a:ext cx="7157298" cy="1655064"/>
-          </a:xfrm>
-          <a:prstGeom prst="rect">
-            <a:avLst/>
-          </a:prstGeom>
-          <a:noFill/>
-        </p:spPr>
-        <p:style>
-          <a:lnRef idx="2">
-            <a:schemeClr val="accent1">
-              <a:shade val="50000"/>
-            </a:schemeClr>
-          </a:lnRef>
-          <a:fillRef idx="1">
-            <a:schemeClr val="accent1"/>
-          </a:fillRef>
-          <a:effectRef idx="0">
-            <a:schemeClr val="accent1"/>
-          </a:effectRef>
-          <a:fontRef idx="minor">
-            <a:schemeClr val="lt1"/>
-          </a:fontRef>
-        </p:style>
-        <p:txBody>
-          <a:bodyPr rtlCol="0" anchor="ctr"/>
-          <a:lstStyle/>
-          <a:p>
-            <a:pPr algn="ctr"/>
-            <a:endParaRPr lang="zh-TW" altLang="en-US"/>
-          </a:p>
-        </p:txBody>
-      </p:sp>
     </p:spTree>
     <p:extLst>
       <p:ext uri="{BB962C8B-B14F-4D97-AF65-F5344CB8AC3E}">
-        <p14:creationId xmlns:p14="http://schemas.microsoft.com/office/powerpoint/2010/main" val="3565934652"/>
+        <p14:creationId xmlns:p14="http://schemas.microsoft.com/office/powerpoint/2010/main" val="1005785754"/>
       </p:ext>
     </p:extLst>
   </p:cSld>
@@ -5616,19 +5540,11 @@
           <a:p>
             <a:r>
               <a:rPr lang="en-US" altLang="zh-TW" dirty="0" smtClean="0"/>
-              <a:t>ACI</a:t>
-            </a:r>
-            <a:r>
-              <a:rPr lang="zh-TW" altLang="en-US" dirty="0" smtClean="0"/>
-              <a:t> </a:t>
-            </a:r>
-            <a:r>
-              <a:rPr lang="en-US" altLang="zh-TW" dirty="0" smtClean="0"/>
-              <a:t>–</a:t>
-            </a:r>
-            <a:r>
-              <a:rPr lang="zh-TW" altLang="en-US" dirty="0" smtClean="0"/>
-              <a:t> 個別紙箱管理</a:t>
+              <a:t>ACI – </a:t>
+            </a:r>
+            <a:r>
+              <a:rPr lang="zh-TW" altLang="en-US" dirty="0" smtClean="0"/>
+              <a:t>棧板管理頁面</a:t>
             </a:r>
             <a:endParaRPr lang="zh-TW" altLang="en-US" dirty="0"/>
           </a:p>
@@ -5644,14 +5560,118 @@
             <p:ph idx="1"/>
           </p:nvPr>
         </p:nvSpPr>
-        <p:spPr/>
+        <p:spPr>
+          <a:xfrm>
+            <a:off x="838200" y="1825624"/>
+            <a:ext cx="10515600" cy="4785487"/>
+          </a:xfrm>
+        </p:spPr>
         <p:txBody>
           <a:bodyPr/>
           <a:lstStyle/>
           <a:p>
-            <a:pPr marL="0" indent="0">
-              <a:buNone/>
-            </a:pPr>
+            <a:r>
+              <a:rPr lang="zh-TW" altLang="en-US" dirty="0" smtClean="0"/>
+              <a:t>管理分成</a:t>
+            </a:r>
+            <a:r>
+              <a:rPr lang="zh-TW" altLang="en-US" dirty="0" smtClean="0">
+                <a:solidFill>
+                  <a:srgbClr val="FF0000"/>
+                </a:solidFill>
+              </a:rPr>
+              <a:t>倉庫管理  </a:t>
+            </a:r>
+            <a:r>
+              <a:rPr lang="zh-TW" altLang="en-US" dirty="0" smtClean="0"/>
+              <a:t>以及  </a:t>
+            </a:r>
+            <a:r>
+              <a:rPr lang="zh-TW" altLang="en-US" dirty="0" smtClean="0">
+                <a:solidFill>
+                  <a:srgbClr val="92D050"/>
+                </a:solidFill>
+              </a:rPr>
+              <a:t>棧板管理 </a:t>
+            </a:r>
+            <a:r>
+              <a:rPr lang="zh-TW" altLang="en-US" dirty="0" smtClean="0"/>
+              <a:t>兩部分</a:t>
+            </a:r>
+            <a:endParaRPr lang="en-US" altLang="zh-TW" dirty="0" smtClean="0"/>
+          </a:p>
+          <a:p>
+            <a:r>
+              <a:rPr lang="zh-TW" altLang="en-US" dirty="0" smtClean="0">
+                <a:solidFill>
+                  <a:srgbClr val="FF0000"/>
+                </a:solidFill>
+              </a:rPr>
+              <a:t>倉庫管理</a:t>
+            </a:r>
+            <a:endParaRPr lang="en-US" altLang="zh-TW" dirty="0" smtClean="0">
+              <a:solidFill>
+                <a:srgbClr val="FF0000"/>
+              </a:solidFill>
+            </a:endParaRPr>
+          </a:p>
+          <a:p>
+            <a:pPr lvl="1"/>
+            <a:r>
+              <a:rPr lang="zh-TW" altLang="en-US" dirty="0" smtClean="0"/>
+              <a:t>使用條碼機掃描棧板條碼 </a:t>
+            </a:r>
+            <a:r>
+              <a:rPr lang="en-US" altLang="zh-TW" dirty="0" smtClean="0"/>
+              <a:t>, </a:t>
+            </a:r>
+            <a:r>
+              <a:rPr lang="zh-TW" altLang="en-US" dirty="0" smtClean="0"/>
+              <a:t>可快速找到要進行操作的棧板</a:t>
+            </a:r>
+            <a:endParaRPr lang="en-US" altLang="zh-TW" dirty="0" smtClean="0"/>
+          </a:p>
+          <a:p>
+            <a:pPr lvl="1"/>
+            <a:r>
+              <a:rPr lang="zh-TW" altLang="en-US" dirty="0"/>
+              <a:t>可</a:t>
+            </a:r>
+            <a:r>
+              <a:rPr lang="zh-TW" altLang="en-US" dirty="0" smtClean="0"/>
+              <a:t>將空棧板 </a:t>
+            </a:r>
+            <a:r>
+              <a:rPr lang="en-US" altLang="zh-TW" dirty="0" smtClean="0"/>
+              <a:t>(</a:t>
+            </a:r>
+            <a:r>
+              <a:rPr lang="zh-TW" altLang="en-US" dirty="0" smtClean="0"/>
+              <a:t>棧板內無紙箱</a:t>
+            </a:r>
+            <a:r>
+              <a:rPr lang="en-US" altLang="zh-TW" dirty="0" smtClean="0"/>
+              <a:t>) </a:t>
+            </a:r>
+            <a:r>
+              <a:rPr lang="zh-TW" altLang="en-US" dirty="0" smtClean="0"/>
+              <a:t>刪除</a:t>
+            </a:r>
+            <a:endParaRPr lang="en-US" altLang="zh-TW" dirty="0">
+              <a:solidFill>
+                <a:srgbClr val="FF0000"/>
+              </a:solidFill>
+            </a:endParaRPr>
+          </a:p>
+          <a:p>
+            <a:r>
+              <a:rPr lang="zh-TW" altLang="en-US" dirty="0" smtClean="0">
+                <a:solidFill>
+                  <a:srgbClr val="92D050"/>
+                </a:solidFill>
+              </a:rPr>
+              <a:t>棧板管理</a:t>
+            </a:r>
             <a:endParaRPr lang="en-US" altLang="zh-TW" dirty="0" smtClean="0">
               <a:solidFill>
                 <a:srgbClr val="92D050"/>
@@ -5659,25 +5679,10 @@
             </a:endParaRPr>
           </a:p>
           <a:p>
-            <a:r>
-              <a:rPr lang="zh-TW" altLang="en-US" dirty="0" smtClean="0"/>
-              <a:t>點擊表單的 </a:t>
-            </a:r>
-            <a:r>
-              <a:rPr lang="en-US" altLang="zh-TW" dirty="0" smtClean="0"/>
-              <a:t>”</a:t>
-            </a:r>
-            <a:r>
-              <a:rPr lang="zh-TW" altLang="en-US" dirty="0" smtClean="0"/>
-              <a:t>編輯</a:t>
-            </a:r>
-            <a:r>
-              <a:rPr lang="en-US" altLang="zh-TW" dirty="0" smtClean="0"/>
-              <a:t>“</a:t>
-            </a:r>
-            <a:r>
-              <a:rPr lang="zh-TW" altLang="en-US" dirty="0" smtClean="0"/>
-              <a:t> 按鈕 </a:t>
+            <a:pPr lvl="1"/>
+            <a:r>
+              <a:rPr lang="zh-TW" altLang="en-US" dirty="0" smtClean="0"/>
+              <a:t>使用條碼機掃描棧板條碼 </a:t>
             </a:r>
             <a:r>
               <a:rPr lang="en-US" altLang="zh-TW" dirty="0" smtClean="0"/>
@@ -5685,14 +5690,62 @@
             </a:r>
             <a:r>
               <a:rPr lang="zh-TW" altLang="en-US" dirty="0" smtClean="0"/>
-              <a:t>可對棧板內的個別紙箱進行操作</a:t>
+              <a:t>可快速找到要進行操作的棧板</a:t>
             </a:r>
             <a:endParaRPr lang="en-US" altLang="zh-TW" dirty="0" smtClean="0"/>
           </a:p>
           <a:p>
-            <a:r>
-              <a:rPr lang="zh-TW" altLang="en-US" dirty="0" smtClean="0"/>
-              <a:t>使用條碼機掃描紙箱條碼 </a:t>
+            <a:pPr lvl="1"/>
+            <a:r>
+              <a:rPr lang="zh-TW" altLang="en-US" dirty="0" smtClean="0"/>
+              <a:t>可進行整個棧板  </a:t>
+            </a:r>
+            <a:endParaRPr lang="en-US" altLang="zh-TW" dirty="0" smtClean="0"/>
+          </a:p>
+          <a:p>
+            <a:pPr lvl="2"/>
+            <a:r>
+              <a:rPr lang="zh-TW" altLang="en-US" dirty="0" smtClean="0"/>
+              <a:t>加入待出貨清單</a:t>
+            </a:r>
+            <a:endParaRPr lang="en-US" altLang="zh-TW" dirty="0" smtClean="0"/>
+          </a:p>
+          <a:p>
+            <a:pPr lvl="2"/>
+            <a:r>
+              <a:rPr lang="zh-TW" altLang="en-US" dirty="0" smtClean="0"/>
+              <a:t>設備轉移</a:t>
+            </a:r>
+            <a:r>
+              <a:rPr lang="en-US" altLang="zh-TW" dirty="0" smtClean="0"/>
+              <a:t>(</a:t>
+            </a:r>
+            <a:r>
+              <a:rPr lang="zh-TW" altLang="en-US" dirty="0" smtClean="0"/>
+              <a:t>整合</a:t>
+            </a:r>
+            <a:r>
+              <a:rPr lang="en-US" altLang="zh-TW" dirty="0" smtClean="0"/>
+              <a:t>)</a:t>
+            </a:r>
+          </a:p>
+          <a:p>
+            <a:pPr lvl="1"/>
+            <a:r>
+              <a:rPr lang="zh-TW" altLang="en-US" dirty="0" smtClean="0"/>
+              <a:t>可更改 棧板儲</a:t>
+            </a:r>
+            <a:r>
+              <a:rPr lang="zh-TW" altLang="en-US" dirty="0" smtClean="0"/>
+              <a:t>位</a:t>
+            </a:r>
+            <a:endParaRPr lang="en-US" altLang="zh-TW" dirty="0" smtClean="0"/>
+          </a:p>
+          <a:p>
+            <a:pPr lvl="1"/>
+            <a:r>
+              <a:rPr lang="zh-TW" altLang="en-US" dirty="0" smtClean="0"/>
+              <a:t>可進入單一棧板中 </a:t>
             </a:r>
             <a:r>
               <a:rPr lang="en-US" altLang="zh-TW" dirty="0" smtClean="0"/>
@@ -5700,61 +5753,8 @@
             </a:r>
             <a:r>
               <a:rPr lang="zh-TW" altLang="en-US" dirty="0" smtClean="0"/>
-              <a:t>可快速找到要進行操作的紙箱</a:t>
-            </a:r>
-            <a:endParaRPr lang="en-US" altLang="zh-TW" dirty="0"/>
-          </a:p>
-          <a:p>
-            <a:r>
-              <a:rPr lang="zh-TW" altLang="en-US" dirty="0" smtClean="0"/>
-              <a:t>可進行個別紙箱的 </a:t>
-            </a:r>
-            <a:endParaRPr lang="en-US" altLang="zh-TW" dirty="0" smtClean="0"/>
-          </a:p>
-          <a:p>
-            <a:pPr lvl="1"/>
-            <a:r>
-              <a:rPr lang="zh-TW" altLang="en-US" dirty="0" smtClean="0"/>
-              <a:t>出貨</a:t>
-            </a:r>
-            <a:endParaRPr lang="en-US" altLang="zh-TW" dirty="0" smtClean="0"/>
-          </a:p>
-          <a:p>
-            <a:pPr lvl="1"/>
-            <a:r>
-              <a:rPr lang="zh-TW" altLang="en-US" dirty="0" smtClean="0"/>
-              <a:t>設備轉移</a:t>
-            </a:r>
-            <a:r>
-              <a:rPr lang="en-US" altLang="zh-TW" dirty="0" smtClean="0"/>
-              <a:t>(</a:t>
-            </a:r>
-            <a:r>
-              <a:rPr lang="zh-TW" altLang="en-US" dirty="0" smtClean="0"/>
-              <a:t>整合</a:t>
-            </a:r>
-            <a:r>
-              <a:rPr lang="en-US" altLang="zh-TW" dirty="0" smtClean="0"/>
-              <a:t>)</a:t>
-            </a:r>
-            <a:endParaRPr lang="zh-TW" altLang="en-US" dirty="0" smtClean="0"/>
-          </a:p>
-          <a:p>
-            <a:endParaRPr lang="en-US" altLang="zh-TW" dirty="0" smtClean="0">
-              <a:solidFill>
-                <a:srgbClr val="92D050"/>
-              </a:solidFill>
-            </a:endParaRPr>
-          </a:p>
-          <a:p>
-            <a:pPr lvl="1"/>
-            <a:endParaRPr lang="en-US" altLang="zh-TW" dirty="0" smtClean="0">
-              <a:solidFill>
-                <a:srgbClr val="92D050"/>
-              </a:solidFill>
-            </a:endParaRPr>
-          </a:p>
-          <a:p>
+              <a:t>對棧板內容物進行操作</a:t>
+            </a:r>
             <a:endParaRPr lang="zh-TW" altLang="en-US" dirty="0"/>
           </a:p>
         </p:txBody>
@@ -5762,7 +5762,7 @@
     </p:spTree>
     <p:extLst>
       <p:ext uri="{BB962C8B-B14F-4D97-AF65-F5344CB8AC3E}">
-        <p14:creationId xmlns:p14="http://schemas.microsoft.com/office/powerpoint/2010/main" val="4095901011"/>
+        <p14:creationId xmlns:p14="http://schemas.microsoft.com/office/powerpoint/2010/main" val="2560431699"/>
       </p:ext>
     </p:extLst>
   </p:cSld>
@@ -5995,9 +5995,41 @@
           <a:chExt cx="0" cy="0"/>
         </a:xfrm>
       </p:grpSpPr>
+      <p:sp>
+        <p:nvSpPr>
+          <p:cNvPr id="5" name="標題 1"/>
+          <p:cNvSpPr>
+            <a:spLocks noGrp="1"/>
+          </p:cNvSpPr>
+          <p:nvPr>
+            <p:ph type="title"/>
+          </p:nvPr>
+        </p:nvSpPr>
+        <p:spPr>
+          <a:xfrm>
+            <a:off x="737616" y="88716"/>
+            <a:ext cx="10515600" cy="1325563"/>
+          </a:xfrm>
+        </p:spPr>
+        <p:txBody>
+          <a:bodyPr/>
+          <a:lstStyle/>
+          <a:p>
+            <a:r>
+              <a:rPr lang="en-US" altLang="zh-TW" dirty="0" smtClean="0"/>
+              <a:t>ACI – </a:t>
+            </a:r>
+            <a:r>
+              <a:rPr lang="zh-TW" altLang="en-US" dirty="0" smtClean="0"/>
+              <a:t>棧板管理頁面</a:t>
+            </a:r>
+            <a:endParaRPr lang="zh-TW" altLang="en-US" dirty="0"/>
+          </a:p>
+        </p:txBody>
+      </p:sp>
       <p:pic>
         <p:nvPicPr>
-          <p:cNvPr id="6" name="圖片 5"/>
+          <p:cNvPr id="2" name="圖片 1"/>
           <p:cNvPicPr>
             <a:picLocks noChangeAspect="1"/>
           </p:cNvPicPr>
@@ -6011,56 +6043,29 @@
         </p:blipFill>
         <p:spPr>
           <a:xfrm>
-            <a:off x="296032" y="1305875"/>
-            <a:ext cx="6294376" cy="722736"/>
+            <a:off x="-89127" y="1713607"/>
+            <a:ext cx="12354279" cy="4339721"/>
           </a:xfrm>
           <a:prstGeom prst="rect">
             <a:avLst/>
           </a:prstGeom>
         </p:spPr>
       </p:pic>
-      <p:pic>
-        <p:nvPicPr>
-          <p:cNvPr id="7" name="圖片 6"/>
-          <p:cNvPicPr>
-            <a:picLocks noChangeAspect="1"/>
-          </p:cNvPicPr>
-          <p:nvPr/>
-        </p:nvPicPr>
-        <p:blipFill>
-          <a:blip r:embed="rId3"/>
-          <a:stretch>
-            <a:fillRect/>
-          </a:stretch>
-        </p:blipFill>
-        <p:spPr>
-          <a:xfrm>
-            <a:off x="4677836" y="2221992"/>
-            <a:ext cx="7326259" cy="4485620"/>
-          </a:xfrm>
-          <a:prstGeom prst="rect">
-            <a:avLst/>
-          </a:prstGeom>
-        </p:spPr>
-      </p:pic>
       <p:cxnSp>
         <p:nvCxnSpPr>
-          <p:cNvPr id="9" name="直線單箭頭接點 8"/>
+          <p:cNvPr id="6" name="直線單箭頭接點 5"/>
           <p:cNvCxnSpPr/>
           <p:nvPr/>
         </p:nvCxnSpPr>
         <p:spPr>
-          <a:xfrm>
-            <a:off x="6590408" y="1709928"/>
-            <a:ext cx="23364" cy="512064"/>
+          <a:xfrm flipV="1">
+            <a:off x="8467344" y="1856232"/>
+            <a:ext cx="484632" cy="100584"/>
           </a:xfrm>
           <a:prstGeom prst="straightConnector1">
             <a:avLst/>
           </a:prstGeom>
           <a:ln>
-            <a:solidFill>
-              <a:srgbClr val="FF0000"/>
-            </a:solidFill>
             <a:tailEnd type="triangle"/>
           </a:ln>
         </p:spPr>
@@ -6079,96 +6084,10 @@
           </a:fontRef>
         </p:style>
       </p:cxnSp>
-      <p:sp>
-        <p:nvSpPr>
-          <p:cNvPr id="14" name="矩形 13"/>
-          <p:cNvSpPr/>
-          <p:nvPr/>
-        </p:nvSpPr>
-        <p:spPr>
-          <a:xfrm>
-            <a:off x="4677836" y="2404872"/>
-            <a:ext cx="7326260" cy="4302740"/>
-          </a:xfrm>
-          <a:prstGeom prst="rect">
-            <a:avLst/>
-          </a:prstGeom>
-          <a:noFill/>
-          <a:ln>
-            <a:solidFill>
-              <a:schemeClr val="tx1"/>
-            </a:solidFill>
-          </a:ln>
-        </p:spPr>
-        <p:style>
-          <a:lnRef idx="2">
-            <a:schemeClr val="accent1">
-              <a:shade val="50000"/>
-            </a:schemeClr>
-          </a:lnRef>
-          <a:fillRef idx="1">
-            <a:schemeClr val="accent1"/>
-          </a:fillRef>
-          <a:effectRef idx="0">
-            <a:schemeClr val="accent1"/>
-          </a:effectRef>
-          <a:fontRef idx="minor">
-            <a:schemeClr val="lt1"/>
-          </a:fontRef>
-        </p:style>
-        <p:txBody>
-          <a:bodyPr rtlCol="0" anchor="ctr"/>
-          <a:lstStyle/>
-          <a:p>
-            <a:pPr algn="ctr"/>
-            <a:endParaRPr lang="zh-TW" altLang="en-US"/>
-          </a:p>
-        </p:txBody>
-      </p:sp>
-      <p:sp>
-        <p:nvSpPr>
-          <p:cNvPr id="20" name="標題 1"/>
-          <p:cNvSpPr>
-            <a:spLocks noGrp="1"/>
-          </p:cNvSpPr>
-          <p:nvPr>
-            <p:ph type="title"/>
-          </p:nvPr>
-        </p:nvSpPr>
-        <p:spPr>
-          <a:xfrm>
-            <a:off x="947928" y="274290"/>
-            <a:ext cx="10515600" cy="1325563"/>
-          </a:xfrm>
-        </p:spPr>
-        <p:txBody>
-          <a:bodyPr/>
-          <a:lstStyle/>
-          <a:p>
-            <a:r>
-              <a:rPr lang="en-US" altLang="zh-TW" dirty="0" smtClean="0"/>
-              <a:t>ACI</a:t>
-            </a:r>
-            <a:r>
-              <a:rPr lang="zh-TW" altLang="en-US" dirty="0" smtClean="0"/>
-              <a:t> </a:t>
-            </a:r>
-            <a:r>
-              <a:rPr lang="en-US" altLang="zh-TW" dirty="0" smtClean="0"/>
-              <a:t>–</a:t>
-            </a:r>
-            <a:r>
-              <a:rPr lang="zh-TW" altLang="en-US" dirty="0" smtClean="0"/>
-              <a:t> 個別紙箱管理</a:t>
-            </a:r>
-            <a:endParaRPr lang="zh-TW" altLang="en-US" dirty="0"/>
-          </a:p>
-        </p:txBody>
-      </p:sp>
     </p:spTree>
     <p:extLst>
       <p:ext uri="{BB962C8B-B14F-4D97-AF65-F5344CB8AC3E}">
-        <p14:creationId xmlns:p14="http://schemas.microsoft.com/office/powerpoint/2010/main" val="2419615077"/>
+        <p14:creationId xmlns:p14="http://schemas.microsoft.com/office/powerpoint/2010/main" val="1954234512"/>
       </p:ext>
     </p:extLst>
   </p:cSld>
@@ -6218,28 +6137,24 @@
           <a:lstStyle/>
           <a:p>
             <a:r>
-              <a:rPr lang="en-US" altLang="zh-TW" dirty="0" smtClean="0"/>
-              <a:t>ACI</a:t>
-            </a:r>
-            <a:r>
-              <a:rPr lang="zh-TW" altLang="en-US" dirty="0" smtClean="0"/>
-              <a:t>出貨 </a:t>
-            </a:r>
-            <a:r>
-              <a:rPr lang="en-US" altLang="zh-TW" dirty="0" smtClean="0"/>
-              <a:t>–</a:t>
-            </a:r>
-            <a:r>
-              <a:rPr lang="zh-TW" altLang="en-US" dirty="0" smtClean="0"/>
-              <a:t> 個別紙箱</a:t>
-            </a:r>
-            <a:endParaRPr lang="zh-TW" altLang="en-US" dirty="0"/>
-          </a:p>
-        </p:txBody>
-      </p:sp>
-      <p:sp>
-        <p:nvSpPr>
-          <p:cNvPr id="3" name="內容版面配置區 2"/>
+              <a:rPr lang="en-US" altLang="zh-TW" dirty="0"/>
+              <a:t>ACI – </a:t>
+            </a:r>
+            <a:r>
+              <a:rPr lang="zh-TW" altLang="en-US" dirty="0"/>
+              <a:t>棧板管理頁</a:t>
+            </a:r>
+            <a:r>
+              <a:rPr lang="zh-TW" altLang="en-US" dirty="0" smtClean="0"/>
+              <a:t>面</a:t>
+            </a:r>
+            <a:endParaRPr lang="zh-TW" altLang="en-US" sz="3600" dirty="0"/>
+          </a:p>
+        </p:txBody>
+      </p:sp>
+      <p:sp>
+        <p:nvSpPr>
+          <p:cNvPr id="5" name="內容版面配置區 2"/>
           <p:cNvSpPr>
             <a:spLocks noGrp="1"/>
           </p:cNvSpPr>
@@ -6247,14 +6162,55 @@
             <p:ph idx="1"/>
           </p:nvPr>
         </p:nvSpPr>
-        <p:spPr/>
+        <p:spPr>
+          <a:xfrm>
+            <a:off x="838200" y="1825624"/>
+            <a:ext cx="10515600" cy="4785487"/>
+          </a:xfrm>
+        </p:spPr>
         <p:txBody>
           <a:bodyPr/>
           <a:lstStyle/>
           <a:p>
             <a:r>
-              <a:rPr lang="zh-TW" altLang="en-US" dirty="0" smtClean="0"/>
-              <a:t>點擊</a:t>
+              <a:rPr lang="zh-TW" altLang="en-US" dirty="0" smtClean="0">
+                <a:solidFill>
+                  <a:srgbClr val="92D050"/>
+                </a:solidFill>
+              </a:rPr>
+              <a:t>單一棧</a:t>
+            </a:r>
+            <a:r>
+              <a:rPr lang="zh-TW" altLang="en-US" dirty="0" smtClean="0">
+                <a:solidFill>
+                  <a:srgbClr val="92D050"/>
+                </a:solidFill>
+              </a:rPr>
+              <a:t>板</a:t>
+            </a:r>
+            <a:r>
+              <a:rPr lang="zh-TW" altLang="en-US" dirty="0" smtClean="0">
+                <a:solidFill>
+                  <a:srgbClr val="92D050"/>
+                </a:solidFill>
+              </a:rPr>
+              <a:t>管理</a:t>
+            </a:r>
+            <a:endParaRPr lang="en-US" altLang="zh-TW" dirty="0" smtClean="0"/>
+          </a:p>
+          <a:p>
+            <a:pPr lvl="1"/>
+            <a:r>
+              <a:rPr lang="zh-TW" altLang="en-US" dirty="0" smtClean="0"/>
+              <a:t>點選單一棧板的</a:t>
+            </a:r>
+            <a:r>
+              <a:rPr lang="en-US" altLang="zh-TW" dirty="0" smtClean="0"/>
+              <a:t>“</a:t>
+            </a:r>
+            <a:r>
+              <a:rPr lang="zh-TW" altLang="en-US" dirty="0" smtClean="0"/>
+              <a:t>編輯</a:t>
             </a:r>
             <a:r>
               <a:rPr lang="en-US" altLang="zh-TW" dirty="0" smtClean="0"/>
@@ -6262,15 +6218,7 @@
             </a:r>
             <a:r>
               <a:rPr lang="zh-TW" altLang="en-US" dirty="0" smtClean="0"/>
-              <a:t>出貨</a:t>
-            </a:r>
-            <a:r>
-              <a:rPr lang="en-US" altLang="zh-TW" dirty="0" smtClean="0"/>
-              <a:t>”</a:t>
-            </a:r>
-            <a:r>
-              <a:rPr lang="zh-TW" altLang="en-US" dirty="0" smtClean="0"/>
-              <a:t>按鈕後 </a:t>
+              <a:t>按鈕 </a:t>
             </a:r>
             <a:r>
               <a:rPr lang="en-US" altLang="zh-TW" dirty="0" smtClean="0"/>
@@ -6278,150 +6226,68 @@
             </a:r>
             <a:r>
               <a:rPr lang="zh-TW" altLang="en-US" dirty="0" smtClean="0"/>
-              <a:t>會跳出需要輸入的文字框</a:t>
+              <a:t>可進入該棧板針對內容物操作</a:t>
             </a:r>
             <a:endParaRPr lang="en-US" altLang="zh-TW" dirty="0" smtClean="0"/>
           </a:p>
           <a:p>
             <a:pPr lvl="1"/>
             <a:r>
-              <a:rPr lang="en-US" altLang="zh-TW" dirty="0" err="1" smtClean="0"/>
-              <a:t>ASN_Number</a:t>
+              <a:rPr lang="zh-TW" altLang="en-US" dirty="0" smtClean="0"/>
+              <a:t>使用</a:t>
+            </a:r>
+            <a:r>
+              <a:rPr lang="zh-TW" altLang="en-US" dirty="0" smtClean="0"/>
+              <a:t>條碼機掃描紙箱條碼 </a:t>
+            </a:r>
+            <a:r>
+              <a:rPr lang="en-US" altLang="zh-TW" dirty="0" smtClean="0"/>
+              <a:t>, </a:t>
+            </a:r>
+            <a:r>
+              <a:rPr lang="zh-TW" altLang="en-US" dirty="0" smtClean="0"/>
+              <a:t>可快速找到要進行操作的</a:t>
+            </a:r>
+            <a:r>
+              <a:rPr lang="zh-TW" altLang="en-US" dirty="0"/>
+              <a:t>紙箱</a:t>
             </a:r>
             <a:endParaRPr lang="en-US" altLang="zh-TW" dirty="0" smtClean="0"/>
           </a:p>
           <a:p>
             <a:pPr lvl="1"/>
             <a:r>
-              <a:rPr lang="en-US" altLang="zh-TW" dirty="0" err="1" smtClean="0"/>
-              <a:t>Shipping_date</a:t>
+              <a:rPr lang="zh-TW" altLang="en-US" dirty="0" smtClean="0"/>
+              <a:t>可進行個別</a:t>
+            </a:r>
+            <a:r>
+              <a:rPr lang="zh-TW" altLang="en-US" dirty="0" smtClean="0"/>
+              <a:t>紙箱的 </a:t>
             </a:r>
             <a:endParaRPr lang="en-US" altLang="zh-TW" dirty="0" smtClean="0"/>
           </a:p>
           <a:p>
-            <a:pPr lvl="1"/>
-            <a:r>
-              <a:rPr lang="en-US" altLang="zh-TW" dirty="0" err="1" smtClean="0"/>
-              <a:t>Shipping_company_contractor</a:t>
+            <a:pPr lvl="2"/>
+            <a:r>
+              <a:rPr lang="zh-TW" altLang="en-US" dirty="0" smtClean="0"/>
+              <a:t>加入待出貨清單</a:t>
             </a:r>
             <a:endParaRPr lang="en-US" altLang="zh-TW" dirty="0" smtClean="0"/>
           </a:p>
           <a:p>
-            <a:r>
-              <a:rPr lang="zh-TW" altLang="en-US" dirty="0" smtClean="0"/>
-              <a:t>輸入完成送出後即進行</a:t>
+            <a:pPr lvl="2"/>
+            <a:r>
+              <a:rPr lang="zh-TW" altLang="en-US" dirty="0" smtClean="0"/>
+              <a:t>設備轉移</a:t>
             </a:r>
             <a:endParaRPr lang="en-US" altLang="zh-TW" dirty="0" smtClean="0"/>
-          </a:p>
-          <a:p>
-            <a:pPr lvl="1"/>
-            <a:r>
-              <a:rPr lang="zh-TW" altLang="en-US" dirty="0" smtClean="0"/>
-              <a:t>下載</a:t>
-            </a:r>
-            <a:r>
-              <a:rPr lang="en-US" altLang="zh-TW" dirty="0" smtClean="0"/>
-              <a:t>excel</a:t>
-            </a:r>
-            <a:r>
-              <a:rPr lang="zh-TW" altLang="en-US" dirty="0" smtClean="0"/>
-              <a:t>檔 </a:t>
-            </a:r>
-            <a:r>
-              <a:rPr lang="en-US" altLang="zh-TW" dirty="0" smtClean="0"/>
-              <a:t>, </a:t>
-            </a:r>
-            <a:r>
-              <a:rPr lang="zh-TW" altLang="en-US" dirty="0" smtClean="0"/>
-              <a:t>內容為選擇的所有紙箱內容 </a:t>
-            </a:r>
-            <a:r>
-              <a:rPr lang="en-US" altLang="zh-TW" dirty="0" smtClean="0"/>
-              <a:t>, excel</a:t>
-            </a:r>
-            <a:r>
-              <a:rPr lang="zh-TW" altLang="en-US" dirty="0" smtClean="0"/>
-              <a:t>內的</a:t>
-            </a:r>
-            <a:r>
-              <a:rPr lang="en-US" altLang="zh-TW" dirty="0" err="1" smtClean="0"/>
-              <a:t>ASN_Number</a:t>
-            </a:r>
-            <a:r>
-              <a:rPr lang="zh-TW" altLang="en-US" dirty="0" smtClean="0"/>
-              <a:t> </a:t>
-            </a:r>
-            <a:r>
-              <a:rPr lang="en-US" altLang="zh-TW" dirty="0" smtClean="0"/>
-              <a:t>, </a:t>
-            </a:r>
-            <a:r>
-              <a:rPr lang="en-US" altLang="zh-TW" dirty="0" err="1" smtClean="0"/>
-              <a:t>Shipping_date</a:t>
-            </a:r>
-            <a:r>
-              <a:rPr lang="en-US" altLang="zh-TW" dirty="0" smtClean="0"/>
-              <a:t> , </a:t>
-            </a:r>
-            <a:r>
-              <a:rPr lang="en-US" altLang="zh-TW" dirty="0" err="1" smtClean="0"/>
-              <a:t>Shipping_company_contractor</a:t>
-            </a:r>
-            <a:r>
-              <a:rPr lang="zh-TW" altLang="en-US" dirty="0" smtClean="0"/>
-              <a:t>三個欄位會全部填上上面填入的資料</a:t>
-            </a:r>
-            <a:endParaRPr lang="en-US" altLang="zh-TW" dirty="0" smtClean="0"/>
-          </a:p>
-          <a:p>
-            <a:pPr lvl="1"/>
-            <a:r>
-              <a:rPr lang="zh-TW" altLang="en-US" dirty="0" smtClean="0"/>
-              <a:t>該棧板內的選擇的紙箱移出該棧板</a:t>
-            </a:r>
-            <a:endParaRPr lang="en-US" altLang="zh-TW" dirty="0" smtClean="0"/>
-          </a:p>
-          <a:p>
-            <a:pPr lvl="1"/>
-            <a:r>
-              <a:rPr lang="zh-TW" altLang="en-US" dirty="0" smtClean="0"/>
-              <a:t>選擇的紙箱內容加入到 </a:t>
-            </a:r>
-            <a:r>
-              <a:rPr lang="en-US" altLang="zh-TW" dirty="0" smtClean="0"/>
-              <a:t>“ACI</a:t>
-            </a:r>
-            <a:r>
-              <a:rPr lang="zh-TW" altLang="en-US" dirty="0" smtClean="0"/>
-              <a:t> </a:t>
-            </a:r>
-            <a:r>
-              <a:rPr lang="en-US" altLang="zh-TW" dirty="0" smtClean="0"/>
-              <a:t>-</a:t>
-            </a:r>
-            <a:r>
-              <a:rPr lang="zh-TW" altLang="en-US" dirty="0" smtClean="0"/>
-              <a:t> 已出貨清單</a:t>
-            </a:r>
-            <a:r>
-              <a:rPr lang="en-US" altLang="zh-TW" dirty="0" smtClean="0"/>
-              <a:t>”</a:t>
-            </a:r>
-            <a:r>
-              <a:rPr lang="zh-TW" altLang="en-US" dirty="0" smtClean="0"/>
-              <a:t> 供查詢用</a:t>
-            </a:r>
-            <a:endParaRPr lang="en-US" altLang="zh-TW" dirty="0" smtClean="0"/>
-          </a:p>
-          <a:p>
-            <a:endParaRPr lang="zh-TW" altLang="en-US" dirty="0"/>
           </a:p>
         </p:txBody>
       </p:sp>
     </p:spTree>
     <p:extLst>
       <p:ext uri="{BB962C8B-B14F-4D97-AF65-F5344CB8AC3E}">
-        <p14:creationId xmlns:p14="http://schemas.microsoft.com/office/powerpoint/2010/main" val="11689166"/>
+        <p14:creationId xmlns:p14="http://schemas.microsoft.com/office/powerpoint/2010/main" val="900769692"/>
       </p:ext>
     </p:extLst>
   </p:cSld>
@@ -6455,9 +6321,51 @@
           <a:chExt cx="0" cy="0"/>
         </a:xfrm>
       </p:grpSpPr>
+      <p:sp>
+        <p:nvSpPr>
+          <p:cNvPr id="2" name="標題 1"/>
+          <p:cNvSpPr>
+            <a:spLocks noGrp="1"/>
+          </p:cNvSpPr>
+          <p:nvPr>
+            <p:ph type="title"/>
+          </p:nvPr>
+        </p:nvSpPr>
+        <p:spPr/>
+        <p:txBody>
+          <a:bodyPr/>
+          <a:lstStyle/>
+          <a:p>
+            <a:r>
+              <a:rPr lang="en-US" altLang="zh-TW" dirty="0"/>
+              <a:t>ACI – </a:t>
+            </a:r>
+            <a:r>
+              <a:rPr lang="zh-TW" altLang="en-US" dirty="0"/>
+              <a:t>棧板管理頁面</a:t>
+            </a:r>
+            <a:r>
+              <a:rPr lang="en-US" altLang="zh-TW" dirty="0"/>
+              <a:t/>
+            </a:r>
+            <a:br>
+              <a:rPr lang="en-US" altLang="zh-TW" dirty="0"/>
+            </a:br>
+            <a:r>
+              <a:rPr lang="en-US" altLang="zh-TW" dirty="0"/>
+              <a:t>	</a:t>
+            </a:r>
+            <a:r>
+              <a:rPr lang="zh-TW" altLang="en-US" sz="3600" dirty="0"/>
+              <a:t>單一棧板內容</a:t>
+            </a:r>
+            <a:endParaRPr lang="zh-TW" altLang="en-US" dirty="0"/>
+          </a:p>
+        </p:txBody>
+      </p:sp>
       <p:pic>
         <p:nvPicPr>
-          <p:cNvPr id="5" name="圖片 4"/>
+          <p:cNvPr id="4" name="圖片 3"/>
           <p:cNvPicPr>
             <a:picLocks noChangeAspect="1"/>
           </p:cNvPicPr>
@@ -6471,142 +6379,18 @@
         </p:blipFill>
         <p:spPr>
           <a:xfrm>
-            <a:off x="0" y="1115568"/>
-            <a:ext cx="4409006" cy="3154680"/>
+            <a:off x="341141" y="1546370"/>
+            <a:ext cx="10896835" cy="5283671"/>
           </a:xfrm>
           <a:prstGeom prst="rect">
             <a:avLst/>
           </a:prstGeom>
         </p:spPr>
       </p:pic>
-      <p:pic>
-        <p:nvPicPr>
-          <p:cNvPr id="6" name="圖片 5"/>
-          <p:cNvPicPr>
-            <a:picLocks noChangeAspect="1"/>
-          </p:cNvPicPr>
-          <p:nvPr/>
-        </p:nvPicPr>
-        <p:blipFill>
-          <a:blip r:embed="rId3"/>
-          <a:stretch>
-            <a:fillRect/>
-          </a:stretch>
-        </p:blipFill>
-        <p:spPr>
-          <a:xfrm>
-            <a:off x="5884594" y="1014984"/>
-            <a:ext cx="5637071" cy="3355848"/>
-          </a:xfrm>
-          <a:prstGeom prst="rect">
-            <a:avLst/>
-          </a:prstGeom>
-        </p:spPr>
-      </p:pic>
-      <p:pic>
-        <p:nvPicPr>
-          <p:cNvPr id="7" name="圖片 6"/>
-          <p:cNvPicPr>
-            <a:picLocks noChangeAspect="1"/>
-          </p:cNvPicPr>
-          <p:nvPr/>
-        </p:nvPicPr>
-        <p:blipFill>
-          <a:blip r:embed="rId4"/>
-          <a:stretch>
-            <a:fillRect/>
-          </a:stretch>
-        </p:blipFill>
-        <p:spPr>
-          <a:xfrm>
-            <a:off x="1850109" y="4681728"/>
-            <a:ext cx="7936958" cy="2011680"/>
-          </a:xfrm>
-          <a:prstGeom prst="rect">
-            <a:avLst/>
-          </a:prstGeom>
-        </p:spPr>
-      </p:pic>
-      <p:sp>
-        <p:nvSpPr>
-          <p:cNvPr id="8" name="標題 1"/>
-          <p:cNvSpPr>
-            <a:spLocks noGrp="1"/>
-          </p:cNvSpPr>
-          <p:nvPr>
-            <p:ph type="title"/>
-          </p:nvPr>
-        </p:nvSpPr>
-        <p:spPr>
-          <a:xfrm>
-            <a:off x="929640" y="0"/>
-            <a:ext cx="10515600" cy="1325563"/>
-          </a:xfrm>
-        </p:spPr>
-        <p:txBody>
-          <a:bodyPr/>
-          <a:lstStyle/>
-          <a:p>
-            <a:r>
-              <a:rPr lang="en-US" altLang="zh-TW" dirty="0" smtClean="0"/>
-              <a:t>ACI</a:t>
-            </a:r>
-            <a:r>
-              <a:rPr lang="zh-TW" altLang="en-US" dirty="0" smtClean="0"/>
-              <a:t>出貨 </a:t>
-            </a:r>
-            <a:r>
-              <a:rPr lang="en-US" altLang="zh-TW" dirty="0" smtClean="0"/>
-              <a:t>–</a:t>
-            </a:r>
-            <a:r>
-              <a:rPr lang="zh-TW" altLang="en-US" dirty="0" smtClean="0"/>
-              <a:t> 個別紙箱</a:t>
-            </a:r>
-            <a:endParaRPr lang="zh-TW" altLang="en-US" dirty="0"/>
-          </a:p>
-        </p:txBody>
-      </p:sp>
-      <p:cxnSp>
-        <p:nvCxnSpPr>
-          <p:cNvPr id="10" name="直線單箭頭接點 9"/>
-          <p:cNvCxnSpPr/>
-          <p:nvPr/>
-        </p:nvCxnSpPr>
-        <p:spPr>
-          <a:xfrm>
-            <a:off x="4672584" y="2798064"/>
-            <a:ext cx="1146004" cy="0"/>
-          </a:xfrm>
-          <a:prstGeom prst="straightConnector1">
-            <a:avLst/>
-          </a:prstGeom>
-          <a:ln>
-            <a:solidFill>
-              <a:srgbClr val="FF0000"/>
-            </a:solidFill>
-            <a:tailEnd type="triangle"/>
-          </a:ln>
-        </p:spPr>
-        <p:style>
-          <a:lnRef idx="1">
-            <a:schemeClr val="accent1"/>
-          </a:lnRef>
-          <a:fillRef idx="0">
-            <a:schemeClr val="accent1"/>
-          </a:fillRef>
-          <a:effectRef idx="0">
-            <a:schemeClr val="accent1"/>
-          </a:effectRef>
-          <a:fontRef idx="minor">
-            <a:schemeClr val="tx1"/>
-          </a:fontRef>
-        </p:style>
-      </p:cxnSp>
     </p:spTree>
     <p:extLst>
       <p:ext uri="{BB962C8B-B14F-4D97-AF65-F5344CB8AC3E}">
-        <p14:creationId xmlns:p14="http://schemas.microsoft.com/office/powerpoint/2010/main" val="1129399871"/>
+        <p14:creationId xmlns:p14="http://schemas.microsoft.com/office/powerpoint/2010/main" val="3948618678"/>
       </p:ext>
     </p:extLst>
   </p:cSld>
@@ -6661,7 +6445,53 @@
             </a:r>
             <a:r>
               <a:rPr lang="zh-TW" altLang="en-US" dirty="0" smtClean="0"/>
-              <a:t>設備轉移</a:t>
+              <a:t> </a:t>
+            </a:r>
+            <a:r>
+              <a:rPr lang="en-US" altLang="zh-TW" dirty="0" smtClean="0"/>
+              <a:t>-</a:t>
+            </a:r>
+            <a:r>
+              <a:rPr lang="zh-TW" altLang="en-US" dirty="0" smtClean="0"/>
+              <a:t> 待出貨清單</a:t>
+            </a:r>
+            <a:endParaRPr lang="zh-TW" altLang="en-US" dirty="0"/>
+          </a:p>
+        </p:txBody>
+      </p:sp>
+      <p:sp>
+        <p:nvSpPr>
+          <p:cNvPr id="3" name="內容版面配置區 2"/>
+          <p:cNvSpPr>
+            <a:spLocks noGrp="1"/>
+          </p:cNvSpPr>
+          <p:nvPr>
+            <p:ph idx="1"/>
+          </p:nvPr>
+        </p:nvSpPr>
+        <p:spPr/>
+        <p:txBody>
+          <a:bodyPr/>
+          <a:lstStyle/>
+          <a:p>
+            <a:pPr marL="0" indent="0">
+              <a:buNone/>
+            </a:pPr>
+            <a:r>
+              <a:rPr lang="en-US" altLang="zh-TW" dirty="0" smtClean="0"/>
+              <a:t>-&gt;</a:t>
+            </a:r>
+            <a:r>
+              <a:rPr lang="zh-TW" altLang="en-US" dirty="0" smtClean="0"/>
+              <a:t> 左側導覽列的 </a:t>
+            </a:r>
+            <a:r>
+              <a:rPr lang="en-US" altLang="zh-TW" dirty="0" smtClean="0"/>
+              <a:t>“ACI</a:t>
+            </a:r>
+            <a:r>
+              <a:rPr lang="zh-TW" altLang="en-US" dirty="0" smtClean="0"/>
+              <a:t> </a:t>
             </a:r>
             <a:r>
               <a:rPr lang="en-US" altLang="zh-TW" dirty="0" smtClean="0"/>
@@ -6669,46 +6499,45 @@
             </a:r>
             <a:r>
               <a:rPr lang="zh-TW" altLang="en-US" dirty="0" smtClean="0"/>
-              <a:t> 個別紙箱</a:t>
-            </a:r>
-            <a:endParaRPr lang="zh-TW" altLang="en-US" dirty="0"/>
-          </a:p>
-        </p:txBody>
-      </p:sp>
-      <p:sp>
-        <p:nvSpPr>
-          <p:cNvPr id="3" name="內容版面配置區 2"/>
-          <p:cNvSpPr>
-            <a:spLocks noGrp="1"/>
-          </p:cNvSpPr>
-          <p:nvPr>
-            <p:ph idx="1"/>
-          </p:nvPr>
-        </p:nvSpPr>
-        <p:spPr/>
-        <p:txBody>
-          <a:bodyPr/>
-          <a:lstStyle/>
-          <a:p>
-            <a:r>
-              <a:rPr lang="zh-TW" altLang="en-US" dirty="0" smtClean="0"/>
-              <a:t>點擊</a:t>
-            </a:r>
-            <a:r>
-              <a:rPr lang="en-US" altLang="zh-TW" dirty="0" smtClean="0"/>
-              <a:t>”</a:t>
-            </a:r>
-            <a:r>
-              <a:rPr lang="zh-TW" altLang="en-US" dirty="0" smtClean="0"/>
-              <a:t>設備轉移</a:t>
-            </a:r>
-            <a:r>
-              <a:rPr lang="en-US" altLang="zh-TW" dirty="0" smtClean="0"/>
-              <a:t>”</a:t>
-            </a:r>
-            <a:r>
-              <a:rPr lang="zh-TW" altLang="en-US" dirty="0" smtClean="0"/>
-              <a:t>按鈕後 </a:t>
+              <a:t> 待出貨清單 </a:t>
+            </a:r>
+            <a:r>
+              <a:rPr lang="en-US" altLang="zh-TW" dirty="0" smtClean="0"/>
+              <a:t>” </a:t>
+            </a:r>
+            <a:r>
+              <a:rPr lang="zh-TW" altLang="en-US" dirty="0" smtClean="0"/>
+              <a:t>選項</a:t>
+            </a:r>
+            <a:endParaRPr lang="en-US" altLang="zh-TW" dirty="0" smtClean="0"/>
+          </a:p>
+          <a:p>
+            <a:pPr marL="0" indent="0">
+              <a:buNone/>
+            </a:pPr>
+            <a:r>
+              <a:rPr lang="en-US" altLang="zh-TW" dirty="0" smtClean="0"/>
+              <a:t>-&gt;</a:t>
+            </a:r>
+            <a:r>
+              <a:rPr lang="zh-TW" altLang="en-US" dirty="0" smtClean="0"/>
+              <a:t> 未手動匯入</a:t>
+            </a:r>
+            <a:r>
+              <a:rPr lang="en-US" altLang="zh-TW" dirty="0" smtClean="0"/>
+              <a:t>Oracle</a:t>
+            </a:r>
+            <a:r>
+              <a:rPr lang="zh-TW" altLang="en-US" dirty="0" smtClean="0"/>
+              <a:t>的</a:t>
+            </a:r>
+            <a:r>
+              <a:rPr lang="en-US" altLang="zh-TW" dirty="0" smtClean="0"/>
+              <a:t>excel</a:t>
+            </a:r>
+            <a:r>
+              <a:rPr lang="zh-TW" altLang="en-US" dirty="0" smtClean="0"/>
+              <a:t>檔案前 </a:t>
             </a:r>
             <a:r>
               <a:rPr lang="en-US" altLang="zh-TW" dirty="0" smtClean="0"/>
@@ -6716,65 +6545,142 @@
             </a:r>
             <a:r>
               <a:rPr lang="zh-TW" altLang="en-US" dirty="0" smtClean="0"/>
-              <a:t>會跳出可以選擇轉移的棧板 </a:t>
-            </a:r>
-            <a:r>
-              <a:rPr lang="en-US" altLang="zh-TW" dirty="0" smtClean="0"/>
-              <a:t>(</a:t>
-            </a:r>
-            <a:r>
-              <a:rPr lang="zh-TW" altLang="en-US" dirty="0" smtClean="0"/>
-              <a:t>單選</a:t>
-            </a:r>
-            <a:r>
-              <a:rPr lang="en-US" altLang="zh-TW" dirty="0" smtClean="0"/>
-              <a:t>)</a:t>
-            </a:r>
-          </a:p>
-          <a:p>
-            <a:pPr marL="228600" lvl="1">
-              <a:spcBef>
-                <a:spcPts val="1000"/>
-              </a:spcBef>
+              <a:t>只能進行設備轉移 無法出貨</a:t>
+            </a:r>
+            <a:endParaRPr lang="en-US" altLang="zh-TW" dirty="0" smtClean="0"/>
+          </a:p>
+          <a:p>
+            <a:pPr marL="0" indent="0">
+              <a:buNone/>
             </a:pPr>
             <a:r>
-              <a:rPr lang="zh-TW" altLang="en-US" dirty="0" smtClean="0"/>
-              <a:t>使用條碼機掃描棧板條碼</a:t>
-            </a:r>
-            <a:r>
-              <a:rPr lang="en-US" altLang="zh-TW" dirty="0" smtClean="0"/>
-              <a:t>, </a:t>
-            </a:r>
-            <a:r>
-              <a:rPr lang="zh-TW" altLang="en-US" dirty="0" smtClean="0"/>
-              <a:t>可快速找到要進行操作的棧板 或 手動點選 </a:t>
+              <a:rPr lang="en-US" altLang="zh-TW" dirty="0" smtClean="0"/>
+              <a:t>-&gt;</a:t>
+            </a:r>
+            <a:r>
+              <a:rPr lang="zh-TW" altLang="en-US" dirty="0" smtClean="0"/>
+              <a:t> 手動選擇由</a:t>
+            </a:r>
+            <a:r>
+              <a:rPr lang="en-US" altLang="zh-TW" dirty="0" smtClean="0"/>
+              <a:t>Oracle</a:t>
+            </a:r>
+            <a:r>
+              <a:rPr lang="zh-TW" altLang="en-US" dirty="0" smtClean="0"/>
+              <a:t>匯出的</a:t>
+            </a:r>
+            <a:r>
+              <a:rPr lang="en-US" altLang="zh-TW" dirty="0" smtClean="0"/>
+              <a:t>excel</a:t>
+            </a:r>
+            <a:r>
+              <a:rPr lang="zh-TW" altLang="en-US" dirty="0" smtClean="0"/>
+              <a:t>檔案</a:t>
             </a:r>
             <a:endParaRPr lang="en-US" altLang="zh-TW" dirty="0" smtClean="0"/>
           </a:p>
           <a:p>
-            <a:r>
-              <a:rPr lang="zh-TW" altLang="en-US" dirty="0" smtClean="0"/>
-              <a:t>完成送出後即進行</a:t>
+            <a:pPr marL="0" indent="0">
+              <a:buNone/>
+            </a:pPr>
+            <a:r>
+              <a:rPr lang="en-US" altLang="zh-TW" dirty="0" smtClean="0"/>
+              <a:t>	-&gt;</a:t>
+            </a:r>
+            <a:r>
+              <a:rPr lang="zh-TW" altLang="en-US" dirty="0" smtClean="0"/>
+              <a:t> 如</a:t>
+            </a:r>
+            <a:r>
+              <a:rPr lang="en-US" altLang="zh-TW" dirty="0" smtClean="0"/>
+              <a:t>excel</a:t>
+            </a:r>
+            <a:r>
+              <a:rPr lang="zh-TW" altLang="en-US" dirty="0" smtClean="0"/>
+              <a:t>檔案需出貨的數量 不符合 待出貨清單中的數量 </a:t>
+            </a:r>
+            <a:r>
+              <a:rPr lang="en-US" altLang="zh-TW" dirty="0" smtClean="0"/>
+              <a:t>,</a:t>
+            </a:r>
+            <a:r>
+              <a:rPr lang="zh-TW" altLang="en-US" dirty="0" smtClean="0"/>
+              <a:t> 則</a:t>
+            </a:r>
+            <a:r>
+              <a:rPr lang="en-US" altLang="zh-TW" dirty="0" smtClean="0"/>
+              <a:t>	</a:t>
+            </a:r>
+            <a:r>
+              <a:rPr lang="zh-TW" altLang="en-US" dirty="0" smtClean="0"/>
+              <a:t>無法出貨 </a:t>
+            </a:r>
+            <a:r>
+              <a:rPr lang="en-US" altLang="zh-TW" dirty="0" smtClean="0"/>
+              <a:t>,</a:t>
+            </a:r>
+            <a:r>
+              <a:rPr lang="zh-TW" altLang="en-US" dirty="0" smtClean="0"/>
+              <a:t> 只能將設備移出待出貨清單</a:t>
             </a:r>
             <a:endParaRPr lang="en-US" altLang="zh-TW" dirty="0" smtClean="0"/>
           </a:p>
           <a:p>
-            <a:pPr lvl="1"/>
-            <a:r>
-              <a:rPr lang="zh-TW" altLang="en-US" dirty="0" smtClean="0"/>
-              <a:t>該棧板內選擇的紙箱內容轉移至選擇的棧板中</a:t>
-            </a:r>
-            <a:endParaRPr lang="en-US" altLang="zh-TW" dirty="0" smtClean="0"/>
-          </a:p>
-          <a:p>
-            <a:endParaRPr lang="zh-TW" altLang="en-US" dirty="0"/>
+            <a:pPr marL="0" indent="0">
+              <a:buNone/>
+            </a:pPr>
+            <a:r>
+              <a:rPr lang="en-US" altLang="zh-TW" dirty="0" smtClean="0"/>
+              <a:t>	-&gt;</a:t>
+            </a:r>
+            <a:r>
+              <a:rPr lang="zh-TW" altLang="en-US" dirty="0" smtClean="0"/>
+              <a:t> 如</a:t>
+            </a:r>
+            <a:r>
+              <a:rPr lang="en-US" altLang="zh-TW" dirty="0"/>
+              <a:t>excel</a:t>
+            </a:r>
+            <a:r>
+              <a:rPr lang="zh-TW" altLang="en-US" dirty="0"/>
+              <a:t>檔案需出貨的數量 </a:t>
+            </a:r>
+            <a:r>
+              <a:rPr lang="zh-TW" altLang="en-US" dirty="0" smtClean="0"/>
+              <a:t>符合 </a:t>
+            </a:r>
+            <a:r>
+              <a:rPr lang="zh-TW" altLang="en-US" dirty="0"/>
+              <a:t>待出貨清單中的數量 </a:t>
+            </a:r>
+            <a:r>
+              <a:rPr lang="en-US" altLang="zh-TW" dirty="0"/>
+              <a:t>,</a:t>
+            </a:r>
+            <a:r>
+              <a:rPr lang="zh-TW" altLang="en-US" dirty="0"/>
+              <a:t> 則</a:t>
+            </a:r>
+            <a:r>
+              <a:rPr lang="en-US" altLang="zh-TW" dirty="0"/>
+              <a:t>	</a:t>
+            </a:r>
+            <a:r>
+              <a:rPr lang="zh-TW" altLang="en-US" dirty="0"/>
+              <a:t>可以</a:t>
+            </a:r>
+            <a:r>
+              <a:rPr lang="zh-TW" altLang="en-US" dirty="0" smtClean="0"/>
+              <a:t>出貨</a:t>
+            </a:r>
+            <a:endParaRPr lang="en-US" altLang="zh-TW" dirty="0"/>
           </a:p>
         </p:txBody>
       </p:sp>
     </p:spTree>
     <p:extLst>
       <p:ext uri="{BB962C8B-B14F-4D97-AF65-F5344CB8AC3E}">
-        <p14:creationId xmlns:p14="http://schemas.microsoft.com/office/powerpoint/2010/main" val="3994379749"/>
+        <p14:creationId xmlns:p14="http://schemas.microsoft.com/office/powerpoint/2010/main" val="1232813552"/>
       </p:ext>
     </p:extLst>
   </p:cSld>
@@ -6808,50 +6714,13 @@
           <a:chExt cx="0" cy="0"/>
         </a:xfrm>
       </p:grpSpPr>
-      <p:sp>
-        <p:nvSpPr>
-          <p:cNvPr id="2" name="標題 1"/>
-          <p:cNvSpPr>
-            <a:spLocks noGrp="1"/>
-          </p:cNvSpPr>
-          <p:nvPr>
-            <p:ph type="title"/>
-          </p:nvPr>
-        </p:nvSpPr>
-        <p:spPr/>
-        <p:txBody>
-          <a:bodyPr/>
-          <a:lstStyle/>
-          <a:p>
-            <a:r>
-              <a:rPr lang="en-US" altLang="zh-TW" dirty="0" smtClean="0"/>
-              <a:t>ACI</a:t>
-            </a:r>
-            <a:r>
-              <a:rPr lang="zh-TW" altLang="en-US" dirty="0" smtClean="0"/>
-              <a:t>設備轉移</a:t>
-            </a:r>
-            <a:r>
-              <a:rPr lang="en-US" altLang="zh-TW" dirty="0" smtClean="0"/>
-              <a:t>–</a:t>
-            </a:r>
-            <a:r>
-              <a:rPr lang="zh-TW" altLang="en-US" dirty="0" smtClean="0"/>
-              <a:t> 個別紙箱</a:t>
-            </a:r>
-            <a:endParaRPr lang="zh-TW" altLang="en-US" dirty="0"/>
-          </a:p>
-        </p:txBody>
-      </p:sp>
       <p:pic>
         <p:nvPicPr>
-          <p:cNvPr id="4" name="內容版面配置區 3"/>
+          <p:cNvPr id="4" name="圖片 3"/>
           <p:cNvPicPr>
-            <a:picLocks noGrp="1" noChangeAspect="1"/>
+            <a:picLocks noChangeAspect="1"/>
           </p:cNvPicPr>
-          <p:nvPr>
-            <p:ph idx="1"/>
-          </p:nvPr>
+          <p:nvPr/>
         </p:nvPicPr>
         <p:blipFill>
           <a:blip r:embed="rId2"/>
@@ -6861,8 +6730,8 @@
         </p:blipFill>
         <p:spPr>
           <a:xfrm>
-            <a:off x="134580" y="2526728"/>
-            <a:ext cx="3956283" cy="2810383"/>
+            <a:off x="0" y="1014985"/>
+            <a:ext cx="6618844" cy="3502151"/>
           </a:xfrm>
           <a:prstGeom prst="rect">
             <a:avLst/>
@@ -6885,196 +6754,58 @@
         </p:blipFill>
         <p:spPr>
           <a:xfrm>
-            <a:off x="4770170" y="1887666"/>
-            <a:ext cx="7369370" cy="1779078"/>
+            <a:off x="5769865" y="3027809"/>
+            <a:ext cx="6422136" cy="3698177"/>
           </a:xfrm>
           <a:prstGeom prst="rect">
             <a:avLst/>
           </a:prstGeom>
         </p:spPr>
       </p:pic>
-      <p:pic>
-        <p:nvPicPr>
-          <p:cNvPr id="6" name="圖片 5"/>
-          <p:cNvPicPr>
-            <a:picLocks noChangeAspect="1"/>
-          </p:cNvPicPr>
-          <p:nvPr/>
-        </p:nvPicPr>
-        <p:blipFill>
-          <a:blip r:embed="rId4"/>
-          <a:stretch>
-            <a:fillRect/>
-          </a:stretch>
-        </p:blipFill>
+      <p:sp>
+        <p:nvSpPr>
+          <p:cNvPr id="6" name="標題 1"/>
+          <p:cNvSpPr>
+            <a:spLocks noGrp="1"/>
+          </p:cNvSpPr>
+          <p:nvPr>
+            <p:ph type="title"/>
+          </p:nvPr>
+        </p:nvSpPr>
         <p:spPr>
           <a:xfrm>
-            <a:off x="4876206" y="4874228"/>
-            <a:ext cx="7093290" cy="1699355"/>
-          </a:xfrm>
-          <a:prstGeom prst="rect">
-            <a:avLst/>
-          </a:prstGeom>
-        </p:spPr>
-      </p:pic>
-      <p:cxnSp>
-        <p:nvCxnSpPr>
-          <p:cNvPr id="8" name="直線單箭頭接點 7"/>
-          <p:cNvCxnSpPr/>
-          <p:nvPr/>
-        </p:nvCxnSpPr>
-        <p:spPr>
-          <a:xfrm flipH="1">
-            <a:off x="4090863" y="2358675"/>
-            <a:ext cx="647303" cy="731997"/>
-          </a:xfrm>
-          <a:prstGeom prst="straightConnector1">
-            <a:avLst/>
-          </a:prstGeom>
-          <a:ln>
-            <a:solidFill>
-              <a:srgbClr val="FF0000"/>
-            </a:solidFill>
-            <a:tailEnd type="triangle"/>
-          </a:ln>
-        </p:spPr>
-        <p:style>
-          <a:lnRef idx="1">
-            <a:schemeClr val="accent1"/>
-          </a:lnRef>
-          <a:fillRef idx="0">
-            <a:schemeClr val="accent1"/>
-          </a:fillRef>
-          <a:effectRef idx="0">
-            <a:schemeClr val="accent1"/>
-          </a:effectRef>
-          <a:fontRef idx="minor">
-            <a:schemeClr val="tx1"/>
-          </a:fontRef>
-        </p:style>
-      </p:cxnSp>
-      <p:cxnSp>
-        <p:nvCxnSpPr>
-          <p:cNvPr id="11" name="直線單箭頭接點 10"/>
-          <p:cNvCxnSpPr/>
-          <p:nvPr/>
-        </p:nvCxnSpPr>
-        <p:spPr>
-          <a:xfrm>
-            <a:off x="4090863" y="4242816"/>
-            <a:ext cx="1176081" cy="631412"/>
-          </a:xfrm>
-          <a:prstGeom prst="straightConnector1">
-            <a:avLst/>
-          </a:prstGeom>
-          <a:ln>
-            <a:solidFill>
-              <a:srgbClr val="FF0000"/>
-            </a:solidFill>
-            <a:tailEnd type="triangle"/>
-          </a:ln>
-        </p:spPr>
-        <p:style>
-          <a:lnRef idx="1">
-            <a:schemeClr val="accent1"/>
-          </a:lnRef>
-          <a:fillRef idx="0">
-            <a:schemeClr val="accent1"/>
-          </a:fillRef>
-          <a:effectRef idx="0">
-            <a:schemeClr val="accent1"/>
-          </a:effectRef>
-          <a:fontRef idx="minor">
-            <a:schemeClr val="tx1"/>
-          </a:fontRef>
-        </p:style>
-      </p:cxnSp>
-      <p:sp>
-        <p:nvSpPr>
-          <p:cNvPr id="12" name="矩形 11"/>
-          <p:cNvSpPr/>
-          <p:nvPr/>
-        </p:nvSpPr>
-        <p:spPr>
-          <a:xfrm>
-            <a:off x="4839190" y="1874282"/>
-            <a:ext cx="7231330" cy="1764792"/>
-          </a:xfrm>
-          <a:prstGeom prst="rect">
-            <a:avLst/>
-          </a:prstGeom>
-          <a:noFill/>
-        </p:spPr>
-        <p:style>
-          <a:lnRef idx="2">
-            <a:schemeClr val="accent1">
-              <a:shade val="50000"/>
-            </a:schemeClr>
-          </a:lnRef>
-          <a:fillRef idx="1">
-            <a:schemeClr val="accent1"/>
-          </a:fillRef>
-          <a:effectRef idx="0">
-            <a:schemeClr val="accent1"/>
-          </a:effectRef>
-          <a:fontRef idx="minor">
-            <a:schemeClr val="lt1"/>
-          </a:fontRef>
-        </p:style>
-        <p:txBody>
-          <a:bodyPr rtlCol="0" anchor="ctr"/>
-          <a:lstStyle/>
-          <a:p>
-            <a:pPr algn="ctr"/>
-            <a:endParaRPr lang="zh-TW" altLang="en-US"/>
-          </a:p>
-        </p:txBody>
-      </p:sp>
-      <p:sp>
-        <p:nvSpPr>
-          <p:cNvPr id="13" name="矩形 12"/>
-          <p:cNvSpPr/>
-          <p:nvPr/>
-        </p:nvSpPr>
-        <p:spPr>
-          <a:xfrm>
-            <a:off x="4876206" y="5001768"/>
-            <a:ext cx="7157298" cy="1655064"/>
-          </a:xfrm>
-          <a:prstGeom prst="rect">
-            <a:avLst/>
-          </a:prstGeom>
-          <a:noFill/>
-        </p:spPr>
-        <p:style>
-          <a:lnRef idx="2">
-            <a:schemeClr val="accent1">
-              <a:shade val="50000"/>
-            </a:schemeClr>
-          </a:lnRef>
-          <a:fillRef idx="1">
-            <a:schemeClr val="accent1"/>
-          </a:fillRef>
-          <a:effectRef idx="0">
-            <a:schemeClr val="accent1"/>
-          </a:effectRef>
-          <a:fontRef idx="minor">
-            <a:schemeClr val="lt1"/>
-          </a:fontRef>
-        </p:style>
-        <p:txBody>
-          <a:bodyPr rtlCol="0" anchor="ctr"/>
-          <a:lstStyle/>
-          <a:p>
-            <a:pPr algn="ctr"/>
-            <a:endParaRPr lang="zh-TW" altLang="en-US"/>
+            <a:off x="600456" y="0"/>
+            <a:ext cx="10515600" cy="1325563"/>
+          </a:xfrm>
+        </p:spPr>
+        <p:txBody>
+          <a:bodyPr/>
+          <a:lstStyle/>
+          <a:p>
+            <a:r>
+              <a:rPr lang="en-US" altLang="zh-TW" dirty="0" smtClean="0"/>
+              <a:t>ACI</a:t>
+            </a:r>
+            <a:r>
+              <a:rPr lang="zh-TW" altLang="en-US" dirty="0" smtClean="0"/>
+              <a:t> </a:t>
+            </a:r>
+            <a:r>
+              <a:rPr lang="en-US" altLang="zh-TW" dirty="0" smtClean="0"/>
+              <a:t>-</a:t>
+            </a:r>
+            <a:r>
+              <a:rPr lang="zh-TW" altLang="en-US" dirty="0" smtClean="0"/>
+              <a:t> 待出貨清單</a:t>
+            </a:r>
+            <a:endParaRPr lang="zh-TW" altLang="en-US" dirty="0"/>
           </a:p>
         </p:txBody>
       </p:sp>
     </p:spTree>
     <p:extLst>
       <p:ext uri="{BB962C8B-B14F-4D97-AF65-F5344CB8AC3E}">
-        <p14:creationId xmlns:p14="http://schemas.microsoft.com/office/powerpoint/2010/main" val="1098303622"/>
+        <p14:creationId xmlns:p14="http://schemas.microsoft.com/office/powerpoint/2010/main" val="3846927206"/>
       </p:ext>
     </p:extLst>
   </p:cSld>
@@ -7125,56 +6856,238 @@
           <a:p>
             <a:r>
               <a:rPr lang="en-US" altLang="zh-TW" dirty="0" smtClean="0"/>
-              <a:t>ACI – </a:t>
-            </a:r>
-            <a:r>
-              <a:rPr lang="zh-TW" altLang="en-US" dirty="0" smtClean="0"/>
-              <a:t>客戶設定</a:t>
-            </a:r>
+              <a:t>ACI</a:t>
+            </a:r>
+            <a:r>
+              <a:rPr lang="zh-TW" altLang="en-US" dirty="0" smtClean="0"/>
+              <a:t> </a:t>
+            </a:r>
+            <a:r>
+              <a:rPr lang="en-US" altLang="zh-TW" dirty="0" smtClean="0"/>
+              <a:t>–</a:t>
+            </a:r>
+            <a:r>
+              <a:rPr lang="zh-TW" altLang="en-US" dirty="0" smtClean="0"/>
+              <a:t> 待出貨清單</a:t>
+            </a:r>
+            <a:r>
+              <a:rPr lang="en-US" altLang="zh-TW" dirty="0" smtClean="0"/>
+              <a:t/>
+            </a:r>
+            <a:br>
+              <a:rPr lang="en-US" altLang="zh-TW" dirty="0" smtClean="0"/>
+            </a:br>
+            <a:r>
+              <a:rPr lang="en-US" altLang="zh-TW" dirty="0"/>
+              <a:t>	</a:t>
+            </a:r>
+            <a:r>
+              <a:rPr lang="zh-TW" altLang="en-US" sz="2800" dirty="0" smtClean="0"/>
+              <a:t>將貨物</a:t>
+            </a:r>
+            <a:r>
+              <a:rPr lang="zh-TW" altLang="en-US" sz="2800" dirty="0" smtClean="0"/>
+              <a:t>出貨</a:t>
+            </a:r>
+            <a:endParaRPr lang="zh-TW" altLang="en-US" sz="2800" dirty="0"/>
+          </a:p>
+        </p:txBody>
+      </p:sp>
+      <p:sp>
+        <p:nvSpPr>
+          <p:cNvPr id="3" name="內容版面配置區 2"/>
+          <p:cNvSpPr>
+            <a:spLocks noGrp="1"/>
+          </p:cNvSpPr>
+          <p:nvPr>
+            <p:ph idx="1"/>
+          </p:nvPr>
+        </p:nvSpPr>
+        <p:spPr/>
+        <p:txBody>
+          <a:bodyPr>
+            <a:normAutofit fontScale="92500" lnSpcReduction="10000"/>
+          </a:bodyPr>
+          <a:lstStyle/>
+          <a:p>
+            <a:r>
+              <a:rPr lang="zh-TW" altLang="en-US" dirty="0" smtClean="0"/>
+              <a:t>點擊</a:t>
+            </a:r>
+            <a:r>
+              <a:rPr lang="en-US" altLang="zh-TW" dirty="0" smtClean="0"/>
+              <a:t>”</a:t>
+            </a:r>
+            <a:r>
+              <a:rPr lang="zh-TW" altLang="en-US" dirty="0" smtClean="0"/>
+              <a:t>出貨</a:t>
+            </a:r>
+            <a:r>
+              <a:rPr lang="en-US" altLang="zh-TW" dirty="0" smtClean="0"/>
+              <a:t>”</a:t>
+            </a:r>
+            <a:r>
+              <a:rPr lang="zh-TW" altLang="en-US" dirty="0" smtClean="0"/>
+              <a:t>按鈕後 </a:t>
+            </a:r>
+            <a:r>
+              <a:rPr lang="en-US" altLang="zh-TW" dirty="0" smtClean="0"/>
+              <a:t>, </a:t>
+            </a:r>
+            <a:r>
+              <a:rPr lang="zh-TW" altLang="en-US" dirty="0" smtClean="0"/>
+              <a:t>會跳出需要輸入的文字框</a:t>
+            </a:r>
+            <a:endParaRPr lang="en-US" altLang="zh-TW" dirty="0" smtClean="0"/>
+          </a:p>
+          <a:p>
+            <a:pPr lvl="1"/>
+            <a:r>
+              <a:rPr lang="en-US" altLang="zh-TW" dirty="0" err="1" smtClean="0"/>
+              <a:t>ASN_Number</a:t>
+            </a:r>
+            <a:endParaRPr lang="en-US" altLang="zh-TW" dirty="0" smtClean="0"/>
+          </a:p>
+          <a:p>
+            <a:pPr lvl="1"/>
+            <a:r>
+              <a:rPr lang="en-US" altLang="zh-TW" dirty="0" err="1" smtClean="0"/>
+              <a:t>Purchase_order_number</a:t>
+            </a:r>
+            <a:endParaRPr lang="en-US" altLang="zh-TW" dirty="0" smtClean="0"/>
+          </a:p>
+          <a:p>
+            <a:pPr lvl="1"/>
+            <a:r>
+              <a:rPr lang="en-US" altLang="zh-TW" dirty="0" err="1" smtClean="0"/>
+              <a:t>Received_date</a:t>
+            </a:r>
+            <a:endParaRPr lang="en-US" altLang="zh-TW" dirty="0"/>
+          </a:p>
+          <a:p>
+            <a:pPr lvl="1"/>
+            <a:r>
+              <a:rPr lang="en-US" altLang="zh-TW" dirty="0" err="1" smtClean="0"/>
+              <a:t>Shipping_date</a:t>
+            </a:r>
+            <a:endParaRPr lang="en-US" altLang="zh-TW" dirty="0" smtClean="0"/>
+          </a:p>
+          <a:p>
+            <a:pPr lvl="1"/>
+            <a:r>
+              <a:rPr lang="en-US" altLang="zh-TW" dirty="0" err="1" smtClean="0"/>
+              <a:t>Shipping_company_contractor</a:t>
+            </a:r>
+            <a:endParaRPr lang="en-US" altLang="zh-TW" dirty="0" smtClean="0"/>
+          </a:p>
+          <a:p>
+            <a:pPr lvl="1"/>
+            <a:r>
+              <a:rPr lang="en-US" altLang="zh-TW" dirty="0" smtClean="0"/>
+              <a:t>Tracking number</a:t>
+            </a:r>
+          </a:p>
+          <a:p>
+            <a:pPr lvl="1"/>
+            <a:r>
+              <a:rPr lang="zh-TW" altLang="en-US" dirty="0" smtClean="0"/>
+              <a:t>客戶</a:t>
+            </a:r>
+            <a:endParaRPr lang="en-US" altLang="zh-TW" dirty="0" smtClean="0"/>
+          </a:p>
+          <a:p>
+            <a:r>
+              <a:rPr lang="zh-TW" altLang="en-US" dirty="0" smtClean="0"/>
+              <a:t>輸入完成送出後即進行</a:t>
+            </a:r>
+            <a:endParaRPr lang="en-US" altLang="zh-TW" dirty="0" smtClean="0"/>
+          </a:p>
+          <a:p>
+            <a:pPr lvl="1"/>
+            <a:r>
+              <a:rPr lang="zh-TW" altLang="en-US" dirty="0" smtClean="0"/>
+              <a:t>下載</a:t>
+            </a:r>
+            <a:r>
+              <a:rPr lang="en-US" altLang="zh-TW" dirty="0" smtClean="0"/>
+              <a:t>excel</a:t>
+            </a:r>
+            <a:r>
+              <a:rPr lang="zh-TW" altLang="en-US" dirty="0" smtClean="0"/>
+              <a:t>檔 </a:t>
+            </a:r>
+            <a:r>
+              <a:rPr lang="en-US" altLang="zh-TW" dirty="0" smtClean="0"/>
+              <a:t>, </a:t>
+            </a:r>
+            <a:r>
+              <a:rPr lang="zh-TW" altLang="en-US" dirty="0" smtClean="0"/>
+              <a:t>內容為該棧板內的所有紙箱內容 </a:t>
+            </a:r>
+            <a:r>
+              <a:rPr lang="en-US" altLang="zh-TW" dirty="0" smtClean="0"/>
+              <a:t>, excel</a:t>
+            </a:r>
+            <a:r>
+              <a:rPr lang="zh-TW" altLang="en-US" dirty="0" smtClean="0"/>
+              <a:t>內</a:t>
+            </a:r>
+            <a:r>
+              <a:rPr lang="zh-TW" altLang="en-US" dirty="0" smtClean="0"/>
+              <a:t>的欄位</a:t>
+            </a:r>
+            <a:r>
+              <a:rPr lang="zh-TW" altLang="en-US" dirty="0" smtClean="0"/>
+              <a:t>會全部填上上面填入的資料</a:t>
+            </a:r>
+            <a:endParaRPr lang="en-US" altLang="zh-TW" dirty="0" smtClean="0"/>
+          </a:p>
+          <a:p>
+            <a:pPr lvl="1"/>
+            <a:r>
+              <a:rPr lang="zh-TW" altLang="en-US" dirty="0" smtClean="0"/>
+              <a:t>所有</a:t>
+            </a:r>
+            <a:r>
+              <a:rPr lang="zh-TW" altLang="en-US" dirty="0" smtClean="0"/>
+              <a:t>紙箱內容加入到 </a:t>
+            </a:r>
+            <a:r>
+              <a:rPr lang="en-US" altLang="zh-TW" dirty="0" smtClean="0"/>
+              <a:t>“ACI</a:t>
+            </a:r>
+            <a:r>
+              <a:rPr lang="zh-TW" altLang="en-US" dirty="0" smtClean="0"/>
+              <a:t> </a:t>
+            </a:r>
+            <a:r>
+              <a:rPr lang="en-US" altLang="zh-TW" dirty="0" smtClean="0"/>
+              <a:t>-</a:t>
+            </a:r>
+            <a:r>
+              <a:rPr lang="zh-TW" altLang="en-US" dirty="0" smtClean="0"/>
+              <a:t> 已出貨清單</a:t>
+            </a:r>
+            <a:r>
+              <a:rPr lang="en-US" altLang="zh-TW" dirty="0" smtClean="0"/>
+              <a:t>”</a:t>
+            </a:r>
+            <a:r>
+              <a:rPr lang="zh-TW" altLang="en-US" dirty="0" smtClean="0"/>
+              <a:t> 供查詢用</a:t>
+            </a:r>
+            <a:endParaRPr lang="en-US" altLang="zh-TW" dirty="0" smtClean="0"/>
+          </a:p>
+          <a:p>
+            <a:pPr lvl="1"/>
             <a:endParaRPr lang="zh-TW" altLang="en-US" dirty="0"/>
-          </a:p>
-        </p:txBody>
-      </p:sp>
-      <p:sp>
-        <p:nvSpPr>
-          <p:cNvPr id="3" name="內容版面配置區 2"/>
-          <p:cNvSpPr>
-            <a:spLocks noGrp="1"/>
-          </p:cNvSpPr>
-          <p:nvPr>
-            <p:ph idx="1"/>
-          </p:nvPr>
-        </p:nvSpPr>
-        <p:spPr/>
-        <p:txBody>
-          <a:bodyPr/>
-          <a:lstStyle/>
-          <a:p>
-            <a:r>
-              <a:rPr lang="zh-TW" altLang="en-US" dirty="0" smtClean="0"/>
-              <a:t>新增客戶</a:t>
-            </a:r>
-            <a:endParaRPr lang="en-US" altLang="zh-TW" dirty="0" smtClean="0"/>
-          </a:p>
-          <a:p>
-            <a:r>
-              <a:rPr lang="zh-TW" altLang="en-US" dirty="0" smtClean="0"/>
-              <a:t>編輯</a:t>
-            </a:r>
-            <a:endParaRPr lang="en-US" altLang="zh-TW" dirty="0" smtClean="0"/>
-          </a:p>
-          <a:p>
-            <a:r>
-              <a:rPr lang="zh-TW" altLang="en-US" dirty="0"/>
-              <a:t>刪除</a:t>
-            </a:r>
           </a:p>
         </p:txBody>
       </p:sp>
     </p:spTree>
     <p:extLst>
       <p:ext uri="{BB962C8B-B14F-4D97-AF65-F5344CB8AC3E}">
-        <p14:creationId xmlns:p14="http://schemas.microsoft.com/office/powerpoint/2010/main" val="1138556879"/>
+        <p14:creationId xmlns:p14="http://schemas.microsoft.com/office/powerpoint/2010/main" val="919364709"/>
       </p:ext>
     </p:extLst>
   </p:cSld>
@@ -7210,7 +7123,7 @@
       </p:grpSpPr>
       <p:sp>
         <p:nvSpPr>
-          <p:cNvPr id="2" name="標題 1"/>
+          <p:cNvPr id="7" name="標題 1"/>
           <p:cNvSpPr>
             <a:spLocks noGrp="1"/>
           </p:cNvSpPr>
@@ -7218,18 +7131,31 @@
             <p:ph type="title"/>
           </p:nvPr>
         </p:nvSpPr>
-        <p:spPr/>
+        <p:spPr>
+          <a:xfrm>
+            <a:off x="810768" y="0"/>
+            <a:ext cx="10515600" cy="1325563"/>
+          </a:xfrm>
+        </p:spPr>
         <p:txBody>
           <a:bodyPr/>
           <a:lstStyle/>
           <a:p>
             <a:r>
-              <a:rPr lang="en-US" altLang="zh-TW" dirty="0" smtClean="0"/>
-              <a:t>ACI – </a:t>
-            </a:r>
-            <a:r>
-              <a:rPr lang="zh-TW" altLang="en-US" dirty="0" smtClean="0"/>
-              <a:t>客戶設定</a:t>
+              <a:rPr lang="en-US" altLang="zh-TW" dirty="0"/>
+              <a:t>ACI</a:t>
+            </a:r>
+            <a:r>
+              <a:rPr lang="zh-TW" altLang="en-US" dirty="0"/>
+              <a:t> </a:t>
+            </a:r>
+            <a:r>
+              <a:rPr lang="en-US" altLang="zh-TW" dirty="0"/>
+              <a:t>–</a:t>
+            </a:r>
+            <a:r>
+              <a:rPr lang="zh-TW" altLang="en-US" dirty="0"/>
+              <a:t> 待出貨清單</a:t>
             </a:r>
             <a:endParaRPr lang="zh-TW" altLang="en-US" dirty="0"/>
           </a:p>
@@ -7237,7 +7163,7 @@
       </p:sp>
       <p:pic>
         <p:nvPicPr>
-          <p:cNvPr id="5" name="圖片 4"/>
+          <p:cNvPr id="2" name="圖片 1"/>
           <p:cNvPicPr>
             <a:picLocks noChangeAspect="1"/>
           </p:cNvPicPr>
@@ -7251,8 +7177,8 @@
         </p:blipFill>
         <p:spPr>
           <a:xfrm>
-            <a:off x="434405" y="1690688"/>
-            <a:ext cx="11821603" cy="4348864"/>
+            <a:off x="1059628" y="1024127"/>
+            <a:ext cx="8413949" cy="5527517"/>
           </a:xfrm>
           <a:prstGeom prst="rect">
             <a:avLst/>
@@ -7262,7 +7188,7 @@
     </p:spTree>
     <p:extLst>
       <p:ext uri="{BB962C8B-B14F-4D97-AF65-F5344CB8AC3E}">
-        <p14:creationId xmlns:p14="http://schemas.microsoft.com/office/powerpoint/2010/main" val="3301072960"/>
+        <p14:creationId xmlns:p14="http://schemas.microsoft.com/office/powerpoint/2010/main" val="3215681409"/>
       </p:ext>
     </p:extLst>
   </p:cSld>
@@ -7312,73 +7238,170 @@
           <a:lstStyle/>
           <a:p>
             <a:r>
-              <a:rPr lang="zh-TW" altLang="en-US" dirty="0" smtClean="0"/>
-              <a:t>新增</a:t>
-            </a:r>
-            <a:r>
-              <a:rPr lang="en-US" altLang="zh-TW" dirty="0" smtClean="0"/>
-              <a:t>&amp;</a:t>
-            </a:r>
-            <a:r>
-              <a:rPr lang="zh-TW" altLang="en-US" dirty="0" smtClean="0"/>
-              <a:t>編輯 客戶</a:t>
+              <a:rPr lang="en-US" altLang="zh-TW" dirty="0" smtClean="0"/>
+              <a:t>ACI</a:t>
+            </a:r>
+            <a:r>
+              <a:rPr lang="zh-TW" altLang="en-US" dirty="0" smtClean="0"/>
+              <a:t> </a:t>
+            </a:r>
+            <a:r>
+              <a:rPr lang="en-US" altLang="zh-TW" dirty="0" smtClean="0"/>
+              <a:t>-</a:t>
+            </a:r>
+            <a:r>
+              <a:rPr lang="zh-TW" altLang="en-US" dirty="0" smtClean="0"/>
+              <a:t> 設備轉移</a:t>
             </a:r>
             <a:endParaRPr lang="zh-TW" altLang="en-US" dirty="0"/>
           </a:p>
         </p:txBody>
       </p:sp>
-      <p:pic>
-        <p:nvPicPr>
-          <p:cNvPr id="5" name="圖片 4"/>
-          <p:cNvPicPr>
-            <a:picLocks noChangeAspect="1"/>
-          </p:cNvPicPr>
-          <p:nvPr/>
-        </p:nvPicPr>
-        <p:blipFill>
-          <a:blip r:embed="rId2"/>
-          <a:stretch>
-            <a:fillRect/>
-          </a:stretch>
-        </p:blipFill>
-        <p:spPr>
-          <a:xfrm>
-            <a:off x="-301752" y="1316608"/>
-            <a:ext cx="6545377" cy="3355976"/>
-          </a:xfrm>
-          <a:prstGeom prst="rect">
-            <a:avLst/>
-          </a:prstGeom>
-        </p:spPr>
-      </p:pic>
-      <p:pic>
-        <p:nvPicPr>
-          <p:cNvPr id="8" name="圖片 7"/>
-          <p:cNvPicPr>
-            <a:picLocks noChangeAspect="1"/>
-          </p:cNvPicPr>
-          <p:nvPr/>
-        </p:nvPicPr>
-        <p:blipFill>
-          <a:blip r:embed="rId3"/>
-          <a:stretch>
-            <a:fillRect/>
-          </a:stretch>
-        </p:blipFill>
-        <p:spPr>
-          <a:xfrm>
-            <a:off x="6134867" y="3092105"/>
-            <a:ext cx="6343677" cy="3765895"/>
-          </a:xfrm>
-          <a:prstGeom prst="rect">
-            <a:avLst/>
-          </a:prstGeom>
-        </p:spPr>
-      </p:pic>
+      <p:sp>
+        <p:nvSpPr>
+          <p:cNvPr id="3" name="內容版面配置區 2"/>
+          <p:cNvSpPr>
+            <a:spLocks noGrp="1"/>
+          </p:cNvSpPr>
+          <p:nvPr>
+            <p:ph idx="1"/>
+          </p:nvPr>
+        </p:nvSpPr>
+        <p:spPr/>
+        <p:txBody>
+          <a:bodyPr>
+            <a:normAutofit/>
+          </a:bodyPr>
+          <a:lstStyle/>
+          <a:p>
+            <a:r>
+              <a:rPr lang="zh-TW" altLang="en-US" dirty="0"/>
+              <a:t>點擊表單的 </a:t>
+            </a:r>
+            <a:r>
+              <a:rPr lang="en-US" altLang="zh-TW" dirty="0"/>
+              <a:t>”</a:t>
+            </a:r>
+            <a:r>
+              <a:rPr lang="zh-TW" altLang="en-US" dirty="0"/>
+              <a:t>編輯</a:t>
+            </a:r>
+            <a:r>
+              <a:rPr lang="en-US" altLang="zh-TW" dirty="0"/>
+              <a:t>“</a:t>
+            </a:r>
+            <a:r>
+              <a:rPr lang="zh-TW" altLang="en-US" dirty="0"/>
+              <a:t> 按鈕 </a:t>
+            </a:r>
+            <a:r>
+              <a:rPr lang="en-US" altLang="zh-TW" dirty="0"/>
+              <a:t>, </a:t>
+            </a:r>
+            <a:r>
+              <a:rPr lang="zh-TW" altLang="en-US" dirty="0"/>
+              <a:t>可對棧板內的個別紙箱進行</a:t>
+            </a:r>
+            <a:r>
+              <a:rPr lang="zh-TW" altLang="en-US" dirty="0" smtClean="0"/>
+              <a:t>操作</a:t>
+            </a:r>
+            <a:endParaRPr lang="en-US" altLang="zh-TW" dirty="0" smtClean="0"/>
+          </a:p>
+          <a:p>
+            <a:r>
+              <a:rPr lang="zh-TW" altLang="en-US" dirty="0" smtClean="0"/>
+              <a:t>點</a:t>
+            </a:r>
+            <a:r>
+              <a:rPr lang="zh-TW" altLang="en-US" dirty="0" smtClean="0"/>
+              <a:t>擊</a:t>
+            </a:r>
+            <a:r>
+              <a:rPr lang="en-US" altLang="zh-TW" dirty="0" smtClean="0"/>
+              <a:t>”</a:t>
+            </a:r>
+            <a:r>
+              <a:rPr lang="zh-TW" altLang="en-US" dirty="0"/>
+              <a:t>設備轉移</a:t>
+            </a:r>
+            <a:r>
+              <a:rPr lang="en-US" altLang="zh-TW" dirty="0" smtClean="0"/>
+              <a:t>”</a:t>
+            </a:r>
+            <a:r>
+              <a:rPr lang="zh-TW" altLang="en-US" dirty="0" smtClean="0"/>
+              <a:t>按鈕後 </a:t>
+            </a:r>
+            <a:r>
+              <a:rPr lang="en-US" altLang="zh-TW" dirty="0" smtClean="0"/>
+              <a:t>, </a:t>
+            </a:r>
+            <a:r>
+              <a:rPr lang="zh-TW" altLang="en-US" dirty="0" smtClean="0"/>
+              <a:t>會跳出可以選擇轉移的棧板 </a:t>
+            </a:r>
+            <a:r>
+              <a:rPr lang="en-US" altLang="zh-TW" dirty="0" smtClean="0"/>
+              <a:t>(</a:t>
+            </a:r>
+            <a:r>
+              <a:rPr lang="zh-TW" altLang="en-US" dirty="0" smtClean="0"/>
+              <a:t>單選</a:t>
+            </a:r>
+            <a:r>
+              <a:rPr lang="en-US" altLang="zh-TW" dirty="0" smtClean="0"/>
+              <a:t>)</a:t>
+            </a:r>
+          </a:p>
+          <a:p>
+            <a:pPr marL="228600" lvl="1">
+              <a:spcBef>
+                <a:spcPts val="1000"/>
+              </a:spcBef>
+            </a:pPr>
+            <a:r>
+              <a:rPr lang="zh-TW" altLang="en-US" dirty="0" smtClean="0"/>
+              <a:t>使用條碼機掃描棧板條碼</a:t>
+            </a:r>
+            <a:r>
+              <a:rPr lang="en-US" altLang="zh-TW" dirty="0" smtClean="0"/>
+              <a:t>, </a:t>
+            </a:r>
+            <a:r>
+              <a:rPr lang="zh-TW" altLang="en-US" dirty="0" smtClean="0"/>
+              <a:t>可快速找到要進行操作的棧板 或 手動點選 </a:t>
+            </a:r>
+            <a:endParaRPr lang="en-US" altLang="zh-TW" dirty="0" smtClean="0"/>
+          </a:p>
+          <a:p>
+            <a:r>
+              <a:rPr lang="zh-TW" altLang="en-US" dirty="0" smtClean="0"/>
+              <a:t>完成送出後即進行</a:t>
+            </a:r>
+            <a:endParaRPr lang="en-US" altLang="zh-TW" dirty="0" smtClean="0"/>
+          </a:p>
+          <a:p>
+            <a:pPr lvl="1"/>
+            <a:r>
+              <a:rPr lang="zh-TW" altLang="en-US" dirty="0" smtClean="0"/>
+              <a:t>該棧板內的所有紙箱內容轉移至選擇的棧板 </a:t>
+            </a:r>
+            <a:endParaRPr lang="en-US" altLang="zh-TW" dirty="0" smtClean="0"/>
+          </a:p>
+          <a:p>
+            <a:endParaRPr lang="en-US" altLang="zh-TW" dirty="0" smtClean="0"/>
+          </a:p>
+          <a:p>
+            <a:pPr lvl="1"/>
+            <a:endParaRPr lang="zh-TW" altLang="en-US" dirty="0"/>
+          </a:p>
+        </p:txBody>
+      </p:sp>
     </p:spTree>
     <p:extLst>
       <p:ext uri="{BB962C8B-B14F-4D97-AF65-F5344CB8AC3E}">
-        <p14:creationId xmlns:p14="http://schemas.microsoft.com/office/powerpoint/2010/main" val="3528428118"/>
+        <p14:creationId xmlns:p14="http://schemas.microsoft.com/office/powerpoint/2010/main" val="2365115347"/>
       </p:ext>
     </p:extLst>
   </p:cSld>
@@ -7414,7 +7437,7 @@
       </p:grpSpPr>
       <p:sp>
         <p:nvSpPr>
-          <p:cNvPr id="2" name="標題 1"/>
+          <p:cNvPr id="6" name="標題 1"/>
           <p:cNvSpPr>
             <a:spLocks noGrp="1"/>
           </p:cNvSpPr>
@@ -7428,47 +7451,370 @@
           <a:lstStyle/>
           <a:p>
             <a:r>
-              <a:rPr lang="zh-TW" altLang="en-US" dirty="0" smtClean="0"/>
-              <a:t>已出貨清單</a:t>
+              <a:rPr lang="en-US" altLang="zh-TW" dirty="0" smtClean="0"/>
+              <a:t>ACI</a:t>
+            </a:r>
+            <a:r>
+              <a:rPr lang="zh-TW" altLang="en-US" dirty="0" smtClean="0"/>
+              <a:t> </a:t>
+            </a:r>
+            <a:r>
+              <a:rPr lang="en-US" altLang="zh-TW" dirty="0" smtClean="0"/>
+              <a:t>-</a:t>
+            </a:r>
+            <a:r>
+              <a:rPr lang="zh-TW" altLang="en-US" dirty="0" smtClean="0"/>
+              <a:t> 設備轉移</a:t>
             </a:r>
             <a:endParaRPr lang="zh-TW" altLang="en-US" dirty="0"/>
           </a:p>
         </p:txBody>
       </p:sp>
-      <p:sp>
-        <p:nvSpPr>
-          <p:cNvPr id="3" name="內容版面配置區 2"/>
-          <p:cNvSpPr>
-            <a:spLocks noGrp="1"/>
-          </p:cNvSpPr>
-          <p:nvPr>
-            <p:ph idx="1"/>
-          </p:nvPr>
-        </p:nvSpPr>
-        <p:spPr/>
-        <p:txBody>
-          <a:bodyPr/>
-          <a:lstStyle/>
-          <a:p>
-            <a:r>
-              <a:rPr lang="zh-TW" altLang="en-US" dirty="0" smtClean="0"/>
-              <a:t>表列已出貨的明細</a:t>
-            </a:r>
-            <a:endParaRPr lang="en-US" altLang="zh-TW" dirty="0" smtClean="0"/>
-          </a:p>
-          <a:p>
-            <a:r>
-              <a:rPr lang="zh-TW" altLang="en-US" dirty="0" smtClean="0"/>
-              <a:t>可用依照出貨時間日期做查詢</a:t>
-            </a:r>
-            <a:endParaRPr lang="zh-TW" altLang="en-US" dirty="0"/>
+      <p:pic>
+        <p:nvPicPr>
+          <p:cNvPr id="8" name="內容版面配置區 3"/>
+          <p:cNvPicPr>
+            <a:picLocks noChangeAspect="1"/>
+          </p:cNvPicPr>
+          <p:nvPr/>
+        </p:nvPicPr>
+        <p:blipFill>
+          <a:blip r:embed="rId2"/>
+          <a:stretch>
+            <a:fillRect/>
+          </a:stretch>
+        </p:blipFill>
+        <p:spPr>
+          <a:xfrm>
+            <a:off x="219044" y="2727896"/>
+            <a:ext cx="3956283" cy="2810383"/>
+          </a:xfrm>
+          <a:prstGeom prst="rect">
+            <a:avLst/>
+          </a:prstGeom>
+        </p:spPr>
+      </p:pic>
+      <p:pic>
+        <p:nvPicPr>
+          <p:cNvPr id="9" name="圖片 8"/>
+          <p:cNvPicPr>
+            <a:picLocks noChangeAspect="1"/>
+          </p:cNvPicPr>
+          <p:nvPr/>
+        </p:nvPicPr>
+        <p:blipFill>
+          <a:blip r:embed="rId3"/>
+          <a:stretch>
+            <a:fillRect/>
+          </a:stretch>
+        </p:blipFill>
+        <p:spPr>
+          <a:xfrm>
+            <a:off x="4822630" y="1411702"/>
+            <a:ext cx="7369370" cy="1779078"/>
+          </a:xfrm>
+          <a:prstGeom prst="rect">
+            <a:avLst/>
+          </a:prstGeom>
+        </p:spPr>
+      </p:pic>
+      <p:pic>
+        <p:nvPicPr>
+          <p:cNvPr id="10" name="圖片 9"/>
+          <p:cNvPicPr>
+            <a:picLocks noChangeAspect="1"/>
+          </p:cNvPicPr>
+          <p:nvPr/>
+        </p:nvPicPr>
+        <p:blipFill>
+          <a:blip r:embed="rId4"/>
+          <a:stretch>
+            <a:fillRect/>
+          </a:stretch>
+        </p:blipFill>
+        <p:spPr>
+          <a:xfrm>
+            <a:off x="4960670" y="5075396"/>
+            <a:ext cx="7093290" cy="1699355"/>
+          </a:xfrm>
+          <a:prstGeom prst="rect">
+            <a:avLst/>
+          </a:prstGeom>
+        </p:spPr>
+      </p:pic>
+      <p:cxnSp>
+        <p:nvCxnSpPr>
+          <p:cNvPr id="11" name="直線單箭頭接點 10"/>
+          <p:cNvCxnSpPr/>
+          <p:nvPr/>
+        </p:nvCxnSpPr>
+        <p:spPr>
+          <a:xfrm flipH="1">
+            <a:off x="4175327" y="2559843"/>
+            <a:ext cx="647303" cy="731997"/>
+          </a:xfrm>
+          <a:prstGeom prst="straightConnector1">
+            <a:avLst/>
+          </a:prstGeom>
+          <a:ln>
+            <a:solidFill>
+              <a:srgbClr val="FF0000"/>
+            </a:solidFill>
+            <a:tailEnd type="triangle"/>
+          </a:ln>
+        </p:spPr>
+        <p:style>
+          <a:lnRef idx="1">
+            <a:schemeClr val="accent1"/>
+          </a:lnRef>
+          <a:fillRef idx="0">
+            <a:schemeClr val="accent1"/>
+          </a:fillRef>
+          <a:effectRef idx="0">
+            <a:schemeClr val="accent1"/>
+          </a:effectRef>
+          <a:fontRef idx="minor">
+            <a:schemeClr val="tx1"/>
+          </a:fontRef>
+        </p:style>
+      </p:cxnSp>
+      <p:cxnSp>
+        <p:nvCxnSpPr>
+          <p:cNvPr id="12" name="直線單箭頭接點 11"/>
+          <p:cNvCxnSpPr/>
+          <p:nvPr/>
+        </p:nvCxnSpPr>
+        <p:spPr>
+          <a:xfrm>
+            <a:off x="4175327" y="4443984"/>
+            <a:ext cx="1176081" cy="631412"/>
+          </a:xfrm>
+          <a:prstGeom prst="straightConnector1">
+            <a:avLst/>
+          </a:prstGeom>
+          <a:ln>
+            <a:solidFill>
+              <a:srgbClr val="FF0000"/>
+            </a:solidFill>
+            <a:tailEnd type="triangle"/>
+          </a:ln>
+        </p:spPr>
+        <p:style>
+          <a:lnRef idx="1">
+            <a:schemeClr val="accent1"/>
+          </a:lnRef>
+          <a:fillRef idx="0">
+            <a:schemeClr val="accent1"/>
+          </a:fillRef>
+          <a:effectRef idx="0">
+            <a:schemeClr val="accent1"/>
+          </a:effectRef>
+          <a:fontRef idx="minor">
+            <a:schemeClr val="tx1"/>
+          </a:fontRef>
+        </p:style>
+      </p:cxnSp>
+      <p:sp>
+        <p:nvSpPr>
+          <p:cNvPr id="13" name="矩形 12"/>
+          <p:cNvSpPr/>
+          <p:nvPr/>
+        </p:nvSpPr>
+        <p:spPr>
+          <a:xfrm>
+            <a:off x="4960670" y="1527048"/>
+            <a:ext cx="7231330" cy="1764792"/>
+          </a:xfrm>
+          <a:prstGeom prst="rect">
+            <a:avLst/>
+          </a:prstGeom>
+          <a:noFill/>
+        </p:spPr>
+        <p:style>
+          <a:lnRef idx="2">
+            <a:schemeClr val="accent1">
+              <a:shade val="50000"/>
+            </a:schemeClr>
+          </a:lnRef>
+          <a:fillRef idx="1">
+            <a:schemeClr val="accent1"/>
+          </a:fillRef>
+          <a:effectRef idx="0">
+            <a:schemeClr val="accent1"/>
+          </a:effectRef>
+          <a:fontRef idx="minor">
+            <a:schemeClr val="lt1"/>
+          </a:fontRef>
+        </p:style>
+        <p:txBody>
+          <a:bodyPr rtlCol="0" anchor="ctr"/>
+          <a:lstStyle/>
+          <a:p>
+            <a:pPr algn="ctr"/>
+            <a:endParaRPr lang="zh-TW" altLang="en-US"/>
+          </a:p>
+        </p:txBody>
+      </p:sp>
+      <p:sp>
+        <p:nvSpPr>
+          <p:cNvPr id="14" name="矩形 13"/>
+          <p:cNvSpPr/>
+          <p:nvPr/>
+        </p:nvSpPr>
+        <p:spPr>
+          <a:xfrm>
+            <a:off x="4960670" y="5202936"/>
+            <a:ext cx="7157298" cy="1655064"/>
+          </a:xfrm>
+          <a:prstGeom prst="rect">
+            <a:avLst/>
+          </a:prstGeom>
+          <a:noFill/>
+        </p:spPr>
+        <p:style>
+          <a:lnRef idx="2">
+            <a:schemeClr val="accent1">
+              <a:shade val="50000"/>
+            </a:schemeClr>
+          </a:lnRef>
+          <a:fillRef idx="1">
+            <a:schemeClr val="accent1"/>
+          </a:fillRef>
+          <a:effectRef idx="0">
+            <a:schemeClr val="accent1"/>
+          </a:effectRef>
+          <a:fontRef idx="minor">
+            <a:schemeClr val="lt1"/>
+          </a:fontRef>
+        </p:style>
+        <p:txBody>
+          <a:bodyPr rtlCol="0" anchor="ctr"/>
+          <a:lstStyle/>
+          <a:p>
+            <a:pPr algn="ctr"/>
+            <a:endParaRPr lang="zh-TW" altLang="en-US"/>
+          </a:p>
+        </p:txBody>
+      </p:sp>
+      <p:sp>
+        <p:nvSpPr>
+          <p:cNvPr id="3" name="橢圓 2"/>
+          <p:cNvSpPr/>
+          <p:nvPr/>
+        </p:nvSpPr>
+        <p:spPr>
+          <a:xfrm>
+            <a:off x="9518904" y="1407699"/>
+            <a:ext cx="594360" cy="1844280"/>
+          </a:xfrm>
+          <a:prstGeom prst="ellipse">
+            <a:avLst/>
+          </a:prstGeom>
+          <a:noFill/>
+        </p:spPr>
+        <p:style>
+          <a:lnRef idx="2">
+            <a:schemeClr val="accent1">
+              <a:shade val="50000"/>
+            </a:schemeClr>
+          </a:lnRef>
+          <a:fillRef idx="1">
+            <a:schemeClr val="accent1"/>
+          </a:fillRef>
+          <a:effectRef idx="0">
+            <a:schemeClr val="accent1"/>
+          </a:effectRef>
+          <a:fontRef idx="minor">
+            <a:schemeClr val="lt1"/>
+          </a:fontRef>
+        </p:style>
+        <p:txBody>
+          <a:bodyPr rtlCol="0" anchor="ctr"/>
+          <a:lstStyle/>
+          <a:p>
+            <a:pPr algn="ctr"/>
+            <a:endParaRPr lang="zh-TW" altLang="en-US"/>
+          </a:p>
+        </p:txBody>
+      </p:sp>
+      <p:cxnSp>
+        <p:nvCxnSpPr>
+          <p:cNvPr id="5" name="直線單箭頭接點 4"/>
+          <p:cNvCxnSpPr/>
+          <p:nvPr/>
+        </p:nvCxnSpPr>
+        <p:spPr>
+          <a:xfrm>
+            <a:off x="9884664" y="3364992"/>
+            <a:ext cx="0" cy="1609344"/>
+          </a:xfrm>
+          <a:prstGeom prst="straightConnector1">
+            <a:avLst/>
+          </a:prstGeom>
+          <a:ln>
+            <a:tailEnd type="triangle"/>
+          </a:ln>
+        </p:spPr>
+        <p:style>
+          <a:lnRef idx="1">
+            <a:schemeClr val="accent1"/>
+          </a:lnRef>
+          <a:fillRef idx="0">
+            <a:schemeClr val="accent1"/>
+          </a:fillRef>
+          <a:effectRef idx="0">
+            <a:schemeClr val="accent1"/>
+          </a:effectRef>
+          <a:fontRef idx="minor">
+            <a:schemeClr val="tx1"/>
+          </a:fontRef>
+        </p:style>
+      </p:cxnSp>
+      <p:sp>
+        <p:nvSpPr>
+          <p:cNvPr id="7" name="橢圓 6"/>
+          <p:cNvSpPr/>
+          <p:nvPr/>
+        </p:nvSpPr>
+        <p:spPr>
+          <a:xfrm>
+            <a:off x="9518904" y="5202936"/>
+            <a:ext cx="594360" cy="1571815"/>
+          </a:xfrm>
+          <a:prstGeom prst="ellipse">
+            <a:avLst/>
+          </a:prstGeom>
+          <a:noFill/>
+        </p:spPr>
+        <p:style>
+          <a:lnRef idx="2">
+            <a:schemeClr val="accent1">
+              <a:shade val="50000"/>
+            </a:schemeClr>
+          </a:lnRef>
+          <a:fillRef idx="1">
+            <a:schemeClr val="accent1"/>
+          </a:fillRef>
+          <a:effectRef idx="0">
+            <a:schemeClr val="accent1"/>
+          </a:effectRef>
+          <a:fontRef idx="minor">
+            <a:schemeClr val="lt1"/>
+          </a:fontRef>
+        </p:style>
+        <p:txBody>
+          <a:bodyPr rtlCol="0" anchor="ctr"/>
+          <a:lstStyle/>
+          <a:p>
+            <a:pPr algn="ctr"/>
+            <a:endParaRPr lang="zh-TW" altLang="en-US"/>
           </a:p>
         </p:txBody>
       </p:sp>
     </p:spTree>
     <p:extLst>
       <p:ext uri="{BB962C8B-B14F-4D97-AF65-F5344CB8AC3E}">
-        <p14:creationId xmlns:p14="http://schemas.microsoft.com/office/powerpoint/2010/main" val="493762141"/>
+        <p14:creationId xmlns:p14="http://schemas.microsoft.com/office/powerpoint/2010/main" val="3565934652"/>
       </p:ext>
     </p:extLst>
   </p:cSld>
@@ -7518,43 +7864,105 @@
           <a:lstStyle/>
           <a:p>
             <a:r>
-              <a:rPr lang="zh-TW" altLang="en-US" dirty="0" smtClean="0"/>
-              <a:t>已出貨清單</a:t>
+              <a:rPr lang="en-US" altLang="zh-TW" dirty="0" smtClean="0"/>
+              <a:t>ACI</a:t>
+            </a:r>
+            <a:r>
+              <a:rPr lang="zh-TW" altLang="en-US" dirty="0" smtClean="0"/>
+              <a:t> </a:t>
+            </a:r>
+            <a:r>
+              <a:rPr lang="en-US" altLang="zh-TW" dirty="0" smtClean="0"/>
+              <a:t>-</a:t>
+            </a:r>
+            <a:r>
+              <a:rPr lang="zh-TW" altLang="en-US" dirty="0" smtClean="0"/>
+              <a:t> 已出貨歷史清單</a:t>
             </a:r>
             <a:endParaRPr lang="zh-TW" altLang="en-US" dirty="0"/>
           </a:p>
         </p:txBody>
       </p:sp>
-      <p:pic>
-        <p:nvPicPr>
-          <p:cNvPr id="4" name="內容版面配置區 3"/>
-          <p:cNvPicPr>
-            <a:picLocks noGrp="1" noChangeAspect="1"/>
-          </p:cNvPicPr>
+      <p:sp>
+        <p:nvSpPr>
+          <p:cNvPr id="3" name="內容版面配置區 2"/>
+          <p:cNvSpPr>
+            <a:spLocks noGrp="1"/>
+          </p:cNvSpPr>
           <p:nvPr>
             <p:ph idx="1"/>
           </p:nvPr>
-        </p:nvPicPr>
-        <p:blipFill>
-          <a:blip r:embed="rId2"/>
-          <a:stretch>
-            <a:fillRect/>
-          </a:stretch>
-        </p:blipFill>
-        <p:spPr>
-          <a:xfrm>
-            <a:off x="512124" y="2212848"/>
-            <a:ext cx="11167752" cy="2878449"/>
-          </a:xfrm>
-          <a:prstGeom prst="rect">
-            <a:avLst/>
-          </a:prstGeom>
-        </p:spPr>
-      </p:pic>
+        </p:nvSpPr>
+        <p:spPr/>
+        <p:txBody>
+          <a:bodyPr/>
+          <a:lstStyle/>
+          <a:p>
+            <a:r>
+              <a:rPr lang="zh-TW" altLang="en-US" dirty="0" smtClean="0"/>
+              <a:t>表列已出貨的明細</a:t>
+            </a:r>
+            <a:endParaRPr lang="en-US" altLang="zh-TW" dirty="0" smtClean="0"/>
+          </a:p>
+          <a:p>
+            <a:r>
+              <a:rPr lang="zh-TW" altLang="en-US" dirty="0" smtClean="0"/>
+              <a:t>可用依照出貨時間日期做</a:t>
+            </a:r>
+            <a:r>
+              <a:rPr lang="zh-TW" altLang="en-US" dirty="0" smtClean="0"/>
+              <a:t>查詢 </a:t>
+            </a:r>
+            <a:r>
+              <a:rPr lang="en-US" altLang="zh-TW" dirty="0" smtClean="0"/>
+              <a:t>(</a:t>
+            </a:r>
+            <a:r>
+              <a:rPr lang="zh-TW" altLang="en-US" dirty="0" smtClean="0"/>
+              <a:t>預設全部顯示</a:t>
+            </a:r>
+            <a:r>
+              <a:rPr lang="en-US" altLang="zh-TW" dirty="0" smtClean="0"/>
+              <a:t>)</a:t>
+            </a:r>
+          </a:p>
+          <a:p>
+            <a:r>
+              <a:rPr lang="zh-TW" altLang="en-US" dirty="0" smtClean="0"/>
+              <a:t>可依照條件 </a:t>
+            </a:r>
+            <a:r>
+              <a:rPr lang="en-US" altLang="zh-TW" dirty="0" smtClean="0"/>
+              <a:t>, </a:t>
+            </a:r>
+            <a:r>
+              <a:rPr lang="zh-TW" altLang="en-US" dirty="0" smtClean="0"/>
+              <a:t>下載</a:t>
+            </a:r>
+            <a:r>
+              <a:rPr lang="zh-TW" altLang="en-US" dirty="0"/>
+              <a:t>所</a:t>
+            </a:r>
+            <a:r>
+              <a:rPr lang="zh-TW" altLang="en-US" dirty="0" smtClean="0"/>
+              <a:t>需要的出貨</a:t>
+            </a:r>
+            <a:r>
+              <a:rPr lang="en-US" altLang="zh-TW" dirty="0" smtClean="0"/>
+              <a:t>excel</a:t>
+            </a:r>
+            <a:r>
+              <a:rPr lang="zh-TW" altLang="en-US" dirty="0" smtClean="0"/>
+              <a:t>檔案</a:t>
+            </a:r>
+            <a:endParaRPr lang="zh-TW" altLang="en-US" dirty="0"/>
+          </a:p>
+        </p:txBody>
+      </p:sp>
     </p:spTree>
     <p:extLst>
       <p:ext uri="{BB962C8B-B14F-4D97-AF65-F5344CB8AC3E}">
-        <p14:creationId xmlns:p14="http://schemas.microsoft.com/office/powerpoint/2010/main" val="997669727"/>
+        <p14:creationId xmlns:p14="http://schemas.microsoft.com/office/powerpoint/2010/main" val="493762141"/>
       </p:ext>
     </p:extLst>
   </p:cSld>
@@ -7776,6 +8184,719 @@
 </p:sld>
 </file>
 
+<file path=ppt/slides/slide30.xml><?xml version="1.0" encoding="utf-8"?>
+<p:sld xmlns:a="http://schemas.openxmlformats.org/drawingml/2006/main" xmlns:r="http://schemas.openxmlformats.org/officeDocument/2006/relationships" xmlns:p="http://schemas.openxmlformats.org/presentationml/2006/main">
+  <p:cSld>
+    <p:spTree>
+      <p:nvGrpSpPr>
+        <p:cNvPr id="1" name=""/>
+        <p:cNvGrpSpPr/>
+        <p:nvPr/>
+      </p:nvGrpSpPr>
+      <p:grpSpPr>
+        <a:xfrm>
+          <a:off x="0" y="0"/>
+          <a:ext cx="0" cy="0"/>
+          <a:chOff x="0" y="0"/>
+          <a:chExt cx="0" cy="0"/>
+        </a:xfrm>
+      </p:grpSpPr>
+      <p:sp>
+        <p:nvSpPr>
+          <p:cNvPr id="2" name="標題 1"/>
+          <p:cNvSpPr>
+            <a:spLocks noGrp="1"/>
+          </p:cNvSpPr>
+          <p:nvPr>
+            <p:ph type="title"/>
+          </p:nvPr>
+        </p:nvSpPr>
+        <p:spPr/>
+        <p:txBody>
+          <a:bodyPr/>
+          <a:lstStyle/>
+          <a:p>
+            <a:r>
+              <a:rPr lang="en-US" altLang="zh-TW" dirty="0"/>
+              <a:t>ACI</a:t>
+            </a:r>
+            <a:r>
+              <a:rPr lang="zh-TW" altLang="en-US" dirty="0"/>
+              <a:t> </a:t>
+            </a:r>
+            <a:r>
+              <a:rPr lang="en-US" altLang="zh-TW" dirty="0"/>
+              <a:t>-</a:t>
+            </a:r>
+            <a:r>
+              <a:rPr lang="zh-TW" altLang="en-US" dirty="0"/>
+              <a:t> 已出貨歷史清單</a:t>
+            </a:r>
+            <a:endParaRPr lang="zh-TW" altLang="en-US" dirty="0"/>
+          </a:p>
+        </p:txBody>
+      </p:sp>
+      <p:pic>
+        <p:nvPicPr>
+          <p:cNvPr id="5" name="圖片 4"/>
+          <p:cNvPicPr>
+            <a:picLocks noChangeAspect="1"/>
+          </p:cNvPicPr>
+          <p:nvPr/>
+        </p:nvPicPr>
+        <p:blipFill>
+          <a:blip r:embed="rId2"/>
+          <a:stretch>
+            <a:fillRect/>
+          </a:stretch>
+        </p:blipFill>
+        <p:spPr>
+          <a:xfrm>
+            <a:off x="132183" y="1690688"/>
+            <a:ext cx="5125617" cy="5091255"/>
+          </a:xfrm>
+          <a:prstGeom prst="rect">
+            <a:avLst/>
+          </a:prstGeom>
+        </p:spPr>
+      </p:pic>
+      <p:pic>
+        <p:nvPicPr>
+          <p:cNvPr id="6" name="圖片 5"/>
+          <p:cNvPicPr>
+            <a:picLocks noChangeAspect="1"/>
+          </p:cNvPicPr>
+          <p:nvPr/>
+        </p:nvPicPr>
+        <p:blipFill>
+          <a:blip r:embed="rId3"/>
+          <a:stretch>
+            <a:fillRect/>
+          </a:stretch>
+        </p:blipFill>
+        <p:spPr>
+          <a:xfrm>
+            <a:off x="5484068" y="1993392"/>
+            <a:ext cx="6461044" cy="3880782"/>
+          </a:xfrm>
+          <a:prstGeom prst="rect">
+            <a:avLst/>
+          </a:prstGeom>
+        </p:spPr>
+      </p:pic>
+      <p:sp>
+        <p:nvSpPr>
+          <p:cNvPr id="7" name="橢圓 6"/>
+          <p:cNvSpPr/>
+          <p:nvPr/>
+        </p:nvSpPr>
+        <p:spPr>
+          <a:xfrm>
+            <a:off x="1837944" y="3410712"/>
+            <a:ext cx="1060704" cy="649224"/>
+          </a:xfrm>
+          <a:prstGeom prst="ellipse">
+            <a:avLst/>
+          </a:prstGeom>
+          <a:noFill/>
+          <a:ln>
+            <a:solidFill>
+              <a:srgbClr val="FF0000"/>
+            </a:solidFill>
+          </a:ln>
+        </p:spPr>
+        <p:style>
+          <a:lnRef idx="2">
+            <a:schemeClr val="accent1">
+              <a:shade val="50000"/>
+            </a:schemeClr>
+          </a:lnRef>
+          <a:fillRef idx="1">
+            <a:schemeClr val="accent1"/>
+          </a:fillRef>
+          <a:effectRef idx="0">
+            <a:schemeClr val="accent1"/>
+          </a:effectRef>
+          <a:fontRef idx="minor">
+            <a:schemeClr val="lt1"/>
+          </a:fontRef>
+        </p:style>
+        <p:txBody>
+          <a:bodyPr rtlCol="0" anchor="ctr"/>
+          <a:lstStyle/>
+          <a:p>
+            <a:pPr algn="ctr"/>
+            <a:endParaRPr lang="zh-TW" altLang="en-US"/>
+          </a:p>
+        </p:txBody>
+      </p:sp>
+      <p:sp>
+        <p:nvSpPr>
+          <p:cNvPr id="8" name="橢圓 7"/>
+          <p:cNvSpPr/>
+          <p:nvPr/>
+        </p:nvSpPr>
+        <p:spPr>
+          <a:xfrm>
+            <a:off x="1634286" y="4236315"/>
+            <a:ext cx="1456385" cy="649224"/>
+          </a:xfrm>
+          <a:prstGeom prst="ellipse">
+            <a:avLst/>
+          </a:prstGeom>
+          <a:noFill/>
+          <a:ln>
+            <a:solidFill>
+              <a:srgbClr val="FF0000"/>
+            </a:solidFill>
+          </a:ln>
+        </p:spPr>
+        <p:style>
+          <a:lnRef idx="2">
+            <a:schemeClr val="accent1">
+              <a:shade val="50000"/>
+            </a:schemeClr>
+          </a:lnRef>
+          <a:fillRef idx="1">
+            <a:schemeClr val="accent1"/>
+          </a:fillRef>
+          <a:effectRef idx="0">
+            <a:schemeClr val="accent1"/>
+          </a:effectRef>
+          <a:fontRef idx="minor">
+            <a:schemeClr val="lt1"/>
+          </a:fontRef>
+        </p:style>
+        <p:txBody>
+          <a:bodyPr rtlCol="0" anchor="ctr"/>
+          <a:lstStyle/>
+          <a:p>
+            <a:pPr algn="ctr"/>
+            <a:endParaRPr lang="zh-TW" altLang="en-US"/>
+          </a:p>
+        </p:txBody>
+      </p:sp>
+      <p:sp>
+        <p:nvSpPr>
+          <p:cNvPr id="9" name="橢圓 8"/>
+          <p:cNvSpPr/>
+          <p:nvPr/>
+        </p:nvSpPr>
+        <p:spPr>
+          <a:xfrm>
+            <a:off x="10579608" y="3067812"/>
+            <a:ext cx="1612392" cy="649224"/>
+          </a:xfrm>
+          <a:prstGeom prst="ellipse">
+            <a:avLst/>
+          </a:prstGeom>
+          <a:noFill/>
+          <a:ln>
+            <a:solidFill>
+              <a:srgbClr val="FF0000"/>
+            </a:solidFill>
+          </a:ln>
+        </p:spPr>
+        <p:style>
+          <a:lnRef idx="2">
+            <a:schemeClr val="accent1">
+              <a:shade val="50000"/>
+            </a:schemeClr>
+          </a:lnRef>
+          <a:fillRef idx="1">
+            <a:schemeClr val="accent1"/>
+          </a:fillRef>
+          <a:effectRef idx="0">
+            <a:schemeClr val="accent1"/>
+          </a:effectRef>
+          <a:fontRef idx="minor">
+            <a:schemeClr val="lt1"/>
+          </a:fontRef>
+        </p:style>
+        <p:txBody>
+          <a:bodyPr rtlCol="0" anchor="ctr"/>
+          <a:lstStyle/>
+          <a:p>
+            <a:pPr algn="ctr"/>
+            <a:endParaRPr lang="zh-TW" altLang="en-US"/>
+          </a:p>
+        </p:txBody>
+      </p:sp>
+    </p:spTree>
+    <p:extLst>
+      <p:ext uri="{BB962C8B-B14F-4D97-AF65-F5344CB8AC3E}">
+        <p14:creationId xmlns:p14="http://schemas.microsoft.com/office/powerpoint/2010/main" val="997669727"/>
+      </p:ext>
+    </p:extLst>
+  </p:cSld>
+  <p:clrMapOvr>
+    <a:masterClrMapping/>
+  </p:clrMapOvr>
+  <p:timing>
+    <p:tnLst>
+      <p:par>
+        <p:cTn id="1" dur="indefinite" restart="never" nodeType="tmRoot"/>
+      </p:par>
+    </p:tnLst>
+  </p:timing>
+</p:sld>
+</file>
+
+<file path=ppt/slides/slide31.xml><?xml version="1.0" encoding="utf-8"?>
+<p:sld xmlns:a="http://schemas.openxmlformats.org/drawingml/2006/main" xmlns:r="http://schemas.openxmlformats.org/officeDocument/2006/relationships" xmlns:p="http://schemas.openxmlformats.org/presentationml/2006/main">
+  <p:cSld>
+    <p:spTree>
+      <p:nvGrpSpPr>
+        <p:cNvPr id="1" name=""/>
+        <p:cNvGrpSpPr/>
+        <p:nvPr/>
+      </p:nvGrpSpPr>
+      <p:grpSpPr>
+        <a:xfrm>
+          <a:off x="0" y="0"/>
+          <a:ext cx="0" cy="0"/>
+          <a:chOff x="0" y="0"/>
+          <a:chExt cx="0" cy="0"/>
+        </a:xfrm>
+      </p:grpSpPr>
+      <p:sp>
+        <p:nvSpPr>
+          <p:cNvPr id="2" name="標題 1"/>
+          <p:cNvSpPr>
+            <a:spLocks noGrp="1"/>
+          </p:cNvSpPr>
+          <p:nvPr>
+            <p:ph type="title"/>
+          </p:nvPr>
+        </p:nvSpPr>
+        <p:spPr/>
+        <p:txBody>
+          <a:bodyPr/>
+          <a:lstStyle/>
+          <a:p>
+            <a:r>
+              <a:rPr lang="en-US" altLang="zh-TW" dirty="0" smtClean="0"/>
+              <a:t>ACI-</a:t>
+            </a:r>
+            <a:r>
+              <a:rPr lang="zh-TW" altLang="en-US" dirty="0"/>
+              <a:t>入庫歷史</a:t>
+            </a:r>
+            <a:r>
+              <a:rPr lang="zh-TW" altLang="en-US" dirty="0" smtClean="0"/>
+              <a:t>清單</a:t>
+            </a:r>
+            <a:endParaRPr lang="zh-TW" altLang="en-US" dirty="0"/>
+          </a:p>
+        </p:txBody>
+      </p:sp>
+      <p:sp>
+        <p:nvSpPr>
+          <p:cNvPr id="3" name="內容版面配置區 2"/>
+          <p:cNvSpPr>
+            <a:spLocks noGrp="1"/>
+          </p:cNvSpPr>
+          <p:nvPr>
+            <p:ph idx="1"/>
+          </p:nvPr>
+        </p:nvSpPr>
+        <p:spPr>
+          <a:xfrm>
+            <a:off x="838200" y="1825625"/>
+            <a:ext cx="10515600" cy="752983"/>
+          </a:xfrm>
+        </p:spPr>
+        <p:txBody>
+          <a:bodyPr/>
+          <a:lstStyle/>
+          <a:p>
+            <a:r>
+              <a:rPr lang="zh-TW" altLang="en-US" dirty="0" smtClean="0"/>
+              <a:t>可查看每次入庫的棧板</a:t>
+            </a:r>
+            <a:r>
+              <a:rPr lang="en-US" altLang="zh-TW" dirty="0" smtClean="0"/>
+              <a:t>,</a:t>
+            </a:r>
+            <a:r>
+              <a:rPr lang="zh-TW" altLang="en-US" dirty="0" smtClean="0"/>
+              <a:t>時間資訊</a:t>
+            </a:r>
+            <a:endParaRPr lang="zh-TW" altLang="en-US" dirty="0"/>
+          </a:p>
+        </p:txBody>
+      </p:sp>
+    </p:spTree>
+    <p:extLst>
+      <p:ext uri="{BB962C8B-B14F-4D97-AF65-F5344CB8AC3E}">
+        <p14:creationId xmlns:p14="http://schemas.microsoft.com/office/powerpoint/2010/main" val="2538322340"/>
+      </p:ext>
+    </p:extLst>
+  </p:cSld>
+  <p:clrMapOvr>
+    <a:masterClrMapping/>
+  </p:clrMapOvr>
+  <p:timing>
+    <p:tnLst>
+      <p:par>
+        <p:cTn id="1" dur="indefinite" restart="never" nodeType="tmRoot"/>
+      </p:par>
+    </p:tnLst>
+  </p:timing>
+</p:sld>
+</file>
+
+<file path=ppt/slides/slide32.xml><?xml version="1.0" encoding="utf-8"?>
+<p:sld xmlns:a="http://schemas.openxmlformats.org/drawingml/2006/main" xmlns:r="http://schemas.openxmlformats.org/officeDocument/2006/relationships" xmlns:p="http://schemas.openxmlformats.org/presentationml/2006/main">
+  <p:cSld>
+    <p:spTree>
+      <p:nvGrpSpPr>
+        <p:cNvPr id="1" name=""/>
+        <p:cNvGrpSpPr/>
+        <p:nvPr/>
+      </p:nvGrpSpPr>
+      <p:grpSpPr>
+        <a:xfrm>
+          <a:off x="0" y="0"/>
+          <a:ext cx="0" cy="0"/>
+          <a:chOff x="0" y="0"/>
+          <a:chExt cx="0" cy="0"/>
+        </a:xfrm>
+      </p:grpSpPr>
+      <p:pic>
+        <p:nvPicPr>
+          <p:cNvPr id="4" name="圖片 3"/>
+          <p:cNvPicPr>
+            <a:picLocks noChangeAspect="1"/>
+          </p:cNvPicPr>
+          <p:nvPr/>
+        </p:nvPicPr>
+        <p:blipFill>
+          <a:blip r:embed="rId2"/>
+          <a:stretch>
+            <a:fillRect/>
+          </a:stretch>
+        </p:blipFill>
+        <p:spPr>
+          <a:xfrm>
+            <a:off x="-1" y="1271016"/>
+            <a:ext cx="5757515" cy="5779009"/>
+          </a:xfrm>
+          <a:prstGeom prst="rect">
+            <a:avLst/>
+          </a:prstGeom>
+        </p:spPr>
+      </p:pic>
+      <p:pic>
+        <p:nvPicPr>
+          <p:cNvPr id="6" name="圖片 5"/>
+          <p:cNvPicPr>
+            <a:picLocks noChangeAspect="1"/>
+          </p:cNvPicPr>
+          <p:nvPr/>
+        </p:nvPicPr>
+        <p:blipFill>
+          <a:blip r:embed="rId3"/>
+          <a:stretch>
+            <a:fillRect/>
+          </a:stretch>
+        </p:blipFill>
+        <p:spPr>
+          <a:xfrm>
+            <a:off x="5857523" y="274320"/>
+            <a:ext cx="6178365" cy="5623560"/>
+          </a:xfrm>
+          <a:prstGeom prst="rect">
+            <a:avLst/>
+          </a:prstGeom>
+        </p:spPr>
+      </p:pic>
+      <p:sp>
+        <p:nvSpPr>
+          <p:cNvPr id="7" name="橢圓 6"/>
+          <p:cNvSpPr/>
+          <p:nvPr/>
+        </p:nvSpPr>
+        <p:spPr>
+          <a:xfrm>
+            <a:off x="1060703" y="1901635"/>
+            <a:ext cx="1078992" cy="694944"/>
+          </a:xfrm>
+          <a:prstGeom prst="ellipse">
+            <a:avLst/>
+          </a:prstGeom>
+          <a:noFill/>
+          <a:ln>
+            <a:solidFill>
+              <a:srgbClr val="FF0000"/>
+            </a:solidFill>
+          </a:ln>
+        </p:spPr>
+        <p:style>
+          <a:lnRef idx="2">
+            <a:schemeClr val="accent1">
+              <a:shade val="50000"/>
+            </a:schemeClr>
+          </a:lnRef>
+          <a:fillRef idx="1">
+            <a:schemeClr val="accent1"/>
+          </a:fillRef>
+          <a:effectRef idx="0">
+            <a:schemeClr val="accent1"/>
+          </a:effectRef>
+          <a:fontRef idx="minor">
+            <a:schemeClr val="lt1"/>
+          </a:fontRef>
+        </p:style>
+        <p:txBody>
+          <a:bodyPr rtlCol="0" anchor="ctr"/>
+          <a:lstStyle/>
+          <a:p>
+            <a:pPr algn="ctr"/>
+            <a:endParaRPr lang="zh-TW" altLang="en-US"/>
+          </a:p>
+        </p:txBody>
+      </p:sp>
+      <p:sp>
+        <p:nvSpPr>
+          <p:cNvPr id="8" name="橢圓 7"/>
+          <p:cNvSpPr/>
+          <p:nvPr/>
+        </p:nvSpPr>
+        <p:spPr>
+          <a:xfrm>
+            <a:off x="1043572" y="3708210"/>
+            <a:ext cx="4696811" cy="2098548"/>
+          </a:xfrm>
+          <a:prstGeom prst="ellipse">
+            <a:avLst/>
+          </a:prstGeom>
+          <a:noFill/>
+          <a:ln>
+            <a:solidFill>
+              <a:srgbClr val="FF0000"/>
+            </a:solidFill>
+          </a:ln>
+        </p:spPr>
+        <p:style>
+          <a:lnRef idx="2">
+            <a:schemeClr val="accent1">
+              <a:shade val="50000"/>
+            </a:schemeClr>
+          </a:lnRef>
+          <a:fillRef idx="1">
+            <a:schemeClr val="accent1"/>
+          </a:fillRef>
+          <a:effectRef idx="0">
+            <a:schemeClr val="accent1"/>
+          </a:effectRef>
+          <a:fontRef idx="minor">
+            <a:schemeClr val="lt1"/>
+          </a:fontRef>
+        </p:style>
+        <p:txBody>
+          <a:bodyPr rtlCol="0" anchor="ctr"/>
+          <a:lstStyle/>
+          <a:p>
+            <a:pPr algn="ctr"/>
+            <a:endParaRPr lang="zh-TW" altLang="en-US"/>
+          </a:p>
+        </p:txBody>
+      </p:sp>
+      <p:sp>
+        <p:nvSpPr>
+          <p:cNvPr id="9" name="橢圓 8"/>
+          <p:cNvSpPr/>
+          <p:nvPr/>
+        </p:nvSpPr>
+        <p:spPr>
+          <a:xfrm>
+            <a:off x="8407209" y="923544"/>
+            <a:ext cx="1078992" cy="694944"/>
+          </a:xfrm>
+          <a:prstGeom prst="ellipse">
+            <a:avLst/>
+          </a:prstGeom>
+          <a:noFill/>
+          <a:ln>
+            <a:solidFill>
+              <a:srgbClr val="FF0000"/>
+            </a:solidFill>
+          </a:ln>
+        </p:spPr>
+        <p:style>
+          <a:lnRef idx="2">
+            <a:schemeClr val="accent1">
+              <a:shade val="50000"/>
+            </a:schemeClr>
+          </a:lnRef>
+          <a:fillRef idx="1">
+            <a:schemeClr val="accent1"/>
+          </a:fillRef>
+          <a:effectRef idx="0">
+            <a:schemeClr val="accent1"/>
+          </a:effectRef>
+          <a:fontRef idx="minor">
+            <a:schemeClr val="lt1"/>
+          </a:fontRef>
+        </p:style>
+        <p:txBody>
+          <a:bodyPr rtlCol="0" anchor="ctr"/>
+          <a:lstStyle/>
+          <a:p>
+            <a:pPr algn="ctr"/>
+            <a:endParaRPr lang="zh-TW" altLang="en-US"/>
+          </a:p>
+        </p:txBody>
+      </p:sp>
+      <p:sp>
+        <p:nvSpPr>
+          <p:cNvPr id="12" name="矩形 11"/>
+          <p:cNvSpPr/>
+          <p:nvPr/>
+        </p:nvSpPr>
+        <p:spPr>
+          <a:xfrm>
+            <a:off x="7507224" y="1792224"/>
+            <a:ext cx="4608576" cy="4023360"/>
+          </a:xfrm>
+          <a:prstGeom prst="rect">
+            <a:avLst/>
+          </a:prstGeom>
+          <a:noFill/>
+          <a:ln>
+            <a:solidFill>
+              <a:srgbClr val="FF0000"/>
+            </a:solidFill>
+          </a:ln>
+        </p:spPr>
+        <p:style>
+          <a:lnRef idx="2">
+            <a:schemeClr val="accent1">
+              <a:shade val="50000"/>
+            </a:schemeClr>
+          </a:lnRef>
+          <a:fillRef idx="1">
+            <a:schemeClr val="accent1"/>
+          </a:fillRef>
+          <a:effectRef idx="0">
+            <a:schemeClr val="accent1"/>
+          </a:effectRef>
+          <a:fontRef idx="minor">
+            <a:schemeClr val="lt1"/>
+          </a:fontRef>
+        </p:style>
+        <p:txBody>
+          <a:bodyPr rtlCol="0" anchor="ctr"/>
+          <a:lstStyle/>
+          <a:p>
+            <a:pPr algn="ctr"/>
+            <a:endParaRPr lang="zh-TW" altLang="en-US"/>
+          </a:p>
+        </p:txBody>
+      </p:sp>
+      <p:sp>
+        <p:nvSpPr>
+          <p:cNvPr id="13" name="標題 1"/>
+          <p:cNvSpPr>
+            <a:spLocks noGrp="1"/>
+          </p:cNvSpPr>
+          <p:nvPr>
+            <p:ph type="title"/>
+          </p:nvPr>
+        </p:nvSpPr>
+        <p:spPr>
+          <a:xfrm>
+            <a:off x="838200" y="365125"/>
+            <a:ext cx="10515600" cy="1325563"/>
+          </a:xfrm>
+        </p:spPr>
+        <p:txBody>
+          <a:bodyPr/>
+          <a:lstStyle/>
+          <a:p>
+            <a:r>
+              <a:rPr lang="en-US" altLang="zh-TW" dirty="0" smtClean="0"/>
+              <a:t>ACI-</a:t>
+            </a:r>
+            <a:r>
+              <a:rPr lang="zh-TW" altLang="en-US" dirty="0"/>
+              <a:t>入庫歷史</a:t>
+            </a:r>
+            <a:r>
+              <a:rPr lang="zh-TW" altLang="en-US" dirty="0" smtClean="0"/>
+              <a:t>清單</a:t>
+            </a:r>
+            <a:endParaRPr lang="zh-TW" altLang="en-US" dirty="0"/>
+          </a:p>
+        </p:txBody>
+      </p:sp>
+      <p:sp>
+        <p:nvSpPr>
+          <p:cNvPr id="14" name="橢圓 13"/>
+          <p:cNvSpPr/>
+          <p:nvPr/>
+        </p:nvSpPr>
+        <p:spPr>
+          <a:xfrm>
+            <a:off x="-73152" y="6391656"/>
+            <a:ext cx="1133855" cy="338328"/>
+          </a:xfrm>
+          <a:prstGeom prst="ellipse">
+            <a:avLst/>
+          </a:prstGeom>
+          <a:noFill/>
+          <a:ln>
+            <a:solidFill>
+              <a:srgbClr val="FF0000"/>
+            </a:solidFill>
+          </a:ln>
+        </p:spPr>
+        <p:style>
+          <a:lnRef idx="2">
+            <a:schemeClr val="accent1">
+              <a:shade val="50000"/>
+            </a:schemeClr>
+          </a:lnRef>
+          <a:fillRef idx="1">
+            <a:schemeClr val="accent1"/>
+          </a:fillRef>
+          <a:effectRef idx="0">
+            <a:schemeClr val="accent1"/>
+          </a:effectRef>
+          <a:fontRef idx="minor">
+            <a:schemeClr val="lt1"/>
+          </a:fontRef>
+        </p:style>
+        <p:txBody>
+          <a:bodyPr rtlCol="0" anchor="ctr"/>
+          <a:lstStyle/>
+          <a:p>
+            <a:pPr algn="ctr"/>
+            <a:endParaRPr lang="zh-TW" altLang="en-US"/>
+          </a:p>
+        </p:txBody>
+      </p:sp>
+    </p:spTree>
+    <p:extLst>
+      <p:ext uri="{BB962C8B-B14F-4D97-AF65-F5344CB8AC3E}">
+        <p14:creationId xmlns:p14="http://schemas.microsoft.com/office/powerpoint/2010/main" val="992479744"/>
+      </p:ext>
+    </p:extLst>
+  </p:cSld>
+  <p:clrMapOvr>
+    <a:masterClrMapping/>
+  </p:clrMapOvr>
+  <p:timing>
+    <p:tnLst>
+      <p:par>
+        <p:cTn id="1" dur="indefinite" restart="never" nodeType="tmRoot"/>
+      </p:par>
+    </p:tnLst>
+  </p:timing>
+</p:sld>
+</file>
+
 <file path=ppt/slides/slide4.xml><?xml version="1.0" encoding="utf-8"?>
 <p:sld xmlns:a="http://schemas.openxmlformats.org/drawingml/2006/main" xmlns:r="http://schemas.openxmlformats.org/officeDocument/2006/relationships" xmlns:p="http://schemas.openxmlformats.org/presentationml/2006/main">
   <p:cSld>
@@ -7841,22 +8962,19 @@
             <p:ph idx="1"/>
           </p:nvPr>
         </p:nvSpPr>
-        <p:spPr/>
+        <p:spPr>
+          <a:xfrm>
+            <a:off x="993648" y="1690688"/>
+            <a:ext cx="10515600" cy="4351338"/>
+          </a:xfrm>
+        </p:spPr>
         <p:txBody>
           <a:bodyPr/>
           <a:lstStyle/>
           <a:p>
             <a:r>
               <a:rPr lang="zh-TW" altLang="en-US" dirty="0" smtClean="0"/>
-              <a:t>建立達運</a:t>
-            </a:r>
-            <a:r>
-              <a:rPr lang="zh-TW" altLang="en-US" dirty="0" smtClean="0"/>
-              <a:t>料號</a:t>
-            </a:r>
-            <a:r>
-              <a:rPr lang="zh-TW" altLang="en-US" dirty="0" smtClean="0"/>
-              <a:t>和</a:t>
+              <a:t>建立達運料號和</a:t>
             </a:r>
             <a:r>
               <a:rPr lang="en-US" altLang="zh-TW" dirty="0" smtClean="0"/>
@@ -8181,6 +9299,33 @@
       </p:grpSpPr>
       <p:sp>
         <p:nvSpPr>
+          <p:cNvPr id="2" name="標題 1"/>
+          <p:cNvSpPr>
+            <a:spLocks noGrp="1"/>
+          </p:cNvSpPr>
+          <p:nvPr>
+            <p:ph type="title"/>
+          </p:nvPr>
+        </p:nvSpPr>
+        <p:spPr/>
+        <p:txBody>
+          <a:bodyPr/>
+          <a:lstStyle/>
+          <a:p>
+            <a:r>
+              <a:rPr lang="en-US" altLang="zh-TW" dirty="0" smtClean="0"/>
+              <a:t>ACI – </a:t>
+            </a:r>
+            <a:r>
+              <a:rPr lang="zh-TW" altLang="en-US" dirty="0" smtClean="0"/>
+              <a:t>客戶設定</a:t>
+            </a:r>
+            <a:endParaRPr lang="zh-TW" altLang="en-US" dirty="0"/>
+          </a:p>
+        </p:txBody>
+      </p:sp>
+      <p:sp>
+        <p:nvSpPr>
           <p:cNvPr id="3" name="內容版面配置區 2"/>
           <p:cNvSpPr>
             <a:spLocks noGrp="1"/>
@@ -8189,146 +9334,77 @@
             <p:ph idx="1"/>
           </p:nvPr>
         </p:nvSpPr>
-        <p:spPr>
-          <a:xfrm>
-            <a:off x="691896" y="2200529"/>
-            <a:ext cx="10515600" cy="4351338"/>
-          </a:xfrm>
-        </p:spPr>
+        <p:spPr/>
         <p:txBody>
           <a:bodyPr/>
           <a:lstStyle/>
           <a:p>
-            <a:pPr marL="0" indent="0">
-              <a:buNone/>
-            </a:pPr>
-            <a:r>
-              <a:rPr lang="zh-TW" altLang="en-US" dirty="0" smtClean="0"/>
-              <a:t>達運出貨  </a:t>
+            <a:r>
+              <a:rPr lang="zh-TW" altLang="en-US" dirty="0" smtClean="0"/>
+              <a:t>建立</a:t>
+            </a:r>
+            <a:r>
+              <a:rPr lang="en-US" altLang="zh-TW" dirty="0" smtClean="0"/>
+              <a:t>ACI</a:t>
+            </a:r>
+            <a:r>
+              <a:rPr lang="zh-TW" altLang="en-US" dirty="0" smtClean="0"/>
+              <a:t>的客戶資料</a:t>
+            </a:r>
+            <a:endParaRPr lang="en-US" altLang="zh-TW" dirty="0"/>
+          </a:p>
+          <a:p>
+            <a:r>
+              <a:rPr lang="zh-TW" altLang="en-US" dirty="0"/>
+              <a:t>左側 </a:t>
+            </a:r>
+            <a:r>
+              <a:rPr lang="en-US" altLang="zh-TW" dirty="0" smtClean="0"/>
+              <a:t>“</a:t>
+            </a:r>
+            <a:r>
+              <a:rPr lang="zh-TW" altLang="en-US" dirty="0" smtClean="0"/>
+              <a:t>客戶設定</a:t>
+            </a:r>
+            <a:r>
+              <a:rPr lang="en-US" altLang="zh-TW" dirty="0"/>
+              <a:t>”</a:t>
+            </a:r>
+            <a:r>
+              <a:rPr lang="zh-TW" altLang="en-US" dirty="0" smtClean="0"/>
+              <a:t>選單</a:t>
             </a:r>
             <a:endParaRPr lang="en-US" altLang="zh-TW" dirty="0" smtClean="0"/>
           </a:p>
           <a:p>
-            <a:pPr marL="0" indent="0">
-              <a:buNone/>
-            </a:pPr>
-            <a:r>
-              <a:rPr lang="en-US" altLang="zh-TW" dirty="0" smtClean="0"/>
-              <a:t>-</a:t>
-            </a:r>
-            <a:r>
-              <a:rPr lang="zh-TW" altLang="en-US" dirty="0" smtClean="0"/>
-              <a:t> 可產生貼在棧板上的條碼</a:t>
-            </a:r>
-            <a:r>
-              <a:rPr lang="en-US" altLang="zh-TW" dirty="0" smtClean="0"/>
-              <a:t>.</a:t>
-            </a:r>
-            <a:r>
-              <a:rPr lang="en-US" altLang="zh-TW" dirty="0" err="1" smtClean="0"/>
-              <a:t>png</a:t>
-            </a:r>
-            <a:r>
-              <a:rPr lang="zh-TW" altLang="en-US" dirty="0" smtClean="0"/>
-              <a:t>檔</a:t>
+            <a:pPr lvl="1"/>
+            <a:r>
+              <a:rPr lang="zh-TW" altLang="en-US" dirty="0" smtClean="0"/>
+              <a:t>新增客戶</a:t>
             </a:r>
             <a:endParaRPr lang="en-US" altLang="zh-TW" dirty="0" smtClean="0"/>
           </a:p>
           <a:p>
-            <a:pPr marL="0" indent="0">
-              <a:buNone/>
-            </a:pPr>
-            <a:r>
-              <a:rPr lang="zh-TW" altLang="en-US" dirty="0" smtClean="0"/>
-              <a:t> </a:t>
-            </a:r>
-            <a:r>
-              <a:rPr lang="en-US" altLang="zh-TW" dirty="0" smtClean="0"/>
-              <a:t>(</a:t>
-            </a:r>
-            <a:r>
-              <a:rPr lang="zh-TW" altLang="en-US" dirty="0" smtClean="0"/>
-              <a:t> 棧板條碼編碼方式目前是使用</a:t>
-            </a:r>
-            <a:r>
-              <a:rPr lang="en-US" altLang="zh-TW" dirty="0" smtClean="0"/>
-              <a:t>“</a:t>
-            </a:r>
-            <a:r>
-              <a:rPr lang="zh-TW" altLang="en-US" dirty="0" smtClean="0"/>
-              <a:t>達運料號</a:t>
-            </a:r>
-            <a:r>
-              <a:rPr lang="en-US" altLang="zh-TW" dirty="0" smtClean="0"/>
-              <a:t>”+”</a:t>
-            </a:r>
-            <a:r>
-              <a:rPr lang="zh-TW" altLang="en-US" dirty="0" smtClean="0"/>
-              <a:t>當</a:t>
-            </a:r>
+            <a:pPr lvl="1"/>
+            <a:r>
+              <a:rPr lang="zh-TW" altLang="en-US" dirty="0" smtClean="0"/>
+              <a:t>編輯</a:t>
+            </a:r>
+            <a:endParaRPr lang="en-US" altLang="zh-TW" dirty="0" smtClean="0"/>
+          </a:p>
+          <a:p>
+            <a:pPr lvl="1"/>
             <a:r>
               <a:rPr lang="zh-TW" altLang="en-US" dirty="0"/>
-              <a:t>時的</a:t>
-            </a:r>
-            <a:r>
-              <a:rPr lang="zh-TW" altLang="en-US" dirty="0" smtClean="0"/>
-              <a:t>日期時間</a:t>
-            </a:r>
-            <a:r>
-              <a:rPr lang="en-US" altLang="zh-TW" dirty="0" smtClean="0"/>
-              <a:t>“</a:t>
-            </a:r>
-            <a:r>
-              <a:rPr lang="zh-TW" altLang="en-US" dirty="0" smtClean="0"/>
-              <a:t>的唯一值 </a:t>
-            </a:r>
-            <a:r>
-              <a:rPr lang="en-US" altLang="zh-TW" dirty="0" smtClean="0"/>
-              <a:t>)</a:t>
-            </a:r>
-          </a:p>
-        </p:txBody>
-      </p:sp>
-      <p:sp>
-        <p:nvSpPr>
-          <p:cNvPr id="4" name="標題 1"/>
-          <p:cNvSpPr>
-            <a:spLocks noGrp="1"/>
-          </p:cNvSpPr>
-          <p:nvPr>
-            <p:ph type="title"/>
-          </p:nvPr>
-        </p:nvSpPr>
-        <p:spPr>
-          <a:xfrm>
-            <a:off x="627888" y="291973"/>
-            <a:ext cx="10515600" cy="1325563"/>
-          </a:xfrm>
-        </p:spPr>
-        <p:txBody>
-          <a:bodyPr/>
-          <a:lstStyle/>
-          <a:p>
-            <a:r>
-              <a:rPr lang="zh-TW" altLang="en-US" dirty="0" smtClean="0"/>
-              <a:t>達運 </a:t>
-            </a:r>
-            <a:r>
-              <a:rPr lang="en-US" altLang="zh-TW" dirty="0" smtClean="0"/>
-              <a:t>–</a:t>
-            </a:r>
-            <a:r>
-              <a:rPr lang="zh-TW" altLang="en-US" dirty="0" smtClean="0"/>
-              <a:t> 出貨</a:t>
-            </a:r>
-            <a:endParaRPr lang="zh-TW" altLang="en-US" dirty="0"/>
+              <a:t>刪除</a:t>
+            </a:r>
           </a:p>
         </p:txBody>
       </p:sp>
     </p:spTree>
     <p:extLst>
       <p:ext uri="{BB962C8B-B14F-4D97-AF65-F5344CB8AC3E}">
-        <p14:creationId xmlns:p14="http://schemas.microsoft.com/office/powerpoint/2010/main" val="2017612432"/>
+        <p14:creationId xmlns:p14="http://schemas.microsoft.com/office/powerpoint/2010/main" val="1138556879"/>
       </p:ext>
     </p:extLst>
   </p:cSld>
@@ -8362,6 +9438,33 @@
           <a:chExt cx="0" cy="0"/>
         </a:xfrm>
       </p:grpSpPr>
+      <p:sp>
+        <p:nvSpPr>
+          <p:cNvPr id="2" name="標題 1"/>
+          <p:cNvSpPr>
+            <a:spLocks noGrp="1"/>
+          </p:cNvSpPr>
+          <p:nvPr>
+            <p:ph type="title"/>
+          </p:nvPr>
+        </p:nvSpPr>
+        <p:spPr/>
+        <p:txBody>
+          <a:bodyPr/>
+          <a:lstStyle/>
+          <a:p>
+            <a:r>
+              <a:rPr lang="en-US" altLang="zh-TW" dirty="0" smtClean="0"/>
+              <a:t>ACI – </a:t>
+            </a:r>
+            <a:r>
+              <a:rPr lang="zh-TW" altLang="en-US" dirty="0" smtClean="0"/>
+              <a:t>客戶設定</a:t>
+            </a:r>
+            <a:endParaRPr lang="zh-TW" altLang="en-US" dirty="0"/>
+          </a:p>
+        </p:txBody>
+      </p:sp>
       <p:pic>
         <p:nvPicPr>
           <p:cNvPr id="5" name="圖片 4"/>
@@ -8378,155 +9481,18 @@
         </p:blipFill>
         <p:spPr>
           <a:xfrm>
-            <a:off x="110369" y="1234440"/>
-            <a:ext cx="4892760" cy="4243996"/>
+            <a:off x="434405" y="1690688"/>
+            <a:ext cx="11821603" cy="4348864"/>
           </a:xfrm>
           <a:prstGeom prst="rect">
             <a:avLst/>
           </a:prstGeom>
         </p:spPr>
       </p:pic>
-      <p:pic>
-        <p:nvPicPr>
-          <p:cNvPr id="6" name="圖片 5"/>
-          <p:cNvPicPr>
-            <a:picLocks noChangeAspect="1"/>
-          </p:cNvPicPr>
-          <p:nvPr/>
-        </p:nvPicPr>
-        <p:blipFill>
-          <a:blip r:embed="rId3"/>
-          <a:stretch>
-            <a:fillRect/>
-          </a:stretch>
-        </p:blipFill>
-        <p:spPr>
-          <a:xfrm>
-            <a:off x="5661379" y="2368296"/>
-            <a:ext cx="6530621" cy="4590288"/>
-          </a:xfrm>
-          <a:prstGeom prst="rect">
-            <a:avLst/>
-          </a:prstGeom>
-        </p:spPr>
-      </p:pic>
-      <p:sp>
-        <p:nvSpPr>
-          <p:cNvPr id="8" name="標題 1"/>
-          <p:cNvSpPr>
-            <a:spLocks noGrp="1"/>
-          </p:cNvSpPr>
-          <p:nvPr>
-            <p:ph type="title"/>
-          </p:nvPr>
-        </p:nvSpPr>
-        <p:spPr>
-          <a:xfrm>
-            <a:off x="838200" y="81661"/>
-            <a:ext cx="10515600" cy="1325563"/>
-          </a:xfrm>
-        </p:spPr>
-        <p:txBody>
-          <a:bodyPr/>
-          <a:lstStyle/>
-          <a:p>
-            <a:r>
-              <a:rPr lang="zh-TW" altLang="en-US" dirty="0" smtClean="0"/>
-              <a:t>達運 </a:t>
-            </a:r>
-            <a:r>
-              <a:rPr lang="en-US" altLang="zh-TW" dirty="0" smtClean="0"/>
-              <a:t>–</a:t>
-            </a:r>
-            <a:r>
-              <a:rPr lang="zh-TW" altLang="en-US" dirty="0" smtClean="0"/>
-              <a:t> 出貨</a:t>
-            </a:r>
-            <a:endParaRPr lang="zh-TW" altLang="en-US" dirty="0"/>
-          </a:p>
-        </p:txBody>
-      </p:sp>
-      <p:cxnSp>
-        <p:nvCxnSpPr>
-          <p:cNvPr id="10" name="直線單箭頭接點 9"/>
-          <p:cNvCxnSpPr/>
-          <p:nvPr/>
-        </p:nvCxnSpPr>
-        <p:spPr>
-          <a:xfrm>
-            <a:off x="5084064" y="2889504"/>
-            <a:ext cx="365760" cy="9144"/>
-          </a:xfrm>
-          <a:prstGeom prst="straightConnector1">
-            <a:avLst/>
-          </a:prstGeom>
-          <a:ln>
-            <a:solidFill>
-              <a:srgbClr val="FF0000"/>
-            </a:solidFill>
-            <a:tailEnd type="triangle"/>
-          </a:ln>
-        </p:spPr>
-        <p:style>
-          <a:lnRef idx="1">
-            <a:schemeClr val="accent1"/>
-          </a:lnRef>
-          <a:fillRef idx="0">
-            <a:schemeClr val="accent1"/>
-          </a:fillRef>
-          <a:effectRef idx="0">
-            <a:schemeClr val="accent1"/>
-          </a:effectRef>
-          <a:fontRef idx="minor">
-            <a:schemeClr val="tx1"/>
-          </a:fontRef>
-        </p:style>
-      </p:cxnSp>
-      <p:sp>
-        <p:nvSpPr>
-          <p:cNvPr id="11" name="矩形 10"/>
-          <p:cNvSpPr/>
-          <p:nvPr/>
-        </p:nvSpPr>
-        <p:spPr>
-          <a:xfrm>
-            <a:off x="110369" y="1234440"/>
-            <a:ext cx="4892760" cy="4105656"/>
-          </a:xfrm>
-          <a:prstGeom prst="rect">
-            <a:avLst/>
-          </a:prstGeom>
-          <a:noFill/>
-        </p:spPr>
-        <p:style>
-          <a:lnRef idx="2">
-            <a:schemeClr val="accent1">
-              <a:shade val="50000"/>
-            </a:schemeClr>
-          </a:lnRef>
-          <a:fillRef idx="1">
-            <a:schemeClr val="accent1"/>
-          </a:fillRef>
-          <a:effectRef idx="0">
-            <a:schemeClr val="accent1"/>
-          </a:effectRef>
-          <a:fontRef idx="minor">
-            <a:schemeClr val="lt1"/>
-          </a:fontRef>
-        </p:style>
-        <p:txBody>
-          <a:bodyPr rtlCol="0" anchor="ctr"/>
-          <a:lstStyle/>
-          <a:p>
-            <a:pPr algn="ctr"/>
-            <a:endParaRPr lang="zh-TW" altLang="en-US"/>
-          </a:p>
-        </p:txBody>
-      </p:sp>
     </p:spTree>
     <p:extLst>
       <p:ext uri="{BB962C8B-B14F-4D97-AF65-F5344CB8AC3E}">
-        <p14:creationId xmlns:p14="http://schemas.microsoft.com/office/powerpoint/2010/main" val="2484429422"/>
+        <p14:creationId xmlns:p14="http://schemas.microsoft.com/office/powerpoint/2010/main" val="3301072960"/>
       </p:ext>
     </p:extLst>
   </p:cSld>
@@ -8560,9 +9526,40 @@
           <a:chExt cx="0" cy="0"/>
         </a:xfrm>
       </p:grpSpPr>
+      <p:sp>
+        <p:nvSpPr>
+          <p:cNvPr id="2" name="標題 1"/>
+          <p:cNvSpPr>
+            <a:spLocks noGrp="1"/>
+          </p:cNvSpPr>
+          <p:nvPr>
+            <p:ph type="title"/>
+          </p:nvPr>
+        </p:nvSpPr>
+        <p:spPr/>
+        <p:txBody>
+          <a:bodyPr/>
+          <a:lstStyle/>
+          <a:p>
+            <a:r>
+              <a:rPr lang="zh-TW" altLang="en-US" dirty="0" smtClean="0"/>
+              <a:t>新增</a:t>
+            </a:r>
+            <a:r>
+              <a:rPr lang="en-US" altLang="zh-TW" dirty="0" smtClean="0"/>
+              <a:t>&amp;</a:t>
+            </a:r>
+            <a:r>
+              <a:rPr lang="zh-TW" altLang="en-US" dirty="0" smtClean="0"/>
+              <a:t>編輯 客戶</a:t>
+            </a:r>
+            <a:endParaRPr lang="zh-TW" altLang="en-US" dirty="0"/>
+          </a:p>
+        </p:txBody>
+      </p:sp>
       <p:pic>
         <p:nvPicPr>
-          <p:cNvPr id="4" name="圖片 3"/>
+          <p:cNvPr id="5" name="圖片 4"/>
           <p:cNvPicPr>
             <a:picLocks noChangeAspect="1"/>
           </p:cNvPicPr>
@@ -8576,8 +9573,8 @@
         </p:blipFill>
         <p:spPr>
           <a:xfrm>
-            <a:off x="0" y="1133857"/>
-            <a:ext cx="6896831" cy="5212080"/>
+            <a:off x="-301752" y="1316608"/>
+            <a:ext cx="6545377" cy="3355976"/>
           </a:xfrm>
           <a:prstGeom prst="rect">
             <a:avLst/>
@@ -8586,7 +9583,7 @@
       </p:pic>
       <p:pic>
         <p:nvPicPr>
-          <p:cNvPr id="7" name="圖片 6"/>
+          <p:cNvPr id="8" name="圖片 7"/>
           <p:cNvPicPr>
             <a:picLocks noChangeAspect="1"/>
           </p:cNvPicPr>
@@ -8600,192 +9597,18 @@
         </p:blipFill>
         <p:spPr>
           <a:xfrm>
-            <a:off x="7657893" y="1069848"/>
-            <a:ext cx="4232355" cy="1737360"/>
+            <a:off x="6134867" y="3092105"/>
+            <a:ext cx="6343677" cy="3765895"/>
           </a:xfrm>
           <a:prstGeom prst="rect">
             <a:avLst/>
           </a:prstGeom>
         </p:spPr>
       </p:pic>
-      <p:pic>
-        <p:nvPicPr>
-          <p:cNvPr id="8" name="圖片 7"/>
-          <p:cNvPicPr>
-            <a:picLocks noChangeAspect="1"/>
-          </p:cNvPicPr>
-          <p:nvPr/>
-        </p:nvPicPr>
-        <p:blipFill>
-          <a:blip r:embed="rId4"/>
-          <a:stretch>
-            <a:fillRect/>
-          </a:stretch>
-        </p:blipFill>
-        <p:spPr>
-          <a:xfrm>
-            <a:off x="7384438" y="4361688"/>
-            <a:ext cx="4779264" cy="855601"/>
-          </a:xfrm>
-          <a:prstGeom prst="rect">
-            <a:avLst/>
-          </a:prstGeom>
-        </p:spPr>
-      </p:pic>
-      <p:sp>
-        <p:nvSpPr>
-          <p:cNvPr id="9" name="標題 1"/>
-          <p:cNvSpPr>
-            <a:spLocks noGrp="1"/>
-          </p:cNvSpPr>
-          <p:nvPr>
-            <p:ph type="title"/>
-          </p:nvPr>
-        </p:nvSpPr>
-        <p:spPr>
-          <a:xfrm>
-            <a:off x="838200" y="81661"/>
-            <a:ext cx="10515600" cy="1325563"/>
-          </a:xfrm>
-        </p:spPr>
-        <p:txBody>
-          <a:bodyPr/>
-          <a:lstStyle/>
-          <a:p>
-            <a:r>
-              <a:rPr lang="zh-TW" altLang="en-US" dirty="0" smtClean="0"/>
-              <a:t>達運 </a:t>
-            </a:r>
-            <a:r>
-              <a:rPr lang="en-US" altLang="zh-TW" dirty="0" smtClean="0"/>
-              <a:t>–</a:t>
-            </a:r>
-            <a:r>
-              <a:rPr lang="zh-TW" altLang="en-US" dirty="0" smtClean="0"/>
-              <a:t> 出貨</a:t>
-            </a:r>
-            <a:endParaRPr lang="zh-TW" altLang="en-US" dirty="0"/>
-          </a:p>
-        </p:txBody>
-      </p:sp>
-      <p:cxnSp>
-        <p:nvCxnSpPr>
-          <p:cNvPr id="11" name="直線單箭頭接點 10"/>
-          <p:cNvCxnSpPr/>
-          <p:nvPr/>
-        </p:nvCxnSpPr>
-        <p:spPr>
-          <a:xfrm flipV="1">
-            <a:off x="6896831" y="2130552"/>
-            <a:ext cx="761062" cy="9144"/>
-          </a:xfrm>
-          <a:prstGeom prst="straightConnector1">
-            <a:avLst/>
-          </a:prstGeom>
-          <a:ln>
-            <a:solidFill>
-              <a:srgbClr val="FF0000"/>
-            </a:solidFill>
-            <a:tailEnd type="triangle"/>
-          </a:ln>
-        </p:spPr>
-        <p:style>
-          <a:lnRef idx="1">
-            <a:schemeClr val="accent1"/>
-          </a:lnRef>
-          <a:fillRef idx="0">
-            <a:schemeClr val="accent1"/>
-          </a:fillRef>
-          <a:effectRef idx="0">
-            <a:schemeClr val="accent1"/>
-          </a:effectRef>
-          <a:fontRef idx="minor">
-            <a:schemeClr val="tx1"/>
-          </a:fontRef>
-        </p:style>
-      </p:cxnSp>
-      <p:cxnSp>
-        <p:nvCxnSpPr>
-          <p:cNvPr id="13" name="直線單箭頭接點 12"/>
-          <p:cNvCxnSpPr/>
-          <p:nvPr/>
-        </p:nvCxnSpPr>
-        <p:spPr>
-          <a:xfrm>
-            <a:off x="6896831" y="3236976"/>
-            <a:ext cx="848137" cy="1051560"/>
-          </a:xfrm>
-          <a:prstGeom prst="straightConnector1">
-            <a:avLst/>
-          </a:prstGeom>
-          <a:ln>
-            <a:solidFill>
-              <a:srgbClr val="FF0000"/>
-            </a:solidFill>
-            <a:tailEnd type="triangle"/>
-          </a:ln>
-        </p:spPr>
-        <p:style>
-          <a:lnRef idx="1">
-            <a:schemeClr val="accent1"/>
-          </a:lnRef>
-          <a:fillRef idx="0">
-            <a:schemeClr val="accent1"/>
-          </a:fillRef>
-          <a:effectRef idx="0">
-            <a:schemeClr val="accent1"/>
-          </a:effectRef>
-          <a:fontRef idx="minor">
-            <a:schemeClr val="tx1"/>
-          </a:fontRef>
-        </p:style>
-      </p:cxnSp>
-      <p:sp>
-        <p:nvSpPr>
-          <p:cNvPr id="14" name="文字方塊 13"/>
-          <p:cNvSpPr txBox="1"/>
-          <p:nvPr/>
-        </p:nvSpPr>
-        <p:spPr>
-          <a:xfrm>
-            <a:off x="8165592" y="5733288"/>
-            <a:ext cx="3602736" cy="369332"/>
-          </a:xfrm>
-          <a:prstGeom prst="rect">
-            <a:avLst/>
-          </a:prstGeom>
-          <a:noFill/>
-        </p:spPr>
-        <p:txBody>
-          <a:bodyPr wrap="square" rtlCol="0">
-            <a:spAutoFit/>
-          </a:bodyPr>
-          <a:lstStyle/>
-          <a:p>
-            <a:r>
-              <a:rPr lang="zh-TW" altLang="en-US" dirty="0" smtClean="0"/>
-              <a:t>產生</a:t>
-            </a:r>
-            <a:r>
-              <a:rPr lang="en-US" altLang="zh-TW" dirty="0" smtClean="0"/>
-              <a:t>.</a:t>
-            </a:r>
-            <a:r>
-              <a:rPr lang="en-US" altLang="zh-TW" dirty="0" err="1" smtClean="0"/>
-              <a:t>png</a:t>
-            </a:r>
-            <a:r>
-              <a:rPr lang="zh-TW" altLang="en-US" dirty="0" smtClean="0"/>
-              <a:t>檔 以及得知 棧板條碼</a:t>
-            </a:r>
-            <a:endParaRPr lang="zh-TW" altLang="en-US" dirty="0"/>
-          </a:p>
-        </p:txBody>
-      </p:sp>
     </p:spTree>
     <p:extLst>
       <p:ext uri="{BB962C8B-B14F-4D97-AF65-F5344CB8AC3E}">
-        <p14:creationId xmlns:p14="http://schemas.microsoft.com/office/powerpoint/2010/main" val="984780520"/>
+        <p14:creationId xmlns:p14="http://schemas.microsoft.com/office/powerpoint/2010/main" val="3528428118"/>
       </p:ext>
     </p:extLst>
   </p:cSld>

--- a/document/ACI庫存操作.pptx
+++ b/document/ACI庫存操作.pptx
@@ -3470,13 +3470,7 @@
               <a:rPr lang="zh-TW" altLang="en-US" dirty="0" smtClean="0">
                 <a:hlinkClick r:id="rId10" action="ppaction://hlinksldjump"/>
               </a:rPr>
-              <a:t> 設備</a:t>
-            </a:r>
-            <a:r>
-              <a:rPr lang="zh-TW" altLang="en-US" dirty="0" smtClean="0">
-                <a:hlinkClick r:id="rId10" action="ppaction://hlinksldjump"/>
-              </a:rPr>
-              <a:t>轉移 </a:t>
+              <a:t> 設備轉移 </a:t>
             </a:r>
             <a:r>
               <a:rPr lang="en-US" altLang="zh-TW" dirty="0" smtClean="0">
@@ -4302,15 +4296,7 @@
           <a:p>
             <a:r>
               <a:rPr lang="zh-TW" altLang="en-US" dirty="0" smtClean="0"/>
-              <a:t>之後將</a:t>
-            </a:r>
-            <a:r>
-              <a:rPr lang="zh-TW" altLang="en-US" dirty="0" smtClean="0"/>
-              <a:t>移除此</a:t>
-            </a:r>
-            <a:r>
-              <a:rPr lang="zh-TW" altLang="en-US" dirty="0" smtClean="0"/>
-              <a:t>測試頁面</a:t>
+              <a:t>之後將移除此測試頁面</a:t>
             </a:r>
             <a:endParaRPr lang="en-US" altLang="zh-TW" dirty="0" smtClean="0"/>
           </a:p>
@@ -4656,11 +4642,7 @@
             </a:r>
             <a:r>
               <a:rPr lang="zh-TW" altLang="en-US" dirty="0" smtClean="0"/>
-              <a:t> 點擊</a:t>
-            </a:r>
-            <a:r>
-              <a:rPr lang="zh-TW" altLang="en-US" dirty="0" smtClean="0"/>
-              <a:t>左側導覽列的 </a:t>
+              <a:t> 點擊左側導覽列的 </a:t>
             </a:r>
             <a:r>
               <a:rPr lang="en-US" altLang="zh-TW" dirty="0" smtClean="0"/>
@@ -4745,15 +4727,7 @@
             </a:r>
             <a:r>
               <a:rPr lang="zh-TW" altLang="en-US" dirty="0" smtClean="0"/>
-              <a:t>可連續刷入</a:t>
-            </a:r>
-            <a:r>
-              <a:rPr lang="zh-TW" altLang="en-US" dirty="0" smtClean="0"/>
-              <a:t>多個單筆的棧</a:t>
-            </a:r>
-            <a:r>
-              <a:rPr lang="zh-TW" altLang="en-US" dirty="0" smtClean="0"/>
-              <a:t>板 </a:t>
+              <a:t>可連續刷入多個單筆的棧板 </a:t>
             </a:r>
             <a:r>
               <a:rPr lang="en-US" altLang="zh-TW" dirty="0" smtClean="0"/>
@@ -4795,11 +4769,7 @@
             </a:r>
             <a:r>
               <a:rPr lang="zh-TW" altLang="en-US" dirty="0" smtClean="0"/>
-              <a:t>入庫 </a:t>
-            </a:r>
-            <a:r>
-              <a:rPr lang="zh-TW" altLang="en-US" dirty="0" smtClean="0"/>
-              <a:t>  </a:t>
+              <a:t>入庫   </a:t>
             </a:r>
             <a:r>
               <a:rPr lang="en-US" altLang="zh-TW" dirty="0" smtClean="0"/>
@@ -4815,11 +4785,7 @@
             </a:r>
             <a:r>
               <a:rPr lang="zh-TW" altLang="en-US" dirty="0" smtClean="0"/>
-              <a:t>板組合而</a:t>
-            </a:r>
-            <a:r>
-              <a:rPr lang="zh-TW" altLang="en-US" dirty="0" smtClean="0"/>
-              <a:t>成</a:t>
+              <a:t>板組合而成</a:t>
             </a:r>
             <a:r>
               <a:rPr lang="en-US" altLang="zh-TW" dirty="0" smtClean="0"/>
@@ -4881,7 +4847,6 @@
               <a:rPr lang="en-US" altLang="zh-TW" dirty="0" smtClean="0"/>
               <a:t>)</a:t>
             </a:r>
-            <a:endParaRPr lang="en-US" altLang="zh-TW" dirty="0" smtClean="0"/>
           </a:p>
           <a:p>
             <a:pPr marL="0" indent="0">
@@ -5733,11 +5698,7 @@
             <a:pPr lvl="1"/>
             <a:r>
               <a:rPr lang="zh-TW" altLang="en-US" dirty="0" smtClean="0"/>
-              <a:t>可更改 棧板儲</a:t>
-            </a:r>
-            <a:r>
-              <a:rPr lang="zh-TW" altLang="en-US" dirty="0" smtClean="0"/>
-              <a:t>位</a:t>
+              <a:t>可更改 棧板儲位</a:t>
             </a:r>
             <a:endParaRPr lang="en-US" altLang="zh-TW" dirty="0" smtClean="0"/>
           </a:p>
@@ -6178,23 +6139,7 @@
                   <a:srgbClr val="92D050"/>
                 </a:solidFill>
               </a:rPr>
-              <a:t>單一棧</a:t>
-            </a:r>
-            <a:r>
-              <a:rPr lang="zh-TW" altLang="en-US" dirty="0" smtClean="0">
-                <a:solidFill>
-                  <a:srgbClr val="92D050"/>
-                </a:solidFill>
-              </a:rPr>
-              <a:t>板</a:t>
-            </a:r>
-            <a:r>
-              <a:rPr lang="zh-TW" altLang="en-US" dirty="0" smtClean="0">
-                <a:solidFill>
-                  <a:srgbClr val="92D050"/>
-                </a:solidFill>
-              </a:rPr>
-              <a:t>管理</a:t>
+              <a:t>單一棧板管理</a:t>
             </a:r>
             <a:endParaRPr lang="en-US" altLang="zh-TW" dirty="0" smtClean="0"/>
           </a:p>
@@ -6234,11 +6179,7 @@
             <a:pPr lvl="1"/>
             <a:r>
               <a:rPr lang="zh-TW" altLang="en-US" dirty="0" smtClean="0"/>
-              <a:t>使用</a:t>
-            </a:r>
-            <a:r>
-              <a:rPr lang="zh-TW" altLang="en-US" dirty="0" smtClean="0"/>
-              <a:t>條碼機掃描紙箱條碼 </a:t>
+              <a:t>使用條碼機掃描紙箱條碼 </a:t>
             </a:r>
             <a:r>
               <a:rPr lang="en-US" altLang="zh-TW" dirty="0" smtClean="0"/>
@@ -6258,11 +6199,7 @@
             <a:pPr lvl="1"/>
             <a:r>
               <a:rPr lang="zh-TW" altLang="en-US" dirty="0" smtClean="0"/>
-              <a:t>可進行個別</a:t>
-            </a:r>
-            <a:r>
-              <a:rPr lang="zh-TW" altLang="en-US" dirty="0" smtClean="0"/>
-              <a:t>紙箱的 </a:t>
+              <a:t>可進行個別紙箱的 </a:t>
             </a:r>
             <a:endParaRPr lang="en-US" altLang="zh-TW" dirty="0" smtClean="0"/>
           </a:p>
@@ -6597,7 +6534,47 @@
             </a:r>
             <a:r>
               <a:rPr lang="zh-TW" altLang="en-US" dirty="0" smtClean="0"/>
-              <a:t>檔案需出貨的數量 不符合 待出貨清單中的數量 </a:t>
+              <a:t>檔案需出貨的</a:t>
+            </a:r>
+            <a:r>
+              <a:rPr lang="zh-TW" altLang="en-US" dirty="0" smtClean="0"/>
+              <a:t>數量</a:t>
+            </a:r>
+            <a:r>
+              <a:rPr lang="en-US" altLang="zh-TW" dirty="0" smtClean="0"/>
+              <a:t>(amount</a:t>
+            </a:r>
+            <a:r>
+              <a:rPr lang="zh-TW" altLang="en-US" dirty="0" smtClean="0"/>
+              <a:t>欄位值</a:t>
+            </a:r>
+            <a:r>
+              <a:rPr lang="en-US" altLang="zh-TW" dirty="0" smtClean="0"/>
+              <a:t>)</a:t>
+            </a:r>
+            <a:r>
+              <a:rPr lang="zh-TW" altLang="en-US" dirty="0" smtClean="0"/>
+              <a:t> 不等於 </a:t>
+            </a:r>
+            <a:r>
+              <a:rPr lang="zh-TW" altLang="en-US" dirty="0" smtClean="0"/>
+              <a:t>待出貨</a:t>
+            </a:r>
+            <a:r>
+              <a:rPr lang="zh-TW" altLang="en-US" dirty="0" smtClean="0"/>
+              <a:t>清</a:t>
+            </a:r>
+            <a:r>
+              <a:rPr lang="en-US" altLang="zh-TW" dirty="0" smtClean="0"/>
+              <a:t>	</a:t>
+            </a:r>
+            <a:r>
+              <a:rPr lang="zh-TW" altLang="en-US" dirty="0" smtClean="0"/>
+              <a:t>單</a:t>
+            </a:r>
+            <a:r>
+              <a:rPr lang="zh-TW" altLang="en-US" dirty="0" smtClean="0"/>
+              <a:t>中的數量 </a:t>
             </a:r>
             <a:r>
               <a:rPr lang="en-US" altLang="zh-TW" dirty="0" smtClean="0"/>
@@ -6646,8 +6623,12 @@
               <a:t>檔案需出貨的數量 </a:t>
             </a:r>
             <a:r>
-              <a:rPr lang="zh-TW" altLang="en-US" dirty="0" smtClean="0"/>
-              <a:t>符合 </a:t>
+              <a:rPr lang="zh-TW" altLang="en-US" dirty="0"/>
+              <a:t>等於</a:t>
+            </a:r>
+            <a:r>
+              <a:rPr lang="zh-TW" altLang="en-US" dirty="0" smtClean="0"/>
+              <a:t> </a:t>
             </a:r>
             <a:r>
               <a:rPr lang="zh-TW" altLang="en-US" dirty="0"/>
@@ -6802,6 +6783,52 @@
           </a:p>
         </p:txBody>
       </p:sp>
+      <p:sp>
+        <p:nvSpPr>
+          <p:cNvPr id="2" name="矩形 1"/>
+          <p:cNvSpPr/>
+          <p:nvPr/>
+        </p:nvSpPr>
+        <p:spPr>
+          <a:xfrm>
+            <a:off x="987552" y="3027809"/>
+            <a:ext cx="3941064" cy="346327"/>
+          </a:xfrm>
+          <a:prstGeom prst="rect">
+            <a:avLst/>
+          </a:prstGeom>
+          <a:noFill/>
+          <a:ln>
+            <a:solidFill>
+              <a:srgbClr val="FF0000"/>
+            </a:solidFill>
+          </a:ln>
+        </p:spPr>
+        <p:style>
+          <a:lnRef idx="2">
+            <a:schemeClr val="accent1">
+              <a:shade val="50000"/>
+            </a:schemeClr>
+          </a:lnRef>
+          <a:fillRef idx="1">
+            <a:schemeClr val="accent1"/>
+          </a:fillRef>
+          <a:effectRef idx="0">
+            <a:schemeClr val="accent1"/>
+          </a:effectRef>
+          <a:fontRef idx="minor">
+            <a:schemeClr val="lt1"/>
+          </a:fontRef>
+        </p:style>
+        <p:txBody>
+          <a:bodyPr rtlCol="0" anchor="ctr"/>
+          <a:lstStyle/>
+          <a:p>
+            <a:pPr algn="ctr"/>
+            <a:endParaRPr lang="zh-TW" altLang="en-US"/>
+          </a:p>
+        </p:txBody>
+      </p:sp>
     </p:spTree>
     <p:extLst>
       <p:ext uri="{BB962C8B-B14F-4D97-AF65-F5344CB8AC3E}">
@@ -6883,7 +6910,7 @@
             </a:r>
             <a:r>
               <a:rPr lang="zh-TW" altLang="en-US" sz="2800" dirty="0" smtClean="0"/>
-              <a:t>將貨物</a:t>
+              <a:t>貨物</a:t>
             </a:r>
             <a:r>
               <a:rPr lang="zh-TW" altLang="en-US" sz="2800" dirty="0" smtClean="0"/>
@@ -6906,7 +6933,7 @@
         <p:spPr/>
         <p:txBody>
           <a:bodyPr>
-            <a:normAutofit fontScale="92500" lnSpcReduction="10000"/>
+            <a:normAutofit/>
           </a:bodyPr>
           <a:lstStyle/>
           <a:p>
@@ -6998,47 +7025,11 @@
           <a:p>
             <a:r>
               <a:rPr lang="zh-TW" altLang="en-US" dirty="0" smtClean="0"/>
-              <a:t>輸入完成送出後即進行</a:t>
-            </a:r>
-            <a:endParaRPr lang="en-US" altLang="zh-TW" dirty="0" smtClean="0"/>
-          </a:p>
-          <a:p>
-            <a:pPr lvl="1"/>
-            <a:r>
-              <a:rPr lang="zh-TW" altLang="en-US" dirty="0" smtClean="0"/>
-              <a:t>下載</a:t>
-            </a:r>
-            <a:r>
-              <a:rPr lang="en-US" altLang="zh-TW" dirty="0" smtClean="0"/>
-              <a:t>excel</a:t>
-            </a:r>
-            <a:r>
-              <a:rPr lang="zh-TW" altLang="en-US" dirty="0" smtClean="0"/>
-              <a:t>檔 </a:t>
-            </a:r>
-            <a:r>
-              <a:rPr lang="en-US" altLang="zh-TW" dirty="0" smtClean="0"/>
-              <a:t>, </a:t>
-            </a:r>
-            <a:r>
-              <a:rPr lang="zh-TW" altLang="en-US" dirty="0" smtClean="0"/>
-              <a:t>內容為該棧板內的所有紙箱內容 </a:t>
-            </a:r>
-            <a:r>
-              <a:rPr lang="en-US" altLang="zh-TW" dirty="0" smtClean="0"/>
-              <a:t>, excel</a:t>
-            </a:r>
-            <a:r>
-              <a:rPr lang="zh-TW" altLang="en-US" dirty="0" smtClean="0"/>
-              <a:t>內</a:t>
-            </a:r>
-            <a:r>
-              <a:rPr lang="zh-TW" altLang="en-US" dirty="0" smtClean="0"/>
-              <a:t>的欄位</a:t>
-            </a:r>
-            <a:r>
-              <a:rPr lang="zh-TW" altLang="en-US" dirty="0" smtClean="0"/>
-              <a:t>會全部填上上面填入的資料</a:t>
+              <a:t>輸入完成</a:t>
+            </a:r>
+            <a:r>
+              <a:rPr lang="zh-TW" altLang="en-US" dirty="0" smtClean="0"/>
+              <a:t>送出</a:t>
             </a:r>
             <a:endParaRPr lang="en-US" altLang="zh-TW" dirty="0" smtClean="0"/>
           </a:p>
@@ -7157,7 +7148,6 @@
               <a:rPr lang="zh-TW" altLang="en-US" dirty="0"/>
               <a:t> 待出貨清單</a:t>
             </a:r>
-            <a:endParaRPr lang="zh-TW" altLang="en-US" dirty="0"/>
           </a:p>
         </p:txBody>
       </p:sp>
@@ -7311,11 +7301,7 @@
           <a:p>
             <a:r>
               <a:rPr lang="zh-TW" altLang="en-US" dirty="0" smtClean="0"/>
-              <a:t>點</a:t>
-            </a:r>
-            <a:r>
-              <a:rPr lang="zh-TW" altLang="en-US" dirty="0" smtClean="0"/>
-              <a:t>擊</a:t>
+              <a:t>點擊</a:t>
             </a:r>
             <a:r>
               <a:rPr lang="en-US" altLang="zh-TW" dirty="0" smtClean="0"/>
@@ -7907,11 +7893,7 @@
           <a:p>
             <a:r>
               <a:rPr lang="zh-TW" altLang="en-US" dirty="0" smtClean="0"/>
-              <a:t>可用依照出貨時間日期做</a:t>
-            </a:r>
-            <a:r>
-              <a:rPr lang="zh-TW" altLang="en-US" dirty="0" smtClean="0"/>
-              <a:t>查詢 </a:t>
+              <a:t>可用依照出貨時間日期做查詢 </a:t>
             </a:r>
             <a:r>
               <a:rPr lang="en-US" altLang="zh-TW" dirty="0" smtClean="0"/>
@@ -7945,7 +7927,7 @@
             </a:r>
             <a:r>
               <a:rPr lang="zh-TW" altLang="en-US" dirty="0" smtClean="0"/>
-              <a:t>需要的出貨</a:t>
+              <a:t>需要提供給客戶的出貨</a:t>
             </a:r>
             <a:r>
               <a:rPr lang="en-US" altLang="zh-TW" dirty="0" smtClean="0"/>
@@ -8232,7 +8214,6 @@
               <a:rPr lang="zh-TW" altLang="en-US" dirty="0"/>
               <a:t> 已出貨歷史清單</a:t>
             </a:r>
-            <a:endParaRPr lang="zh-TW" altLang="en-US" dirty="0"/>
           </a:p>
         </p:txBody>
       </p:sp>
